--- a/CSCI-111/week-1/week-1-lecture/week-1-lecture-1.pptx
+++ b/CSCI-111/week-1/week-1-lecture/week-1-lecture-1.pptx
@@ -17,14 +17,6 @@
     <p:sldId id="262" r:id="rId12"/>
     <p:sldId id="263" r:id="rId13"/>
     <p:sldId id="264" r:id="rId14"/>
-    <p:sldId id="265" r:id="rId15"/>
-    <p:sldId id="266" r:id="rId16"/>
-    <p:sldId id="267" r:id="rId17"/>
-    <p:sldId id="268" r:id="rId18"/>
-    <p:sldId id="269" r:id="rId19"/>
-    <p:sldId id="270" r:id="rId20"/>
-    <p:sldId id="271" r:id="rId21"/>
-    <p:sldId id="272" r:id="rId22"/>
   </p:sldIdLst>
   <p:sldSz cy="5143500" cx="9144000"/>
   <p:notesSz cx="6858000" cy="9144000"/>
@@ -273,7 +265,7 @@
       </p15:sldGuideLst>
     </p:ext>
     <p:ext uri="GoogleSlidesCustomDataVersion2">
-      <go:slidesCustomData xmlns:go="http://customooxmlschemas.google.com/" r:id="rId23" roundtripDataSignature="AMtx7miCKu9dMa+I8FA2Etrmk/AgxSfmqg=="/>
+      <go:slidesCustomData xmlns:go="http://customooxmlschemas.google.com/" r:id="rId15" roundtripDataSignature="AMtx7miHXwa6EXHrLz7AfgwcZp4OiJiYow=="/>
     </p:ext>
   </p:extLst>
 </p:presentation>
@@ -964,942 +956,6 @@
 </p:notes>
 </file>
 
-<file path=ppt/notesSlides/notesSlide10.xml><?xml version="1.0" encoding="utf-8"?>
-<p:notes xmlns:a="http://schemas.openxmlformats.org/drawingml/2006/main" xmlns:r="http://schemas.openxmlformats.org/officeDocument/2006/relationships" xmlns:mc="http://schemas.openxmlformats.org/markup-compatibility/2006" xmlns:mv="urn:schemas-microsoft-com:mac:vml" xmlns:p="http://schemas.openxmlformats.org/presentationml/2006/main" xmlns:c="http://schemas.openxmlformats.org/drawingml/2006/chart" xmlns:dgm="http://schemas.openxmlformats.org/drawingml/2006/diagram" xmlns:o="urn:schemas-microsoft-com:office:office" xmlns:v="urn:schemas-microsoft-com:vml" xmlns:pvml="urn:schemas-microsoft-com:office:powerpoint" xmlns:com="http://schemas.openxmlformats.org/drawingml/2006/compatibility" xmlns:p14="http://schemas.microsoft.com/office/powerpoint/2010/main" xmlns:p15="http://schemas.microsoft.com/office/powerpoint/2012/main" xmlns:ahyp="http://schemas.microsoft.com/office/drawing/2018/hyperlinkcolor" showMasterPhAnim="0" showMasterSp="0">
-  <p:cSld>
-    <p:spTree>
-      <p:nvGrpSpPr>
-        <p:cNvPr id="92" name="Shape 92"/>
-        <p:cNvGrpSpPr/>
-        <p:nvPr/>
-      </p:nvGrpSpPr>
-      <p:grpSpPr>
-        <a:xfrm>
-          <a:off x="0" y="0"/>
-          <a:ext cx="0" cy="0"/>
-          <a:chOff x="0" y="0"/>
-          <a:chExt cx="0" cy="0"/>
-        </a:xfrm>
-      </p:grpSpPr>
-      <p:sp>
-        <p:nvSpPr>
-          <p:cNvPr id="93" name="Google Shape;93;p10:notes"/>
-          <p:cNvSpPr/>
-          <p:nvPr>
-            <p:ph idx="2" type="sldImg"/>
-          </p:nvPr>
-        </p:nvSpPr>
-        <p:spPr>
-          <a:xfrm>
-            <a:off x="381000" y="685800"/>
-            <a:ext cx="6096000" cy="3429000"/>
-          </a:xfrm>
-          <a:custGeom>
-            <a:rect b="b" l="l" r="r" t="t"/>
-            <a:pathLst>
-              <a:path extrusionOk="0" h="120000" w="120000">
-                <a:moveTo>
-                  <a:pt x="0" y="0"/>
-                </a:moveTo>
-                <a:lnTo>
-                  <a:pt x="120000" y="0"/>
-                </a:lnTo>
-                <a:lnTo>
-                  <a:pt x="120000" y="120000"/>
-                </a:lnTo>
-                <a:lnTo>
-                  <a:pt x="0" y="120000"/>
-                </a:lnTo>
-                <a:close/>
-              </a:path>
-            </a:pathLst>
-          </a:custGeom>
-          <a:noFill/>
-          <a:ln cap="flat" cmpd="sng" w="9525">
-            <a:solidFill>
-              <a:srgbClr val="000000"/>
-            </a:solidFill>
-            <a:prstDash val="solid"/>
-            <a:round/>
-            <a:headEnd len="sm" w="sm" type="none"/>
-            <a:tailEnd len="sm" w="sm" type="none"/>
-          </a:ln>
-        </p:spPr>
-      </p:sp>
-      <p:sp>
-        <p:nvSpPr>
-          <p:cNvPr id="94" name="Google Shape;94;p10:notes"/>
-          <p:cNvSpPr txBox="1"/>
-          <p:nvPr>
-            <p:ph idx="1" type="body"/>
-          </p:nvPr>
-        </p:nvSpPr>
-        <p:spPr>
-          <a:xfrm>
-            <a:off x="685800" y="4343400"/>
-            <a:ext cx="5486400" cy="4114800"/>
-          </a:xfrm>
-          <a:prstGeom prst="rect">
-            <a:avLst/>
-          </a:prstGeom>
-          <a:noFill/>
-          <a:ln>
-            <a:noFill/>
-          </a:ln>
-        </p:spPr>
-        <p:txBody>
-          <a:bodyPr anchorCtr="0" anchor="t" bIns="91425" lIns="91425" spcFirstLastPara="1" rIns="91425" wrap="square" tIns="91425">
-            <a:noAutofit/>
-          </a:bodyPr>
-          <a:lstStyle/>
-          <a:p>
-            <a:pPr indent="0" lvl="0" marL="0" rtl="0" algn="l">
-              <a:lnSpc>
-                <a:spcPct val="100000"/>
-              </a:lnSpc>
-              <a:spcBef>
-                <a:spcPts val="0"/>
-              </a:spcBef>
-              <a:spcAft>
-                <a:spcPts val="0"/>
-              </a:spcAft>
-              <a:buSzPts val="1100"/>
-              <a:buNone/>
-            </a:pPr>
-            <a:r>
-              <a:t/>
-            </a:r>
-            <a:endParaRPr/>
-          </a:p>
-        </p:txBody>
-      </p:sp>
-    </p:spTree>
-  </p:cSld>
-  <p:clrMapOvr>
-    <a:masterClrMapping/>
-  </p:clrMapOvr>
-</p:notes>
-</file>
-
-<file path=ppt/notesSlides/notesSlide11.xml><?xml version="1.0" encoding="utf-8"?>
-<p:notes xmlns:a="http://schemas.openxmlformats.org/drawingml/2006/main" xmlns:r="http://schemas.openxmlformats.org/officeDocument/2006/relationships" xmlns:mc="http://schemas.openxmlformats.org/markup-compatibility/2006" xmlns:mv="urn:schemas-microsoft-com:mac:vml" xmlns:p="http://schemas.openxmlformats.org/presentationml/2006/main" xmlns:c="http://schemas.openxmlformats.org/drawingml/2006/chart" xmlns:dgm="http://schemas.openxmlformats.org/drawingml/2006/diagram" xmlns:o="urn:schemas-microsoft-com:office:office" xmlns:v="urn:schemas-microsoft-com:vml" xmlns:pvml="urn:schemas-microsoft-com:office:powerpoint" xmlns:com="http://schemas.openxmlformats.org/drawingml/2006/compatibility" xmlns:p14="http://schemas.microsoft.com/office/powerpoint/2010/main" xmlns:p15="http://schemas.microsoft.com/office/powerpoint/2012/main" xmlns:ahyp="http://schemas.microsoft.com/office/drawing/2018/hyperlinkcolor" showMasterPhAnim="0" showMasterSp="0">
-  <p:cSld>
-    <p:spTree>
-      <p:nvGrpSpPr>
-        <p:cNvPr id="98" name="Shape 98"/>
-        <p:cNvGrpSpPr/>
-        <p:nvPr/>
-      </p:nvGrpSpPr>
-      <p:grpSpPr>
-        <a:xfrm>
-          <a:off x="0" y="0"/>
-          <a:ext cx="0" cy="0"/>
-          <a:chOff x="0" y="0"/>
-          <a:chExt cx="0" cy="0"/>
-        </a:xfrm>
-      </p:grpSpPr>
-      <p:sp>
-        <p:nvSpPr>
-          <p:cNvPr id="99" name="Google Shape;99;p11:notes"/>
-          <p:cNvSpPr/>
-          <p:nvPr>
-            <p:ph idx="2" type="sldImg"/>
-          </p:nvPr>
-        </p:nvSpPr>
-        <p:spPr>
-          <a:xfrm>
-            <a:off x="381000" y="685800"/>
-            <a:ext cx="6096000" cy="3429000"/>
-          </a:xfrm>
-          <a:custGeom>
-            <a:rect b="b" l="l" r="r" t="t"/>
-            <a:pathLst>
-              <a:path extrusionOk="0" h="120000" w="120000">
-                <a:moveTo>
-                  <a:pt x="0" y="0"/>
-                </a:moveTo>
-                <a:lnTo>
-                  <a:pt x="120000" y="0"/>
-                </a:lnTo>
-                <a:lnTo>
-                  <a:pt x="120000" y="120000"/>
-                </a:lnTo>
-                <a:lnTo>
-                  <a:pt x="0" y="120000"/>
-                </a:lnTo>
-                <a:close/>
-              </a:path>
-            </a:pathLst>
-          </a:custGeom>
-          <a:noFill/>
-          <a:ln cap="flat" cmpd="sng" w="9525">
-            <a:solidFill>
-              <a:srgbClr val="000000"/>
-            </a:solidFill>
-            <a:prstDash val="solid"/>
-            <a:round/>
-            <a:headEnd len="sm" w="sm" type="none"/>
-            <a:tailEnd len="sm" w="sm" type="none"/>
-          </a:ln>
-        </p:spPr>
-      </p:sp>
-      <p:sp>
-        <p:nvSpPr>
-          <p:cNvPr id="100" name="Google Shape;100;p11:notes"/>
-          <p:cNvSpPr txBox="1"/>
-          <p:nvPr>
-            <p:ph idx="1" type="body"/>
-          </p:nvPr>
-        </p:nvSpPr>
-        <p:spPr>
-          <a:xfrm>
-            <a:off x="685800" y="4343400"/>
-            <a:ext cx="5486400" cy="4114800"/>
-          </a:xfrm>
-          <a:prstGeom prst="rect">
-            <a:avLst/>
-          </a:prstGeom>
-          <a:noFill/>
-          <a:ln>
-            <a:noFill/>
-          </a:ln>
-        </p:spPr>
-        <p:txBody>
-          <a:bodyPr anchorCtr="0" anchor="t" bIns="91425" lIns="91425" spcFirstLastPara="1" rIns="91425" wrap="square" tIns="91425">
-            <a:noAutofit/>
-          </a:bodyPr>
-          <a:lstStyle/>
-          <a:p>
-            <a:pPr indent="0" lvl="0" marL="0" rtl="0" algn="l">
-              <a:lnSpc>
-                <a:spcPct val="100000"/>
-              </a:lnSpc>
-              <a:spcBef>
-                <a:spcPts val="0"/>
-              </a:spcBef>
-              <a:spcAft>
-                <a:spcPts val="0"/>
-              </a:spcAft>
-              <a:buSzPts val="1100"/>
-              <a:buNone/>
-            </a:pPr>
-            <a:r>
-              <a:t/>
-            </a:r>
-            <a:endParaRPr/>
-          </a:p>
-        </p:txBody>
-      </p:sp>
-    </p:spTree>
-  </p:cSld>
-  <p:clrMapOvr>
-    <a:masterClrMapping/>
-  </p:clrMapOvr>
-</p:notes>
-</file>
-
-<file path=ppt/notesSlides/notesSlide12.xml><?xml version="1.0" encoding="utf-8"?>
-<p:notes xmlns:a="http://schemas.openxmlformats.org/drawingml/2006/main" xmlns:r="http://schemas.openxmlformats.org/officeDocument/2006/relationships" xmlns:mc="http://schemas.openxmlformats.org/markup-compatibility/2006" xmlns:mv="urn:schemas-microsoft-com:mac:vml" xmlns:p="http://schemas.openxmlformats.org/presentationml/2006/main" xmlns:c="http://schemas.openxmlformats.org/drawingml/2006/chart" xmlns:dgm="http://schemas.openxmlformats.org/drawingml/2006/diagram" xmlns:o="urn:schemas-microsoft-com:office:office" xmlns:v="urn:schemas-microsoft-com:vml" xmlns:pvml="urn:schemas-microsoft-com:office:powerpoint" xmlns:com="http://schemas.openxmlformats.org/drawingml/2006/compatibility" xmlns:p14="http://schemas.microsoft.com/office/powerpoint/2010/main" xmlns:p15="http://schemas.microsoft.com/office/powerpoint/2012/main" xmlns:ahyp="http://schemas.microsoft.com/office/drawing/2018/hyperlinkcolor" showMasterPhAnim="0" showMasterSp="0">
-  <p:cSld>
-    <p:spTree>
-      <p:nvGrpSpPr>
-        <p:cNvPr id="105" name="Shape 105"/>
-        <p:cNvGrpSpPr/>
-        <p:nvPr/>
-      </p:nvGrpSpPr>
-      <p:grpSpPr>
-        <a:xfrm>
-          <a:off x="0" y="0"/>
-          <a:ext cx="0" cy="0"/>
-          <a:chOff x="0" y="0"/>
-          <a:chExt cx="0" cy="0"/>
-        </a:xfrm>
-      </p:grpSpPr>
-      <p:sp>
-        <p:nvSpPr>
-          <p:cNvPr id="106" name="Google Shape;106;p12:notes"/>
-          <p:cNvSpPr/>
-          <p:nvPr>
-            <p:ph idx="2" type="sldImg"/>
-          </p:nvPr>
-        </p:nvSpPr>
-        <p:spPr>
-          <a:xfrm>
-            <a:off x="381000" y="685800"/>
-            <a:ext cx="6096000" cy="3429000"/>
-          </a:xfrm>
-          <a:custGeom>
-            <a:rect b="b" l="l" r="r" t="t"/>
-            <a:pathLst>
-              <a:path extrusionOk="0" h="120000" w="120000">
-                <a:moveTo>
-                  <a:pt x="0" y="0"/>
-                </a:moveTo>
-                <a:lnTo>
-                  <a:pt x="120000" y="0"/>
-                </a:lnTo>
-                <a:lnTo>
-                  <a:pt x="120000" y="120000"/>
-                </a:lnTo>
-                <a:lnTo>
-                  <a:pt x="0" y="120000"/>
-                </a:lnTo>
-                <a:close/>
-              </a:path>
-            </a:pathLst>
-          </a:custGeom>
-          <a:noFill/>
-          <a:ln cap="flat" cmpd="sng" w="9525">
-            <a:solidFill>
-              <a:srgbClr val="000000"/>
-            </a:solidFill>
-            <a:prstDash val="solid"/>
-            <a:round/>
-            <a:headEnd len="sm" w="sm" type="none"/>
-            <a:tailEnd len="sm" w="sm" type="none"/>
-          </a:ln>
-        </p:spPr>
-      </p:sp>
-      <p:sp>
-        <p:nvSpPr>
-          <p:cNvPr id="107" name="Google Shape;107;p12:notes"/>
-          <p:cNvSpPr txBox="1"/>
-          <p:nvPr>
-            <p:ph idx="1" type="body"/>
-          </p:nvPr>
-        </p:nvSpPr>
-        <p:spPr>
-          <a:xfrm>
-            <a:off x="685800" y="4343400"/>
-            <a:ext cx="5486400" cy="4114800"/>
-          </a:xfrm>
-          <a:prstGeom prst="rect">
-            <a:avLst/>
-          </a:prstGeom>
-          <a:noFill/>
-          <a:ln>
-            <a:noFill/>
-          </a:ln>
-        </p:spPr>
-        <p:txBody>
-          <a:bodyPr anchorCtr="0" anchor="t" bIns="91425" lIns="91425" spcFirstLastPara="1" rIns="91425" wrap="square" tIns="91425">
-            <a:noAutofit/>
-          </a:bodyPr>
-          <a:lstStyle/>
-          <a:p>
-            <a:pPr indent="0" lvl="0" marL="0" rtl="0" algn="l">
-              <a:lnSpc>
-                <a:spcPct val="100000"/>
-              </a:lnSpc>
-              <a:spcBef>
-                <a:spcPts val="0"/>
-              </a:spcBef>
-              <a:spcAft>
-                <a:spcPts val="0"/>
-              </a:spcAft>
-              <a:buSzPts val="1100"/>
-              <a:buNone/>
-            </a:pPr>
-            <a:r>
-              <a:t/>
-            </a:r>
-            <a:endParaRPr/>
-          </a:p>
-        </p:txBody>
-      </p:sp>
-    </p:spTree>
-  </p:cSld>
-  <p:clrMapOvr>
-    <a:masterClrMapping/>
-  </p:clrMapOvr>
-</p:notes>
-</file>
-
-<file path=ppt/notesSlides/notesSlide13.xml><?xml version="1.0" encoding="utf-8"?>
-<p:notes xmlns:a="http://schemas.openxmlformats.org/drawingml/2006/main" xmlns:r="http://schemas.openxmlformats.org/officeDocument/2006/relationships" xmlns:mc="http://schemas.openxmlformats.org/markup-compatibility/2006" xmlns:mv="urn:schemas-microsoft-com:mac:vml" xmlns:p="http://schemas.openxmlformats.org/presentationml/2006/main" xmlns:c="http://schemas.openxmlformats.org/drawingml/2006/chart" xmlns:dgm="http://schemas.openxmlformats.org/drawingml/2006/diagram" xmlns:o="urn:schemas-microsoft-com:office:office" xmlns:v="urn:schemas-microsoft-com:vml" xmlns:pvml="urn:schemas-microsoft-com:office:powerpoint" xmlns:com="http://schemas.openxmlformats.org/drawingml/2006/compatibility" xmlns:p14="http://schemas.microsoft.com/office/powerpoint/2010/main" xmlns:p15="http://schemas.microsoft.com/office/powerpoint/2012/main" xmlns:ahyp="http://schemas.microsoft.com/office/drawing/2018/hyperlinkcolor" showMasterPhAnim="0" showMasterSp="0">
-  <p:cSld>
-    <p:spTree>
-      <p:nvGrpSpPr>
-        <p:cNvPr id="113" name="Shape 113"/>
-        <p:cNvGrpSpPr/>
-        <p:nvPr/>
-      </p:nvGrpSpPr>
-      <p:grpSpPr>
-        <a:xfrm>
-          <a:off x="0" y="0"/>
-          <a:ext cx="0" cy="0"/>
-          <a:chOff x="0" y="0"/>
-          <a:chExt cx="0" cy="0"/>
-        </a:xfrm>
-      </p:grpSpPr>
-      <p:sp>
-        <p:nvSpPr>
-          <p:cNvPr id="114" name="Google Shape;114;p13:notes"/>
-          <p:cNvSpPr/>
-          <p:nvPr>
-            <p:ph idx="2" type="sldImg"/>
-          </p:nvPr>
-        </p:nvSpPr>
-        <p:spPr>
-          <a:xfrm>
-            <a:off x="381000" y="685800"/>
-            <a:ext cx="6096000" cy="3429000"/>
-          </a:xfrm>
-          <a:custGeom>
-            <a:rect b="b" l="l" r="r" t="t"/>
-            <a:pathLst>
-              <a:path extrusionOk="0" h="120000" w="120000">
-                <a:moveTo>
-                  <a:pt x="0" y="0"/>
-                </a:moveTo>
-                <a:lnTo>
-                  <a:pt x="120000" y="0"/>
-                </a:lnTo>
-                <a:lnTo>
-                  <a:pt x="120000" y="120000"/>
-                </a:lnTo>
-                <a:lnTo>
-                  <a:pt x="0" y="120000"/>
-                </a:lnTo>
-                <a:close/>
-              </a:path>
-            </a:pathLst>
-          </a:custGeom>
-          <a:noFill/>
-          <a:ln cap="flat" cmpd="sng" w="9525">
-            <a:solidFill>
-              <a:srgbClr val="000000"/>
-            </a:solidFill>
-            <a:prstDash val="solid"/>
-            <a:round/>
-            <a:headEnd len="sm" w="sm" type="none"/>
-            <a:tailEnd len="sm" w="sm" type="none"/>
-          </a:ln>
-        </p:spPr>
-      </p:sp>
-      <p:sp>
-        <p:nvSpPr>
-          <p:cNvPr id="115" name="Google Shape;115;p13:notes"/>
-          <p:cNvSpPr txBox="1"/>
-          <p:nvPr>
-            <p:ph idx="1" type="body"/>
-          </p:nvPr>
-        </p:nvSpPr>
-        <p:spPr>
-          <a:xfrm>
-            <a:off x="685800" y="4343400"/>
-            <a:ext cx="5486400" cy="4114800"/>
-          </a:xfrm>
-          <a:prstGeom prst="rect">
-            <a:avLst/>
-          </a:prstGeom>
-          <a:noFill/>
-          <a:ln>
-            <a:noFill/>
-          </a:ln>
-        </p:spPr>
-        <p:txBody>
-          <a:bodyPr anchorCtr="0" anchor="t" bIns="91425" lIns="91425" spcFirstLastPara="1" rIns="91425" wrap="square" tIns="91425">
-            <a:noAutofit/>
-          </a:bodyPr>
-          <a:lstStyle/>
-          <a:p>
-            <a:pPr indent="0" lvl="0" marL="0" rtl="0" algn="l">
-              <a:lnSpc>
-                <a:spcPct val="100000"/>
-              </a:lnSpc>
-              <a:spcBef>
-                <a:spcPts val="0"/>
-              </a:spcBef>
-              <a:spcAft>
-                <a:spcPts val="0"/>
-              </a:spcAft>
-              <a:buSzPts val="1100"/>
-              <a:buNone/>
-            </a:pPr>
-            <a:r>
-              <a:t/>
-            </a:r>
-            <a:endParaRPr/>
-          </a:p>
-        </p:txBody>
-      </p:sp>
-    </p:spTree>
-  </p:cSld>
-  <p:clrMapOvr>
-    <a:masterClrMapping/>
-  </p:clrMapOvr>
-</p:notes>
-</file>
-
-<file path=ppt/notesSlides/notesSlide14.xml><?xml version="1.0" encoding="utf-8"?>
-<p:notes xmlns:a="http://schemas.openxmlformats.org/drawingml/2006/main" xmlns:r="http://schemas.openxmlformats.org/officeDocument/2006/relationships" xmlns:mc="http://schemas.openxmlformats.org/markup-compatibility/2006" xmlns:mv="urn:schemas-microsoft-com:mac:vml" xmlns:p="http://schemas.openxmlformats.org/presentationml/2006/main" xmlns:c="http://schemas.openxmlformats.org/drawingml/2006/chart" xmlns:dgm="http://schemas.openxmlformats.org/drawingml/2006/diagram" xmlns:o="urn:schemas-microsoft-com:office:office" xmlns:v="urn:schemas-microsoft-com:vml" xmlns:pvml="urn:schemas-microsoft-com:office:powerpoint" xmlns:com="http://schemas.openxmlformats.org/drawingml/2006/compatibility" xmlns:p14="http://schemas.microsoft.com/office/powerpoint/2010/main" xmlns:p15="http://schemas.microsoft.com/office/powerpoint/2012/main" xmlns:ahyp="http://schemas.microsoft.com/office/drawing/2018/hyperlinkcolor" showMasterPhAnim="0" showMasterSp="0">
-  <p:cSld>
-    <p:spTree>
-      <p:nvGrpSpPr>
-        <p:cNvPr id="121" name="Shape 121"/>
-        <p:cNvGrpSpPr/>
-        <p:nvPr/>
-      </p:nvGrpSpPr>
-      <p:grpSpPr>
-        <a:xfrm>
-          <a:off x="0" y="0"/>
-          <a:ext cx="0" cy="0"/>
-          <a:chOff x="0" y="0"/>
-          <a:chExt cx="0" cy="0"/>
-        </a:xfrm>
-      </p:grpSpPr>
-      <p:sp>
-        <p:nvSpPr>
-          <p:cNvPr id="122" name="Google Shape;122;p14:notes"/>
-          <p:cNvSpPr/>
-          <p:nvPr>
-            <p:ph idx="2" type="sldImg"/>
-          </p:nvPr>
-        </p:nvSpPr>
-        <p:spPr>
-          <a:xfrm>
-            <a:off x="381000" y="685800"/>
-            <a:ext cx="6096000" cy="3429000"/>
-          </a:xfrm>
-          <a:custGeom>
-            <a:rect b="b" l="l" r="r" t="t"/>
-            <a:pathLst>
-              <a:path extrusionOk="0" h="120000" w="120000">
-                <a:moveTo>
-                  <a:pt x="0" y="0"/>
-                </a:moveTo>
-                <a:lnTo>
-                  <a:pt x="120000" y="0"/>
-                </a:lnTo>
-                <a:lnTo>
-                  <a:pt x="120000" y="120000"/>
-                </a:lnTo>
-                <a:lnTo>
-                  <a:pt x="0" y="120000"/>
-                </a:lnTo>
-                <a:close/>
-              </a:path>
-            </a:pathLst>
-          </a:custGeom>
-          <a:noFill/>
-          <a:ln cap="flat" cmpd="sng" w="9525">
-            <a:solidFill>
-              <a:srgbClr val="000000"/>
-            </a:solidFill>
-            <a:prstDash val="solid"/>
-            <a:round/>
-            <a:headEnd len="sm" w="sm" type="none"/>
-            <a:tailEnd len="sm" w="sm" type="none"/>
-          </a:ln>
-        </p:spPr>
-      </p:sp>
-      <p:sp>
-        <p:nvSpPr>
-          <p:cNvPr id="123" name="Google Shape;123;p14:notes"/>
-          <p:cNvSpPr txBox="1"/>
-          <p:nvPr>
-            <p:ph idx="1" type="body"/>
-          </p:nvPr>
-        </p:nvSpPr>
-        <p:spPr>
-          <a:xfrm>
-            <a:off x="685800" y="4343400"/>
-            <a:ext cx="5486400" cy="4114800"/>
-          </a:xfrm>
-          <a:prstGeom prst="rect">
-            <a:avLst/>
-          </a:prstGeom>
-          <a:noFill/>
-          <a:ln>
-            <a:noFill/>
-          </a:ln>
-        </p:spPr>
-        <p:txBody>
-          <a:bodyPr anchorCtr="0" anchor="t" bIns="91425" lIns="91425" spcFirstLastPara="1" rIns="91425" wrap="square" tIns="91425">
-            <a:noAutofit/>
-          </a:bodyPr>
-          <a:lstStyle/>
-          <a:p>
-            <a:pPr indent="0" lvl="0" marL="0" rtl="0" algn="l">
-              <a:lnSpc>
-                <a:spcPct val="100000"/>
-              </a:lnSpc>
-              <a:spcBef>
-                <a:spcPts val="0"/>
-              </a:spcBef>
-              <a:spcAft>
-                <a:spcPts val="0"/>
-              </a:spcAft>
-              <a:buSzPts val="1100"/>
-              <a:buNone/>
-            </a:pPr>
-            <a:r>
-              <a:t/>
-            </a:r>
-            <a:endParaRPr/>
-          </a:p>
-        </p:txBody>
-      </p:sp>
-    </p:spTree>
-  </p:cSld>
-  <p:clrMapOvr>
-    <a:masterClrMapping/>
-  </p:clrMapOvr>
-</p:notes>
-</file>
-
-<file path=ppt/notesSlides/notesSlide15.xml><?xml version="1.0" encoding="utf-8"?>
-<p:notes xmlns:a="http://schemas.openxmlformats.org/drawingml/2006/main" xmlns:r="http://schemas.openxmlformats.org/officeDocument/2006/relationships" xmlns:mc="http://schemas.openxmlformats.org/markup-compatibility/2006" xmlns:mv="urn:schemas-microsoft-com:mac:vml" xmlns:p="http://schemas.openxmlformats.org/presentationml/2006/main" xmlns:c="http://schemas.openxmlformats.org/drawingml/2006/chart" xmlns:dgm="http://schemas.openxmlformats.org/drawingml/2006/diagram" xmlns:o="urn:schemas-microsoft-com:office:office" xmlns:v="urn:schemas-microsoft-com:vml" xmlns:pvml="urn:schemas-microsoft-com:office:powerpoint" xmlns:com="http://schemas.openxmlformats.org/drawingml/2006/compatibility" xmlns:p14="http://schemas.microsoft.com/office/powerpoint/2010/main" xmlns:p15="http://schemas.microsoft.com/office/powerpoint/2012/main" xmlns:ahyp="http://schemas.microsoft.com/office/drawing/2018/hyperlinkcolor" showMasterPhAnim="0" showMasterSp="0">
-  <p:cSld>
-    <p:spTree>
-      <p:nvGrpSpPr>
-        <p:cNvPr id="128" name="Shape 128"/>
-        <p:cNvGrpSpPr/>
-        <p:nvPr/>
-      </p:nvGrpSpPr>
-      <p:grpSpPr>
-        <a:xfrm>
-          <a:off x="0" y="0"/>
-          <a:ext cx="0" cy="0"/>
-          <a:chOff x="0" y="0"/>
-          <a:chExt cx="0" cy="0"/>
-        </a:xfrm>
-      </p:grpSpPr>
-      <p:sp>
-        <p:nvSpPr>
-          <p:cNvPr id="129" name="Google Shape;129;p15:notes"/>
-          <p:cNvSpPr/>
-          <p:nvPr>
-            <p:ph idx="2" type="sldImg"/>
-          </p:nvPr>
-        </p:nvSpPr>
-        <p:spPr>
-          <a:xfrm>
-            <a:off x="381000" y="685800"/>
-            <a:ext cx="6096000" cy="3429000"/>
-          </a:xfrm>
-          <a:custGeom>
-            <a:rect b="b" l="l" r="r" t="t"/>
-            <a:pathLst>
-              <a:path extrusionOk="0" h="120000" w="120000">
-                <a:moveTo>
-                  <a:pt x="0" y="0"/>
-                </a:moveTo>
-                <a:lnTo>
-                  <a:pt x="120000" y="0"/>
-                </a:lnTo>
-                <a:lnTo>
-                  <a:pt x="120000" y="120000"/>
-                </a:lnTo>
-                <a:lnTo>
-                  <a:pt x="0" y="120000"/>
-                </a:lnTo>
-                <a:close/>
-              </a:path>
-            </a:pathLst>
-          </a:custGeom>
-          <a:noFill/>
-          <a:ln cap="flat" cmpd="sng" w="9525">
-            <a:solidFill>
-              <a:srgbClr val="000000"/>
-            </a:solidFill>
-            <a:prstDash val="solid"/>
-            <a:round/>
-            <a:headEnd len="sm" w="sm" type="none"/>
-            <a:tailEnd len="sm" w="sm" type="none"/>
-          </a:ln>
-        </p:spPr>
-      </p:sp>
-      <p:sp>
-        <p:nvSpPr>
-          <p:cNvPr id="130" name="Google Shape;130;p15:notes"/>
-          <p:cNvSpPr txBox="1"/>
-          <p:nvPr>
-            <p:ph idx="1" type="body"/>
-          </p:nvPr>
-        </p:nvSpPr>
-        <p:spPr>
-          <a:xfrm>
-            <a:off x="685800" y="4343400"/>
-            <a:ext cx="5486400" cy="4114800"/>
-          </a:xfrm>
-          <a:prstGeom prst="rect">
-            <a:avLst/>
-          </a:prstGeom>
-          <a:noFill/>
-          <a:ln>
-            <a:noFill/>
-          </a:ln>
-        </p:spPr>
-        <p:txBody>
-          <a:bodyPr anchorCtr="0" anchor="t" bIns="91425" lIns="91425" spcFirstLastPara="1" rIns="91425" wrap="square" tIns="91425">
-            <a:noAutofit/>
-          </a:bodyPr>
-          <a:lstStyle/>
-          <a:p>
-            <a:pPr indent="0" lvl="0" marL="0" rtl="0" algn="l">
-              <a:lnSpc>
-                <a:spcPct val="100000"/>
-              </a:lnSpc>
-              <a:spcBef>
-                <a:spcPts val="0"/>
-              </a:spcBef>
-              <a:spcAft>
-                <a:spcPts val="0"/>
-              </a:spcAft>
-              <a:buSzPts val="1100"/>
-              <a:buNone/>
-            </a:pPr>
-            <a:r>
-              <a:t/>
-            </a:r>
-            <a:endParaRPr/>
-          </a:p>
-        </p:txBody>
-      </p:sp>
-    </p:spTree>
-  </p:cSld>
-  <p:clrMapOvr>
-    <a:masterClrMapping/>
-  </p:clrMapOvr>
-</p:notes>
-</file>
-
-<file path=ppt/notesSlides/notesSlide16.xml><?xml version="1.0" encoding="utf-8"?>
-<p:notes xmlns:a="http://schemas.openxmlformats.org/drawingml/2006/main" xmlns:r="http://schemas.openxmlformats.org/officeDocument/2006/relationships" xmlns:mc="http://schemas.openxmlformats.org/markup-compatibility/2006" xmlns:mv="urn:schemas-microsoft-com:mac:vml" xmlns:p="http://schemas.openxmlformats.org/presentationml/2006/main" xmlns:c="http://schemas.openxmlformats.org/drawingml/2006/chart" xmlns:dgm="http://schemas.openxmlformats.org/drawingml/2006/diagram" xmlns:o="urn:schemas-microsoft-com:office:office" xmlns:v="urn:schemas-microsoft-com:vml" xmlns:pvml="urn:schemas-microsoft-com:office:powerpoint" xmlns:com="http://schemas.openxmlformats.org/drawingml/2006/compatibility" xmlns:p14="http://schemas.microsoft.com/office/powerpoint/2010/main" xmlns:p15="http://schemas.microsoft.com/office/powerpoint/2012/main" xmlns:ahyp="http://schemas.microsoft.com/office/drawing/2018/hyperlinkcolor" showMasterPhAnim="0" showMasterSp="0">
-  <p:cSld>
-    <p:spTree>
-      <p:nvGrpSpPr>
-        <p:cNvPr id="137" name="Shape 137"/>
-        <p:cNvGrpSpPr/>
-        <p:nvPr/>
-      </p:nvGrpSpPr>
-      <p:grpSpPr>
-        <a:xfrm>
-          <a:off x="0" y="0"/>
-          <a:ext cx="0" cy="0"/>
-          <a:chOff x="0" y="0"/>
-          <a:chExt cx="0" cy="0"/>
-        </a:xfrm>
-      </p:grpSpPr>
-      <p:sp>
-        <p:nvSpPr>
-          <p:cNvPr id="138" name="Google Shape;138;p16:notes"/>
-          <p:cNvSpPr/>
-          <p:nvPr>
-            <p:ph idx="2" type="sldImg"/>
-          </p:nvPr>
-        </p:nvSpPr>
-        <p:spPr>
-          <a:xfrm>
-            <a:off x="381000" y="685800"/>
-            <a:ext cx="6096000" cy="3429000"/>
-          </a:xfrm>
-          <a:custGeom>
-            <a:rect b="b" l="l" r="r" t="t"/>
-            <a:pathLst>
-              <a:path extrusionOk="0" h="120000" w="120000">
-                <a:moveTo>
-                  <a:pt x="0" y="0"/>
-                </a:moveTo>
-                <a:lnTo>
-                  <a:pt x="120000" y="0"/>
-                </a:lnTo>
-                <a:lnTo>
-                  <a:pt x="120000" y="120000"/>
-                </a:lnTo>
-                <a:lnTo>
-                  <a:pt x="0" y="120000"/>
-                </a:lnTo>
-                <a:close/>
-              </a:path>
-            </a:pathLst>
-          </a:custGeom>
-          <a:noFill/>
-          <a:ln cap="flat" cmpd="sng" w="9525">
-            <a:solidFill>
-              <a:srgbClr val="000000"/>
-            </a:solidFill>
-            <a:prstDash val="solid"/>
-            <a:round/>
-            <a:headEnd len="sm" w="sm" type="none"/>
-            <a:tailEnd len="sm" w="sm" type="none"/>
-          </a:ln>
-        </p:spPr>
-      </p:sp>
-      <p:sp>
-        <p:nvSpPr>
-          <p:cNvPr id="139" name="Google Shape;139;p16:notes"/>
-          <p:cNvSpPr txBox="1"/>
-          <p:nvPr>
-            <p:ph idx="1" type="body"/>
-          </p:nvPr>
-        </p:nvSpPr>
-        <p:spPr>
-          <a:xfrm>
-            <a:off x="685800" y="4343400"/>
-            <a:ext cx="5486400" cy="4114800"/>
-          </a:xfrm>
-          <a:prstGeom prst="rect">
-            <a:avLst/>
-          </a:prstGeom>
-          <a:noFill/>
-          <a:ln>
-            <a:noFill/>
-          </a:ln>
-        </p:spPr>
-        <p:txBody>
-          <a:bodyPr anchorCtr="0" anchor="t" bIns="91425" lIns="91425" spcFirstLastPara="1" rIns="91425" wrap="square" tIns="91425">
-            <a:noAutofit/>
-          </a:bodyPr>
-          <a:lstStyle/>
-          <a:p>
-            <a:pPr indent="0" lvl="0" marL="0" rtl="0" algn="l">
-              <a:lnSpc>
-                <a:spcPct val="100000"/>
-              </a:lnSpc>
-              <a:spcBef>
-                <a:spcPts val="0"/>
-              </a:spcBef>
-              <a:spcAft>
-                <a:spcPts val="0"/>
-              </a:spcAft>
-              <a:buSzPts val="1100"/>
-              <a:buNone/>
-            </a:pPr>
-            <a:r>
-              <a:t/>
-            </a:r>
-            <a:endParaRPr/>
-          </a:p>
-        </p:txBody>
-      </p:sp>
-    </p:spTree>
-  </p:cSld>
-  <p:clrMapOvr>
-    <a:masterClrMapping/>
-  </p:clrMapOvr>
-</p:notes>
-</file>
-
-<file path=ppt/notesSlides/notesSlide17.xml><?xml version="1.0" encoding="utf-8"?>
-<p:notes xmlns:a="http://schemas.openxmlformats.org/drawingml/2006/main" xmlns:r="http://schemas.openxmlformats.org/officeDocument/2006/relationships" xmlns:mc="http://schemas.openxmlformats.org/markup-compatibility/2006" xmlns:mv="urn:schemas-microsoft-com:mac:vml" xmlns:p="http://schemas.openxmlformats.org/presentationml/2006/main" xmlns:c="http://schemas.openxmlformats.org/drawingml/2006/chart" xmlns:dgm="http://schemas.openxmlformats.org/drawingml/2006/diagram" xmlns:o="urn:schemas-microsoft-com:office:office" xmlns:v="urn:schemas-microsoft-com:vml" xmlns:pvml="urn:schemas-microsoft-com:office:powerpoint" xmlns:com="http://schemas.openxmlformats.org/drawingml/2006/compatibility" xmlns:p14="http://schemas.microsoft.com/office/powerpoint/2010/main" xmlns:p15="http://schemas.microsoft.com/office/powerpoint/2012/main" xmlns:ahyp="http://schemas.microsoft.com/office/drawing/2018/hyperlinkcolor" showMasterPhAnim="0" showMasterSp="0">
-  <p:cSld>
-    <p:spTree>
-      <p:nvGrpSpPr>
-        <p:cNvPr id="143" name="Shape 143"/>
-        <p:cNvGrpSpPr/>
-        <p:nvPr/>
-      </p:nvGrpSpPr>
-      <p:grpSpPr>
-        <a:xfrm>
-          <a:off x="0" y="0"/>
-          <a:ext cx="0" cy="0"/>
-          <a:chOff x="0" y="0"/>
-          <a:chExt cx="0" cy="0"/>
-        </a:xfrm>
-      </p:grpSpPr>
-      <p:sp>
-        <p:nvSpPr>
-          <p:cNvPr id="144" name="Google Shape;144;p17:notes"/>
-          <p:cNvSpPr/>
-          <p:nvPr>
-            <p:ph idx="2" type="sldImg"/>
-          </p:nvPr>
-        </p:nvSpPr>
-        <p:spPr>
-          <a:xfrm>
-            <a:off x="381000" y="685800"/>
-            <a:ext cx="6096000" cy="3429000"/>
-          </a:xfrm>
-          <a:custGeom>
-            <a:rect b="b" l="l" r="r" t="t"/>
-            <a:pathLst>
-              <a:path extrusionOk="0" h="120000" w="120000">
-                <a:moveTo>
-                  <a:pt x="0" y="0"/>
-                </a:moveTo>
-                <a:lnTo>
-                  <a:pt x="120000" y="0"/>
-                </a:lnTo>
-                <a:lnTo>
-                  <a:pt x="120000" y="120000"/>
-                </a:lnTo>
-                <a:lnTo>
-                  <a:pt x="0" y="120000"/>
-                </a:lnTo>
-                <a:close/>
-              </a:path>
-            </a:pathLst>
-          </a:custGeom>
-          <a:noFill/>
-          <a:ln cap="flat" cmpd="sng" w="9525">
-            <a:solidFill>
-              <a:srgbClr val="000000"/>
-            </a:solidFill>
-            <a:prstDash val="solid"/>
-            <a:round/>
-            <a:headEnd len="sm" w="sm" type="none"/>
-            <a:tailEnd len="sm" w="sm" type="none"/>
-          </a:ln>
-        </p:spPr>
-      </p:sp>
-      <p:sp>
-        <p:nvSpPr>
-          <p:cNvPr id="145" name="Google Shape;145;p17:notes"/>
-          <p:cNvSpPr txBox="1"/>
-          <p:nvPr>
-            <p:ph idx="1" type="body"/>
-          </p:nvPr>
-        </p:nvSpPr>
-        <p:spPr>
-          <a:xfrm>
-            <a:off x="685800" y="4343400"/>
-            <a:ext cx="5486400" cy="4114800"/>
-          </a:xfrm>
-          <a:prstGeom prst="rect">
-            <a:avLst/>
-          </a:prstGeom>
-          <a:noFill/>
-          <a:ln>
-            <a:noFill/>
-          </a:ln>
-        </p:spPr>
-        <p:txBody>
-          <a:bodyPr anchorCtr="0" anchor="t" bIns="91425" lIns="91425" spcFirstLastPara="1" rIns="91425" wrap="square" tIns="91425">
-            <a:noAutofit/>
-          </a:bodyPr>
-          <a:lstStyle/>
-          <a:p>
-            <a:pPr indent="0" lvl="0" marL="0" rtl="0" algn="l">
-              <a:lnSpc>
-                <a:spcPct val="100000"/>
-              </a:lnSpc>
-              <a:spcBef>
-                <a:spcPts val="0"/>
-              </a:spcBef>
-              <a:spcAft>
-                <a:spcPts val="0"/>
-              </a:spcAft>
-              <a:buSzPts val="1100"/>
-              <a:buNone/>
-            </a:pPr>
-            <a:r>
-              <a:t/>
-            </a:r>
-            <a:endParaRPr/>
-          </a:p>
-        </p:txBody>
-      </p:sp>
-    </p:spTree>
-  </p:cSld>
-  <p:clrMapOvr>
-    <a:masterClrMapping/>
-  </p:clrMapOvr>
-</p:notes>
-</file>
-
 <file path=ppt/notesSlides/notesSlide2.xml><?xml version="1.0" encoding="utf-8"?>
 <p:notes xmlns:a="http://schemas.openxmlformats.org/drawingml/2006/main" xmlns:r="http://schemas.openxmlformats.org/officeDocument/2006/relationships" xmlns:mc="http://schemas.openxmlformats.org/markup-compatibility/2006" xmlns:mv="urn:schemas-microsoft-com:mac:vml" xmlns:p="http://schemas.openxmlformats.org/presentationml/2006/main" xmlns:c="http://schemas.openxmlformats.org/drawingml/2006/chart" xmlns:dgm="http://schemas.openxmlformats.org/drawingml/2006/diagram" xmlns:o="urn:schemas-microsoft-com:office:office" xmlns:v="urn:schemas-microsoft-com:vml" xmlns:pvml="urn:schemas-microsoft-com:office:powerpoint" xmlns:com="http://schemas.openxmlformats.org/drawingml/2006/compatibility" xmlns:p14="http://schemas.microsoft.com/office/powerpoint/2010/main" xmlns:p15="http://schemas.microsoft.com/office/powerpoint/2012/main" xmlns:ahyp="http://schemas.microsoft.com/office/drawing/2018/hyperlinkcolor" showMasterPhAnim="0" showMasterSp="0">
   <p:cSld>
@@ -2373,7 +1429,7 @@
   <p:cSld>
     <p:spTree>
       <p:nvGrpSpPr>
-        <p:cNvPr id="67" name="Shape 67"/>
+        <p:cNvPr id="66" name="Shape 66"/>
         <p:cNvGrpSpPr/>
         <p:nvPr/>
       </p:nvGrpSpPr>
@@ -2387,7 +1443,7 @@
       </p:grpSpPr>
       <p:sp>
         <p:nvSpPr>
-          <p:cNvPr id="68" name="Google Shape;68;p6:notes"/>
+          <p:cNvPr id="67" name="Google Shape;67;p6:notes"/>
           <p:cNvSpPr/>
           <p:nvPr>
             <p:ph idx="2" type="sldImg"/>
@@ -2432,7 +1488,7 @@
       </p:sp>
       <p:sp>
         <p:nvSpPr>
-          <p:cNvPr id="69" name="Google Shape;69;p6:notes"/>
+          <p:cNvPr id="68" name="Google Shape;68;p6:notes"/>
           <p:cNvSpPr txBox="1"/>
           <p:nvPr>
             <p:ph idx="1" type="body"/>
@@ -2490,7 +1546,7 @@
   <p:cSld>
     <p:spTree>
       <p:nvGrpSpPr>
-        <p:cNvPr id="73" name="Shape 73"/>
+        <p:cNvPr id="72" name="Shape 72"/>
         <p:cNvGrpSpPr/>
         <p:nvPr/>
       </p:nvGrpSpPr>
@@ -2504,7 +1560,7 @@
       </p:grpSpPr>
       <p:sp>
         <p:nvSpPr>
-          <p:cNvPr id="74" name="Google Shape;74;p7:notes"/>
+          <p:cNvPr id="73" name="Google Shape;73;p7:notes"/>
           <p:cNvSpPr/>
           <p:nvPr>
             <p:ph idx="2" type="sldImg"/>
@@ -2549,7 +1605,7 @@
       </p:sp>
       <p:sp>
         <p:nvSpPr>
-          <p:cNvPr id="75" name="Google Shape;75;p7:notes"/>
+          <p:cNvPr id="74" name="Google Shape;74;p7:notes"/>
           <p:cNvSpPr txBox="1"/>
           <p:nvPr>
             <p:ph idx="1" type="body"/>
@@ -2607,7 +1663,7 @@
   <p:cSld>
     <p:spTree>
       <p:nvGrpSpPr>
-        <p:cNvPr id="79" name="Shape 79"/>
+        <p:cNvPr id="78" name="Shape 78"/>
         <p:cNvGrpSpPr/>
         <p:nvPr/>
       </p:nvGrpSpPr>
@@ -2621,7 +1677,7 @@
       </p:grpSpPr>
       <p:sp>
         <p:nvSpPr>
-          <p:cNvPr id="80" name="Google Shape;80;p8:notes"/>
+          <p:cNvPr id="79" name="Google Shape;79;p8:notes"/>
           <p:cNvSpPr/>
           <p:nvPr>
             <p:ph idx="2" type="sldImg"/>
@@ -2666,7 +1722,7 @@
       </p:sp>
       <p:sp>
         <p:nvSpPr>
-          <p:cNvPr id="81" name="Google Shape;81;p8:notes"/>
+          <p:cNvPr id="80" name="Google Shape;80;p8:notes"/>
           <p:cNvSpPr txBox="1"/>
           <p:nvPr>
             <p:ph idx="1" type="body"/>
@@ -2724,7 +1780,7 @@
   <p:cSld>
     <p:spTree>
       <p:nvGrpSpPr>
-        <p:cNvPr id="85" name="Shape 85"/>
+        <p:cNvPr id="84" name="Shape 84"/>
         <p:cNvGrpSpPr/>
         <p:nvPr/>
       </p:nvGrpSpPr>
@@ -2738,7 +1794,7 @@
       </p:grpSpPr>
       <p:sp>
         <p:nvSpPr>
-          <p:cNvPr id="86" name="Google Shape;86;p9:notes"/>
+          <p:cNvPr id="85" name="Google Shape;85;p17:notes"/>
           <p:cNvSpPr/>
           <p:nvPr>
             <p:ph idx="2" type="sldImg"/>
@@ -2783,7 +1839,7 @@
       </p:sp>
       <p:sp>
         <p:nvSpPr>
-          <p:cNvPr id="87" name="Google Shape;87;p9:notes"/>
+          <p:cNvPr id="86" name="Google Shape;86;p17:notes"/>
           <p:cNvSpPr txBox="1"/>
           <p:nvPr>
             <p:ph idx="1" type="body"/>
@@ -6909,7 +5965,7 @@
                   <a:schemeClr val="dk1"/>
                 </a:solidFill>
               </a:rPr>
-              <a:t>Aigerim Yessenbayeva</a:t>
+              <a:t>Dr. Syed Muhammad Umair Arif</a:t>
             </a:r>
             <a:endParaRPr b="0" i="0" sz="1900" u="none" cap="none" strike="noStrike">
               <a:solidFill>
@@ -7021,3875 +6077,6 @@
               <a:ea typeface="Arial"/>
               <a:cs typeface="Arial"/>
               <a:sym typeface="Arial"/>
-            </a:endParaRPr>
-          </a:p>
-        </p:txBody>
-      </p:sp>
-    </p:spTree>
-  </p:cSld>
-  <p:clrMapOvr>
-    <a:masterClrMapping/>
-  </p:clrMapOvr>
-</p:sld>
-</file>
-
-<file path=ppt/slides/slide10.xml><?xml version="1.0" encoding="utf-8"?>
-<p:sld xmlns:a="http://schemas.openxmlformats.org/drawingml/2006/main" xmlns:r="http://schemas.openxmlformats.org/officeDocument/2006/relationships" xmlns:mc="http://schemas.openxmlformats.org/markup-compatibility/2006" xmlns:mv="urn:schemas-microsoft-com:mac:vml" xmlns:p="http://schemas.openxmlformats.org/presentationml/2006/main" xmlns:c="http://schemas.openxmlformats.org/drawingml/2006/chart" xmlns:dgm="http://schemas.openxmlformats.org/drawingml/2006/diagram" xmlns:o="urn:schemas-microsoft-com:office:office" xmlns:v="urn:schemas-microsoft-com:vml" xmlns:pvml="urn:schemas-microsoft-com:office:powerpoint" xmlns:com="http://schemas.openxmlformats.org/drawingml/2006/compatibility" xmlns:p14="http://schemas.microsoft.com/office/powerpoint/2010/main" xmlns:p15="http://schemas.microsoft.com/office/powerpoint/2012/main" xmlns:ahyp="http://schemas.microsoft.com/office/drawing/2018/hyperlinkcolor">
-  <p:cSld>
-    <p:spTree>
-      <p:nvGrpSpPr>
-        <p:cNvPr id="95" name="Shape 95"/>
-        <p:cNvGrpSpPr/>
-        <p:nvPr/>
-      </p:nvGrpSpPr>
-      <p:grpSpPr>
-        <a:xfrm>
-          <a:off x="0" y="0"/>
-          <a:ext cx="0" cy="0"/>
-          <a:chOff x="0" y="0"/>
-          <a:chExt cx="0" cy="0"/>
-        </a:xfrm>
-      </p:grpSpPr>
-      <p:sp>
-        <p:nvSpPr>
-          <p:cNvPr id="96" name="Google Shape;96;p10"/>
-          <p:cNvSpPr txBox="1"/>
-          <p:nvPr>
-            <p:ph type="title"/>
-          </p:nvPr>
-        </p:nvSpPr>
-        <p:spPr>
-          <a:xfrm>
-            <a:off x="698740" y="101115"/>
-            <a:ext cx="3581400" cy="572700"/>
-          </a:xfrm>
-          <a:prstGeom prst="rect">
-            <a:avLst/>
-          </a:prstGeom>
-          <a:noFill/>
-          <a:ln>
-            <a:noFill/>
-          </a:ln>
-        </p:spPr>
-        <p:txBody>
-          <a:bodyPr anchorCtr="0" anchor="t" bIns="91425" lIns="91425" spcFirstLastPara="1" rIns="91425" wrap="square" tIns="91425">
-            <a:noAutofit/>
-          </a:bodyPr>
-          <a:lstStyle/>
-          <a:p>
-            <a:pPr indent="0" lvl="0" marL="0" rtl="0" algn="l">
-              <a:lnSpc>
-                <a:spcPct val="100000"/>
-              </a:lnSpc>
-              <a:spcBef>
-                <a:spcPts val="0"/>
-              </a:spcBef>
-              <a:spcAft>
-                <a:spcPts val="0"/>
-              </a:spcAft>
-              <a:buSzPts val="2800"/>
-              <a:buNone/>
-            </a:pPr>
-            <a:r>
-              <a:rPr b="1" lang="en">
-                <a:solidFill>
-                  <a:schemeClr val="dk1"/>
-                </a:solidFill>
-                <a:latin typeface="Times New Roman"/>
-                <a:ea typeface="Times New Roman"/>
-                <a:cs typeface="Times New Roman"/>
-                <a:sym typeface="Times New Roman"/>
-              </a:rPr>
-              <a:t>Domain Names</a:t>
-            </a:r>
-            <a:endParaRPr b="1">
-              <a:solidFill>
-                <a:schemeClr val="dk1"/>
-              </a:solidFill>
-              <a:latin typeface="Times New Roman"/>
-              <a:ea typeface="Times New Roman"/>
-              <a:cs typeface="Times New Roman"/>
-              <a:sym typeface="Times New Roman"/>
-            </a:endParaRPr>
-          </a:p>
-        </p:txBody>
-      </p:sp>
-      <p:sp>
-        <p:nvSpPr>
-          <p:cNvPr id="97" name="Google Shape;97;p10"/>
-          <p:cNvSpPr txBox="1"/>
-          <p:nvPr>
-            <p:ph idx="1" type="body"/>
-          </p:nvPr>
-        </p:nvSpPr>
-        <p:spPr>
-          <a:xfrm>
-            <a:off x="358797" y="835675"/>
-            <a:ext cx="8426400" cy="3805500"/>
-          </a:xfrm>
-          <a:prstGeom prst="rect">
-            <a:avLst/>
-          </a:prstGeom>
-          <a:noFill/>
-          <a:ln>
-            <a:noFill/>
-          </a:ln>
-        </p:spPr>
-        <p:txBody>
-          <a:bodyPr anchorCtr="0" anchor="t" bIns="91425" lIns="91425" spcFirstLastPara="1" rIns="91425" wrap="square" tIns="91425">
-            <a:noAutofit/>
-          </a:bodyPr>
-          <a:lstStyle/>
-          <a:p>
-            <a:pPr indent="0" lvl="0" marL="0" rtl="0" algn="l">
-              <a:lnSpc>
-                <a:spcPct val="115000"/>
-              </a:lnSpc>
-              <a:spcBef>
-                <a:spcPts val="0"/>
-              </a:spcBef>
-              <a:spcAft>
-                <a:spcPts val="0"/>
-              </a:spcAft>
-              <a:buSzPts val="1800"/>
-              <a:buNone/>
-            </a:pPr>
-            <a:r>
-              <a:rPr lang="en" sz="1900">
-                <a:solidFill>
-                  <a:schemeClr val="dk1"/>
-                </a:solidFill>
-                <a:latin typeface="Times New Roman"/>
-                <a:ea typeface="Times New Roman"/>
-                <a:cs typeface="Times New Roman"/>
-                <a:sym typeface="Times New Roman"/>
-              </a:rPr>
-              <a:t>A </a:t>
-            </a:r>
-            <a:r>
-              <a:rPr b="1" lang="en" sz="1900">
-                <a:solidFill>
-                  <a:srgbClr val="FF0000"/>
-                </a:solidFill>
-                <a:latin typeface="Times New Roman"/>
-                <a:ea typeface="Times New Roman"/>
-                <a:cs typeface="Times New Roman"/>
-                <a:sym typeface="Times New Roman"/>
-              </a:rPr>
-              <a:t>domain name</a:t>
-            </a:r>
-            <a:r>
-              <a:rPr lang="en" sz="1900">
-                <a:solidFill>
-                  <a:schemeClr val="dk1"/>
-                </a:solidFill>
-                <a:latin typeface="Times New Roman"/>
-                <a:ea typeface="Times New Roman"/>
-                <a:cs typeface="Times New Roman"/>
-                <a:sym typeface="Times New Roman"/>
-              </a:rPr>
-              <a:t> (or domain) is a text string (name) that’s associated with an IP address on the Internet.</a:t>
-            </a:r>
-            <a:endParaRPr sz="1900">
-              <a:solidFill>
-                <a:schemeClr val="dk1"/>
-              </a:solidFill>
-              <a:latin typeface="Times New Roman"/>
-              <a:ea typeface="Times New Roman"/>
-              <a:cs typeface="Times New Roman"/>
-              <a:sym typeface="Times New Roman"/>
-            </a:endParaRPr>
-          </a:p>
-          <a:p>
-            <a:pPr indent="0" lvl="0" marL="457200" rtl="0" algn="l">
-              <a:lnSpc>
-                <a:spcPct val="115000"/>
-              </a:lnSpc>
-              <a:spcBef>
-                <a:spcPts val="0"/>
-              </a:spcBef>
-              <a:spcAft>
-                <a:spcPts val="0"/>
-              </a:spcAft>
-              <a:buSzPts val="1800"/>
-              <a:buNone/>
-            </a:pPr>
-            <a:r>
-              <a:rPr lang="en" sz="1700">
-                <a:solidFill>
-                  <a:schemeClr val="dk1"/>
-                </a:solidFill>
-                <a:latin typeface="Times New Roman"/>
-                <a:ea typeface="Times New Roman"/>
-                <a:cs typeface="Times New Roman"/>
-                <a:sym typeface="Times New Roman"/>
-              </a:rPr>
-              <a:t>• It is a unique name</a:t>
-            </a:r>
-            <a:endParaRPr sz="1700">
-              <a:solidFill>
-                <a:schemeClr val="dk1"/>
-              </a:solidFill>
-              <a:latin typeface="Times New Roman"/>
-              <a:ea typeface="Times New Roman"/>
-              <a:cs typeface="Times New Roman"/>
-              <a:sym typeface="Times New Roman"/>
-            </a:endParaRPr>
-          </a:p>
-          <a:p>
-            <a:pPr indent="0" lvl="0" marL="457200" rtl="0" algn="l">
-              <a:lnSpc>
-                <a:spcPct val="115000"/>
-              </a:lnSpc>
-              <a:spcBef>
-                <a:spcPts val="0"/>
-              </a:spcBef>
-              <a:spcAft>
-                <a:spcPts val="0"/>
-              </a:spcAft>
-              <a:buSzPts val="1800"/>
-              <a:buNone/>
-            </a:pPr>
-            <a:r>
-              <a:rPr lang="en" sz="1700">
-                <a:solidFill>
-                  <a:schemeClr val="dk1"/>
-                </a:solidFill>
-                <a:latin typeface="Times New Roman"/>
-                <a:ea typeface="Times New Roman"/>
-                <a:cs typeface="Times New Roman"/>
-                <a:sym typeface="Times New Roman"/>
-              </a:rPr>
-              <a:t>• Easy to remember for human</a:t>
-            </a:r>
-            <a:endParaRPr sz="1700">
-              <a:solidFill>
-                <a:schemeClr val="dk1"/>
-              </a:solidFill>
-              <a:latin typeface="Times New Roman"/>
-              <a:ea typeface="Times New Roman"/>
-              <a:cs typeface="Times New Roman"/>
-              <a:sym typeface="Times New Roman"/>
-            </a:endParaRPr>
-          </a:p>
-          <a:p>
-            <a:pPr indent="0" lvl="0" marL="457200" rtl="0" algn="l">
-              <a:lnSpc>
-                <a:spcPct val="115000"/>
-              </a:lnSpc>
-              <a:spcBef>
-                <a:spcPts val="0"/>
-              </a:spcBef>
-              <a:spcAft>
-                <a:spcPts val="0"/>
-              </a:spcAft>
-              <a:buSzPts val="1800"/>
-              <a:buNone/>
-            </a:pPr>
-            <a:r>
-              <a:rPr lang="en" sz="1700">
-                <a:solidFill>
-                  <a:schemeClr val="dk1"/>
-                </a:solidFill>
-                <a:latin typeface="Times New Roman"/>
-                <a:ea typeface="Times New Roman"/>
-                <a:cs typeface="Times New Roman"/>
-                <a:sym typeface="Times New Roman"/>
-              </a:rPr>
-              <a:t>• Example: nu.edu.kz, google.com</a:t>
-            </a:r>
-            <a:endParaRPr sz="1700">
-              <a:solidFill>
-                <a:schemeClr val="dk1"/>
-              </a:solidFill>
-              <a:latin typeface="Times New Roman"/>
-              <a:ea typeface="Times New Roman"/>
-              <a:cs typeface="Times New Roman"/>
-              <a:sym typeface="Times New Roman"/>
-            </a:endParaRPr>
-          </a:p>
-          <a:p>
-            <a:pPr indent="0" lvl="0" marL="457200" rtl="0" algn="l">
-              <a:lnSpc>
-                <a:spcPct val="115000"/>
-              </a:lnSpc>
-              <a:spcBef>
-                <a:spcPts val="0"/>
-              </a:spcBef>
-              <a:spcAft>
-                <a:spcPts val="0"/>
-              </a:spcAft>
-              <a:buSzPts val="1800"/>
-              <a:buNone/>
-            </a:pPr>
-            <a:r>
-              <a:t/>
-            </a:r>
-            <a:endParaRPr sz="1900">
-              <a:solidFill>
-                <a:schemeClr val="dk1"/>
-              </a:solidFill>
-              <a:latin typeface="Times New Roman"/>
-              <a:ea typeface="Times New Roman"/>
-              <a:cs typeface="Times New Roman"/>
-              <a:sym typeface="Times New Roman"/>
-            </a:endParaRPr>
-          </a:p>
-          <a:p>
-            <a:pPr indent="0" lvl="0" marL="0" rtl="0" algn="l">
-              <a:lnSpc>
-                <a:spcPct val="115000"/>
-              </a:lnSpc>
-              <a:spcBef>
-                <a:spcPts val="0"/>
-              </a:spcBef>
-              <a:spcAft>
-                <a:spcPts val="0"/>
-              </a:spcAft>
-              <a:buSzPts val="1800"/>
-              <a:buNone/>
-            </a:pPr>
-            <a:r>
-              <a:rPr b="1" lang="en" sz="1900">
-                <a:solidFill>
-                  <a:schemeClr val="dk1"/>
-                </a:solidFill>
-                <a:latin typeface="Times New Roman"/>
-                <a:ea typeface="Times New Roman"/>
-                <a:cs typeface="Times New Roman"/>
-                <a:sym typeface="Times New Roman"/>
-              </a:rPr>
-              <a:t>Types</a:t>
-            </a:r>
-            <a:r>
-              <a:rPr lang="en" sz="1900">
-                <a:solidFill>
-                  <a:schemeClr val="dk1"/>
-                </a:solidFill>
-                <a:latin typeface="Times New Roman"/>
-                <a:ea typeface="Times New Roman"/>
-                <a:cs typeface="Times New Roman"/>
-                <a:sym typeface="Times New Roman"/>
-              </a:rPr>
-              <a:t> of Domain names:</a:t>
-            </a:r>
-            <a:endParaRPr sz="1900">
-              <a:solidFill>
-                <a:schemeClr val="dk1"/>
-              </a:solidFill>
-              <a:latin typeface="Times New Roman"/>
-              <a:ea typeface="Times New Roman"/>
-              <a:cs typeface="Times New Roman"/>
-              <a:sym typeface="Times New Roman"/>
-            </a:endParaRPr>
-          </a:p>
-          <a:p>
-            <a:pPr indent="0" lvl="0" marL="457200" rtl="0" algn="l">
-              <a:lnSpc>
-                <a:spcPct val="115000"/>
-              </a:lnSpc>
-              <a:spcBef>
-                <a:spcPts val="0"/>
-              </a:spcBef>
-              <a:spcAft>
-                <a:spcPts val="0"/>
-              </a:spcAft>
-              <a:buSzPts val="1800"/>
-              <a:buNone/>
-            </a:pPr>
-            <a:r>
-              <a:rPr lang="en" sz="1700">
-                <a:solidFill>
-                  <a:schemeClr val="dk1"/>
-                </a:solidFill>
-                <a:latin typeface="Times New Roman"/>
-                <a:ea typeface="Times New Roman"/>
-                <a:cs typeface="Times New Roman"/>
-                <a:sym typeface="Times New Roman"/>
-              </a:rPr>
-              <a:t>• Root domain (top-level) – .com, .org, .kz, .ru, </a:t>
-            </a:r>
-            <a:endParaRPr sz="1700">
-              <a:solidFill>
-                <a:schemeClr val="dk1"/>
-              </a:solidFill>
-              <a:latin typeface="Times New Roman"/>
-              <a:ea typeface="Times New Roman"/>
-              <a:cs typeface="Times New Roman"/>
-              <a:sym typeface="Times New Roman"/>
-            </a:endParaRPr>
-          </a:p>
-          <a:p>
-            <a:pPr indent="0" lvl="0" marL="457200" rtl="0" algn="l">
-              <a:lnSpc>
-                <a:spcPct val="115000"/>
-              </a:lnSpc>
-              <a:spcBef>
-                <a:spcPts val="0"/>
-              </a:spcBef>
-              <a:spcAft>
-                <a:spcPts val="0"/>
-              </a:spcAft>
-              <a:buSzPts val="1800"/>
-              <a:buNone/>
-            </a:pPr>
-            <a:r>
-              <a:rPr lang="en" sz="1700">
-                <a:solidFill>
-                  <a:schemeClr val="dk1"/>
-                </a:solidFill>
-                <a:latin typeface="Times New Roman"/>
-                <a:ea typeface="Times New Roman"/>
-                <a:cs typeface="Times New Roman"/>
-                <a:sym typeface="Times New Roman"/>
-              </a:rPr>
-              <a:t>• Subdomains (other levels) – google.com, nu.edu.kz, library.nu.edu.kz</a:t>
-            </a:r>
-            <a:endParaRPr sz="1700">
-              <a:solidFill>
-                <a:schemeClr val="dk1"/>
-              </a:solidFill>
-              <a:latin typeface="Times New Roman"/>
-              <a:ea typeface="Times New Roman"/>
-              <a:cs typeface="Times New Roman"/>
-              <a:sym typeface="Times New Roman"/>
-            </a:endParaRPr>
-          </a:p>
-          <a:p>
-            <a:pPr indent="0" lvl="0" marL="0" rtl="0" algn="l">
-              <a:lnSpc>
-                <a:spcPct val="115000"/>
-              </a:lnSpc>
-              <a:spcBef>
-                <a:spcPts val="0"/>
-              </a:spcBef>
-              <a:spcAft>
-                <a:spcPts val="0"/>
-              </a:spcAft>
-              <a:buSzPts val="1800"/>
-              <a:buNone/>
-            </a:pPr>
-            <a:r>
-              <a:t/>
-            </a:r>
-            <a:endParaRPr sz="2100">
-              <a:solidFill>
-                <a:schemeClr val="dk1"/>
-              </a:solidFill>
-              <a:latin typeface="Times New Roman"/>
-              <a:ea typeface="Times New Roman"/>
-              <a:cs typeface="Times New Roman"/>
-              <a:sym typeface="Times New Roman"/>
-            </a:endParaRPr>
-          </a:p>
-        </p:txBody>
-      </p:sp>
-    </p:spTree>
-  </p:cSld>
-  <p:clrMapOvr>
-    <a:masterClrMapping/>
-  </p:clrMapOvr>
-</p:sld>
-</file>
-
-<file path=ppt/slides/slide11.xml><?xml version="1.0" encoding="utf-8"?>
-<p:sld xmlns:a="http://schemas.openxmlformats.org/drawingml/2006/main" xmlns:r="http://schemas.openxmlformats.org/officeDocument/2006/relationships" xmlns:mc="http://schemas.openxmlformats.org/markup-compatibility/2006" xmlns:mv="urn:schemas-microsoft-com:mac:vml" xmlns:p="http://schemas.openxmlformats.org/presentationml/2006/main" xmlns:c="http://schemas.openxmlformats.org/drawingml/2006/chart" xmlns:dgm="http://schemas.openxmlformats.org/drawingml/2006/diagram" xmlns:o="urn:schemas-microsoft-com:office:office" xmlns:v="urn:schemas-microsoft-com:vml" xmlns:pvml="urn:schemas-microsoft-com:office:powerpoint" xmlns:com="http://schemas.openxmlformats.org/drawingml/2006/compatibility" xmlns:p14="http://schemas.microsoft.com/office/powerpoint/2010/main" xmlns:p15="http://schemas.microsoft.com/office/powerpoint/2012/main" xmlns:ahyp="http://schemas.microsoft.com/office/drawing/2018/hyperlinkcolor">
-  <p:cSld>
-    <p:spTree>
-      <p:nvGrpSpPr>
-        <p:cNvPr id="101" name="Shape 101"/>
-        <p:cNvGrpSpPr/>
-        <p:nvPr/>
-      </p:nvGrpSpPr>
-      <p:grpSpPr>
-        <a:xfrm>
-          <a:off x="0" y="0"/>
-          <a:ext cx="0" cy="0"/>
-          <a:chOff x="0" y="0"/>
-          <a:chExt cx="0" cy="0"/>
-        </a:xfrm>
-      </p:grpSpPr>
-      <p:sp>
-        <p:nvSpPr>
-          <p:cNvPr id="102" name="Google Shape;102;p11"/>
-          <p:cNvSpPr txBox="1"/>
-          <p:nvPr>
-            <p:ph type="title"/>
-          </p:nvPr>
-        </p:nvSpPr>
-        <p:spPr>
-          <a:xfrm>
-            <a:off x="702550" y="83970"/>
-            <a:ext cx="3581400" cy="572700"/>
-          </a:xfrm>
-          <a:prstGeom prst="rect">
-            <a:avLst/>
-          </a:prstGeom>
-          <a:noFill/>
-          <a:ln>
-            <a:noFill/>
-          </a:ln>
-        </p:spPr>
-        <p:txBody>
-          <a:bodyPr anchorCtr="0" anchor="t" bIns="91425" lIns="91425" spcFirstLastPara="1" rIns="91425" wrap="square" tIns="91425">
-            <a:noAutofit/>
-          </a:bodyPr>
-          <a:lstStyle/>
-          <a:p>
-            <a:pPr indent="0" lvl="0" marL="0" rtl="0" algn="ctr">
-              <a:lnSpc>
-                <a:spcPct val="100000"/>
-              </a:lnSpc>
-              <a:spcBef>
-                <a:spcPts val="0"/>
-              </a:spcBef>
-              <a:spcAft>
-                <a:spcPts val="0"/>
-              </a:spcAft>
-              <a:buSzPts val="2800"/>
-              <a:buNone/>
-            </a:pPr>
-            <a:r>
-              <a:rPr b="1" lang="en">
-                <a:solidFill>
-                  <a:schemeClr val="dk1"/>
-                </a:solidFill>
-                <a:latin typeface="Times New Roman"/>
-                <a:ea typeface="Times New Roman"/>
-                <a:cs typeface="Times New Roman"/>
-                <a:sym typeface="Times New Roman"/>
-              </a:rPr>
-              <a:t>Domain Name System</a:t>
-            </a:r>
-            <a:endParaRPr b="1">
-              <a:solidFill>
-                <a:schemeClr val="dk1"/>
-              </a:solidFill>
-              <a:latin typeface="Times New Roman"/>
-              <a:ea typeface="Times New Roman"/>
-              <a:cs typeface="Times New Roman"/>
-              <a:sym typeface="Times New Roman"/>
-            </a:endParaRPr>
-          </a:p>
-        </p:txBody>
-      </p:sp>
-      <p:sp>
-        <p:nvSpPr>
-          <p:cNvPr id="103" name="Google Shape;103;p11"/>
-          <p:cNvSpPr txBox="1"/>
-          <p:nvPr>
-            <p:ph idx="1" type="body"/>
-          </p:nvPr>
-        </p:nvSpPr>
-        <p:spPr>
-          <a:xfrm>
-            <a:off x="358797" y="835675"/>
-            <a:ext cx="8426400" cy="3805500"/>
-          </a:xfrm>
-          <a:prstGeom prst="rect">
-            <a:avLst/>
-          </a:prstGeom>
-          <a:noFill/>
-          <a:ln>
-            <a:noFill/>
-          </a:ln>
-        </p:spPr>
-        <p:txBody>
-          <a:bodyPr anchorCtr="0" anchor="t" bIns="91425" lIns="91425" spcFirstLastPara="1" rIns="91425" wrap="square" tIns="91425">
-            <a:noAutofit/>
-          </a:bodyPr>
-          <a:lstStyle/>
-          <a:p>
-            <a:pPr indent="0" lvl="0" marL="0" rtl="0" algn="l">
-              <a:lnSpc>
-                <a:spcPct val="115000"/>
-              </a:lnSpc>
-              <a:spcBef>
-                <a:spcPts val="0"/>
-              </a:spcBef>
-              <a:spcAft>
-                <a:spcPts val="0"/>
-              </a:spcAft>
-              <a:buSzPts val="1800"/>
-              <a:buNone/>
-            </a:pPr>
-            <a:r>
-              <a:rPr b="1" lang="en" sz="1900">
-                <a:solidFill>
-                  <a:srgbClr val="FF0000"/>
-                </a:solidFill>
-                <a:latin typeface="Times New Roman"/>
-                <a:ea typeface="Times New Roman"/>
-                <a:cs typeface="Times New Roman"/>
-                <a:sym typeface="Times New Roman"/>
-              </a:rPr>
-              <a:t>The Domain Name System (DNS) </a:t>
-            </a:r>
-            <a:r>
-              <a:rPr lang="en" sz="1900">
-                <a:solidFill>
-                  <a:schemeClr val="dk1"/>
-                </a:solidFill>
-                <a:latin typeface="Times New Roman"/>
-                <a:ea typeface="Times New Roman"/>
-                <a:cs typeface="Times New Roman"/>
-                <a:sym typeface="Times New Roman"/>
-              </a:rPr>
-              <a:t>is the hierarchical and decentralized naming system (database) used to identify computers reachable through the Internet or other Internet Protocol (IP) networks. [Wikipedia]</a:t>
-            </a:r>
-            <a:endParaRPr sz="1900">
-              <a:solidFill>
-                <a:schemeClr val="dk1"/>
-              </a:solidFill>
-              <a:latin typeface="Times New Roman"/>
-              <a:ea typeface="Times New Roman"/>
-              <a:cs typeface="Times New Roman"/>
-              <a:sym typeface="Times New Roman"/>
-            </a:endParaRPr>
-          </a:p>
-          <a:p>
-            <a:pPr indent="0" lvl="0" marL="0" rtl="0" algn="l">
-              <a:lnSpc>
-                <a:spcPct val="115000"/>
-              </a:lnSpc>
-              <a:spcBef>
-                <a:spcPts val="0"/>
-              </a:spcBef>
-              <a:spcAft>
-                <a:spcPts val="0"/>
-              </a:spcAft>
-              <a:buSzPts val="1800"/>
-              <a:buNone/>
-            </a:pPr>
-            <a:r>
-              <a:t/>
-            </a:r>
-            <a:endParaRPr sz="1900">
-              <a:solidFill>
-                <a:schemeClr val="dk1"/>
-              </a:solidFill>
-              <a:latin typeface="Times New Roman"/>
-              <a:ea typeface="Times New Roman"/>
-              <a:cs typeface="Times New Roman"/>
-              <a:sym typeface="Times New Roman"/>
-            </a:endParaRPr>
-          </a:p>
-          <a:p>
-            <a:pPr indent="-349250" lvl="0" marL="457200" rtl="0" algn="l">
-              <a:lnSpc>
-                <a:spcPct val="115000"/>
-              </a:lnSpc>
-              <a:spcBef>
-                <a:spcPts val="0"/>
-              </a:spcBef>
-              <a:spcAft>
-                <a:spcPts val="0"/>
-              </a:spcAft>
-              <a:buClr>
-                <a:schemeClr val="dk1"/>
-              </a:buClr>
-              <a:buSzPts val="1900"/>
-              <a:buFont typeface="Times New Roman"/>
-              <a:buChar char="●"/>
-            </a:pPr>
-            <a:r>
-              <a:rPr lang="en" sz="1900">
-                <a:solidFill>
-                  <a:schemeClr val="dk1"/>
-                </a:solidFill>
-                <a:latin typeface="Times New Roman"/>
-                <a:ea typeface="Times New Roman"/>
-                <a:cs typeface="Times New Roman"/>
-                <a:sym typeface="Times New Roman"/>
-              </a:rPr>
-              <a:t>DNS is a “phonebook” or ”librarian” that converts domain names to IP</a:t>
-            </a:r>
-            <a:endParaRPr sz="1900">
-              <a:solidFill>
-                <a:schemeClr val="dk1"/>
-              </a:solidFill>
-              <a:latin typeface="Times New Roman"/>
-              <a:ea typeface="Times New Roman"/>
-              <a:cs typeface="Times New Roman"/>
-              <a:sym typeface="Times New Roman"/>
-            </a:endParaRPr>
-          </a:p>
-          <a:p>
-            <a:pPr indent="0" lvl="0" marL="0" rtl="0" algn="l">
-              <a:lnSpc>
-                <a:spcPct val="115000"/>
-              </a:lnSpc>
-              <a:spcBef>
-                <a:spcPts val="0"/>
-              </a:spcBef>
-              <a:spcAft>
-                <a:spcPts val="0"/>
-              </a:spcAft>
-              <a:buSzPts val="1800"/>
-              <a:buNone/>
-            </a:pPr>
-            <a:r>
-              <a:rPr lang="en" sz="1900">
-                <a:solidFill>
-                  <a:schemeClr val="dk1"/>
-                </a:solidFill>
-                <a:latin typeface="Times New Roman"/>
-                <a:ea typeface="Times New Roman"/>
-                <a:cs typeface="Times New Roman"/>
-                <a:sym typeface="Times New Roman"/>
-              </a:rPr>
-              <a:t>addresses</a:t>
-            </a:r>
-            <a:endParaRPr sz="1900">
-              <a:solidFill>
-                <a:schemeClr val="dk1"/>
-              </a:solidFill>
-              <a:latin typeface="Times New Roman"/>
-              <a:ea typeface="Times New Roman"/>
-              <a:cs typeface="Times New Roman"/>
-              <a:sym typeface="Times New Roman"/>
-            </a:endParaRPr>
-          </a:p>
-          <a:p>
-            <a:pPr indent="0" lvl="0" marL="457200" rtl="0" algn="l">
-              <a:lnSpc>
-                <a:spcPct val="115000"/>
-              </a:lnSpc>
-              <a:spcBef>
-                <a:spcPts val="0"/>
-              </a:spcBef>
-              <a:spcAft>
-                <a:spcPts val="0"/>
-              </a:spcAft>
-              <a:buSzPts val="1800"/>
-              <a:buNone/>
-            </a:pPr>
-            <a:r>
-              <a:rPr lang="en">
-                <a:solidFill>
-                  <a:schemeClr val="dk1"/>
-                </a:solidFill>
-                <a:latin typeface="Times New Roman"/>
-                <a:ea typeface="Times New Roman"/>
-                <a:cs typeface="Times New Roman"/>
-                <a:sym typeface="Times New Roman"/>
-              </a:rPr>
-              <a:t>• </a:t>
-            </a:r>
-            <a:r>
-              <a:rPr lang="en" sz="1600">
-                <a:solidFill>
-                  <a:schemeClr val="dk1"/>
-                </a:solidFill>
-                <a:latin typeface="Times New Roman"/>
-                <a:ea typeface="Times New Roman"/>
-                <a:cs typeface="Times New Roman"/>
-                <a:sym typeface="Times New Roman"/>
-              </a:rPr>
-              <a:t>nu.edu.kz --&gt; 178.91.253.180</a:t>
-            </a:r>
-            <a:endParaRPr sz="1900">
-              <a:solidFill>
-                <a:schemeClr val="dk1"/>
-              </a:solidFill>
-              <a:latin typeface="Times New Roman"/>
-              <a:ea typeface="Times New Roman"/>
-              <a:cs typeface="Times New Roman"/>
-              <a:sym typeface="Times New Roman"/>
-            </a:endParaRPr>
-          </a:p>
-          <a:p>
-            <a:pPr indent="-349250" lvl="0" marL="457200" rtl="0" algn="l">
-              <a:lnSpc>
-                <a:spcPct val="115000"/>
-              </a:lnSpc>
-              <a:spcBef>
-                <a:spcPts val="0"/>
-              </a:spcBef>
-              <a:spcAft>
-                <a:spcPts val="0"/>
-              </a:spcAft>
-              <a:buClr>
-                <a:schemeClr val="dk1"/>
-              </a:buClr>
-              <a:buSzPts val="1900"/>
-              <a:buFont typeface="Times New Roman"/>
-              <a:buChar char="●"/>
-            </a:pPr>
-            <a:r>
-              <a:rPr lang="en" sz="1900">
-                <a:solidFill>
-                  <a:schemeClr val="dk1"/>
-                </a:solidFill>
-                <a:latin typeface="Times New Roman"/>
-                <a:ea typeface="Times New Roman"/>
-                <a:cs typeface="Times New Roman"/>
-                <a:sym typeface="Times New Roman"/>
-              </a:rPr>
-              <a:t>There are WHOIS services to lookup domains</a:t>
-            </a:r>
-            <a:endParaRPr sz="1900">
-              <a:solidFill>
-                <a:schemeClr val="dk1"/>
-              </a:solidFill>
-              <a:latin typeface="Times New Roman"/>
-              <a:ea typeface="Times New Roman"/>
-              <a:cs typeface="Times New Roman"/>
-              <a:sym typeface="Times New Roman"/>
-            </a:endParaRPr>
-          </a:p>
-          <a:p>
-            <a:pPr indent="0" lvl="0" marL="457200" rtl="0" algn="l">
-              <a:lnSpc>
-                <a:spcPct val="115000"/>
-              </a:lnSpc>
-              <a:spcBef>
-                <a:spcPts val="0"/>
-              </a:spcBef>
-              <a:spcAft>
-                <a:spcPts val="0"/>
-              </a:spcAft>
-              <a:buSzPts val="1800"/>
-              <a:buNone/>
-            </a:pPr>
-            <a:r>
-              <a:rPr lang="en" sz="1600">
-                <a:solidFill>
-                  <a:schemeClr val="dk1"/>
-                </a:solidFill>
-                <a:latin typeface="Times New Roman"/>
-                <a:ea typeface="Times New Roman"/>
-                <a:cs typeface="Times New Roman"/>
-                <a:sym typeface="Times New Roman"/>
-              </a:rPr>
-              <a:t>• godaddy.com, hoster.kz, domaintoipconverter.com</a:t>
-            </a:r>
-            <a:endParaRPr sz="1600">
-              <a:solidFill>
-                <a:schemeClr val="dk1"/>
-              </a:solidFill>
-              <a:latin typeface="Times New Roman"/>
-              <a:ea typeface="Times New Roman"/>
-              <a:cs typeface="Times New Roman"/>
-              <a:sym typeface="Times New Roman"/>
-            </a:endParaRPr>
-          </a:p>
-          <a:p>
-            <a:pPr indent="0" lvl="0" marL="0" rtl="0" algn="l">
-              <a:lnSpc>
-                <a:spcPct val="115000"/>
-              </a:lnSpc>
-              <a:spcBef>
-                <a:spcPts val="0"/>
-              </a:spcBef>
-              <a:spcAft>
-                <a:spcPts val="0"/>
-              </a:spcAft>
-              <a:buSzPts val="1800"/>
-              <a:buNone/>
-            </a:pPr>
-            <a:r>
-              <a:t/>
-            </a:r>
-            <a:endParaRPr sz="1900">
-              <a:solidFill>
-                <a:schemeClr val="dk1"/>
-              </a:solidFill>
-              <a:latin typeface="Times New Roman"/>
-              <a:ea typeface="Times New Roman"/>
-              <a:cs typeface="Times New Roman"/>
-              <a:sym typeface="Times New Roman"/>
-            </a:endParaRPr>
-          </a:p>
-          <a:p>
-            <a:pPr indent="-349250" lvl="0" marL="457200" rtl="0" algn="l">
-              <a:lnSpc>
-                <a:spcPct val="115000"/>
-              </a:lnSpc>
-              <a:spcBef>
-                <a:spcPts val="0"/>
-              </a:spcBef>
-              <a:spcAft>
-                <a:spcPts val="0"/>
-              </a:spcAft>
-              <a:buClr>
-                <a:schemeClr val="dk1"/>
-              </a:buClr>
-              <a:buSzPts val="1900"/>
-              <a:buFont typeface="Times New Roman"/>
-              <a:buChar char="●"/>
-            </a:pPr>
-            <a:r>
-              <a:rPr lang="en" sz="1900">
-                <a:solidFill>
-                  <a:schemeClr val="dk1"/>
-                </a:solidFill>
-                <a:latin typeface="Times New Roman"/>
-                <a:ea typeface="Times New Roman"/>
-                <a:cs typeface="Times New Roman"/>
-                <a:sym typeface="Times New Roman"/>
-              </a:rPr>
-              <a:t>The browser does a domain lookup for you</a:t>
-            </a:r>
-            <a:endParaRPr sz="1900">
-              <a:solidFill>
-                <a:schemeClr val="dk1"/>
-              </a:solidFill>
-              <a:latin typeface="Times New Roman"/>
-              <a:ea typeface="Times New Roman"/>
-              <a:cs typeface="Times New Roman"/>
-              <a:sym typeface="Times New Roman"/>
-            </a:endParaRPr>
-          </a:p>
-          <a:p>
-            <a:pPr indent="0" lvl="0" marL="0" rtl="0" algn="l">
-              <a:lnSpc>
-                <a:spcPct val="115000"/>
-              </a:lnSpc>
-              <a:spcBef>
-                <a:spcPts val="0"/>
-              </a:spcBef>
-              <a:spcAft>
-                <a:spcPts val="0"/>
-              </a:spcAft>
-              <a:buSzPts val="1800"/>
-              <a:buNone/>
-            </a:pPr>
-            <a:r>
-              <a:t/>
-            </a:r>
-            <a:endParaRPr sz="2100">
-              <a:solidFill>
-                <a:schemeClr val="dk1"/>
-              </a:solidFill>
-              <a:latin typeface="Times New Roman"/>
-              <a:ea typeface="Times New Roman"/>
-              <a:cs typeface="Times New Roman"/>
-              <a:sym typeface="Times New Roman"/>
-            </a:endParaRPr>
-          </a:p>
-        </p:txBody>
-      </p:sp>
-      <p:pic>
-        <p:nvPicPr>
-          <p:cNvPr id="104" name="Google Shape;104;p11"/>
-          <p:cNvPicPr preferRelativeResize="0"/>
-          <p:nvPr/>
-        </p:nvPicPr>
-        <p:blipFill rotWithShape="1">
-          <a:blip r:embed="rId3">
-            <a:alphaModFix/>
-          </a:blip>
-          <a:srcRect b="0" l="0" r="0" t="0"/>
-          <a:stretch/>
-        </p:blipFill>
-        <p:spPr>
-          <a:xfrm>
-            <a:off x="5515744" y="2600325"/>
-            <a:ext cx="2536100" cy="2012200"/>
-          </a:xfrm>
-          <a:prstGeom prst="rect">
-            <a:avLst/>
-          </a:prstGeom>
-          <a:noFill/>
-          <a:ln>
-            <a:noFill/>
-          </a:ln>
-        </p:spPr>
-      </p:pic>
-    </p:spTree>
-  </p:cSld>
-  <p:clrMapOvr>
-    <a:masterClrMapping/>
-  </p:clrMapOvr>
-</p:sld>
-</file>
-
-<file path=ppt/slides/slide12.xml><?xml version="1.0" encoding="utf-8"?>
-<p:sld xmlns:a="http://schemas.openxmlformats.org/drawingml/2006/main" xmlns:r="http://schemas.openxmlformats.org/officeDocument/2006/relationships" xmlns:mc="http://schemas.openxmlformats.org/markup-compatibility/2006" xmlns:mv="urn:schemas-microsoft-com:mac:vml" xmlns:p="http://schemas.openxmlformats.org/presentationml/2006/main" xmlns:c="http://schemas.openxmlformats.org/drawingml/2006/chart" xmlns:dgm="http://schemas.openxmlformats.org/drawingml/2006/diagram" xmlns:o="urn:schemas-microsoft-com:office:office" xmlns:v="urn:schemas-microsoft-com:vml" xmlns:pvml="urn:schemas-microsoft-com:office:powerpoint" xmlns:com="http://schemas.openxmlformats.org/drawingml/2006/compatibility" xmlns:p14="http://schemas.microsoft.com/office/powerpoint/2010/main" xmlns:p15="http://schemas.microsoft.com/office/powerpoint/2012/main" xmlns:ahyp="http://schemas.microsoft.com/office/drawing/2018/hyperlinkcolor">
-  <p:cSld>
-    <p:spTree>
-      <p:nvGrpSpPr>
-        <p:cNvPr id="108" name="Shape 108"/>
-        <p:cNvGrpSpPr/>
-        <p:nvPr/>
-      </p:nvGrpSpPr>
-      <p:grpSpPr>
-        <a:xfrm>
-          <a:off x="0" y="0"/>
-          <a:ext cx="0" cy="0"/>
-          <a:chOff x="0" y="0"/>
-          <a:chExt cx="0" cy="0"/>
-        </a:xfrm>
-      </p:grpSpPr>
-      <p:sp>
-        <p:nvSpPr>
-          <p:cNvPr id="109" name="Google Shape;109;p12"/>
-          <p:cNvSpPr txBox="1"/>
-          <p:nvPr>
-            <p:ph type="title"/>
-          </p:nvPr>
-        </p:nvSpPr>
-        <p:spPr>
-          <a:xfrm>
-            <a:off x="687310" y="107200"/>
-            <a:ext cx="3581400" cy="572700"/>
-          </a:xfrm>
-          <a:prstGeom prst="rect">
-            <a:avLst/>
-          </a:prstGeom>
-          <a:noFill/>
-          <a:ln>
-            <a:noFill/>
-          </a:ln>
-        </p:spPr>
-        <p:txBody>
-          <a:bodyPr anchorCtr="0" anchor="t" bIns="91425" lIns="91425" spcFirstLastPara="1" rIns="91425" wrap="square" tIns="91425">
-            <a:noAutofit/>
-          </a:bodyPr>
-          <a:lstStyle/>
-          <a:p>
-            <a:pPr indent="0" lvl="0" marL="0" rtl="0" algn="l">
-              <a:lnSpc>
-                <a:spcPct val="100000"/>
-              </a:lnSpc>
-              <a:spcBef>
-                <a:spcPts val="0"/>
-              </a:spcBef>
-              <a:spcAft>
-                <a:spcPts val="0"/>
-              </a:spcAft>
-              <a:buSzPts val="2800"/>
-              <a:buNone/>
-            </a:pPr>
-            <a:r>
-              <a:rPr b="1" lang="en">
-                <a:solidFill>
-                  <a:schemeClr val="dk1"/>
-                </a:solidFill>
-                <a:latin typeface="Times New Roman"/>
-                <a:ea typeface="Times New Roman"/>
-                <a:cs typeface="Times New Roman"/>
-                <a:sym typeface="Times New Roman"/>
-              </a:rPr>
-              <a:t>Client-Server Model</a:t>
-            </a:r>
-            <a:endParaRPr b="1">
-              <a:solidFill>
-                <a:schemeClr val="dk1"/>
-              </a:solidFill>
-              <a:latin typeface="Times New Roman"/>
-              <a:ea typeface="Times New Roman"/>
-              <a:cs typeface="Times New Roman"/>
-              <a:sym typeface="Times New Roman"/>
-            </a:endParaRPr>
-          </a:p>
-        </p:txBody>
-      </p:sp>
-      <p:sp>
-        <p:nvSpPr>
-          <p:cNvPr id="110" name="Google Shape;110;p12"/>
-          <p:cNvSpPr txBox="1"/>
-          <p:nvPr>
-            <p:ph idx="1" type="body"/>
-          </p:nvPr>
-        </p:nvSpPr>
-        <p:spPr>
-          <a:xfrm>
-            <a:off x="358797" y="835675"/>
-            <a:ext cx="8426400" cy="3805500"/>
-          </a:xfrm>
-          <a:prstGeom prst="rect">
-            <a:avLst/>
-          </a:prstGeom>
-          <a:noFill/>
-          <a:ln>
-            <a:noFill/>
-          </a:ln>
-        </p:spPr>
-        <p:txBody>
-          <a:bodyPr anchorCtr="0" anchor="t" bIns="91425" lIns="91425" spcFirstLastPara="1" rIns="91425" wrap="square" tIns="91425">
-            <a:noAutofit/>
-          </a:bodyPr>
-          <a:lstStyle/>
-          <a:p>
-            <a:pPr indent="-228600" lvl="0" marL="457200" rtl="0" algn="l">
-              <a:lnSpc>
-                <a:spcPct val="115000"/>
-              </a:lnSpc>
-              <a:spcBef>
-                <a:spcPts val="0"/>
-              </a:spcBef>
-              <a:spcAft>
-                <a:spcPts val="0"/>
-              </a:spcAft>
-              <a:buClr>
-                <a:schemeClr val="dk1"/>
-              </a:buClr>
-              <a:buSzPts val="1900"/>
-              <a:buFont typeface="Times New Roman"/>
-              <a:buNone/>
-            </a:pPr>
-            <a:r>
-              <a:t/>
-            </a:r>
-            <a:endParaRPr sz="1900">
-              <a:solidFill>
-                <a:schemeClr val="dk1"/>
-              </a:solidFill>
-              <a:latin typeface="Times New Roman"/>
-              <a:ea typeface="Times New Roman"/>
-              <a:cs typeface="Times New Roman"/>
-              <a:sym typeface="Times New Roman"/>
-            </a:endParaRPr>
-          </a:p>
-          <a:p>
-            <a:pPr indent="0" lvl="0" marL="0" rtl="0" algn="l">
-              <a:lnSpc>
-                <a:spcPct val="115000"/>
-              </a:lnSpc>
-              <a:spcBef>
-                <a:spcPts val="0"/>
-              </a:spcBef>
-              <a:spcAft>
-                <a:spcPts val="0"/>
-              </a:spcAft>
-              <a:buSzPts val="1800"/>
-              <a:buNone/>
-            </a:pPr>
-            <a:r>
-              <a:t/>
-            </a:r>
-            <a:endParaRPr sz="2100">
-              <a:solidFill>
-                <a:schemeClr val="dk1"/>
-              </a:solidFill>
-              <a:latin typeface="Times New Roman"/>
-              <a:ea typeface="Times New Roman"/>
-              <a:cs typeface="Times New Roman"/>
-              <a:sym typeface="Times New Roman"/>
-            </a:endParaRPr>
-          </a:p>
-        </p:txBody>
-      </p:sp>
-      <p:pic>
-        <p:nvPicPr>
-          <p:cNvPr id="111" name="Google Shape;111;p12"/>
-          <p:cNvPicPr preferRelativeResize="0"/>
-          <p:nvPr/>
-        </p:nvPicPr>
-        <p:blipFill rotWithShape="1">
-          <a:blip r:embed="rId3">
-            <a:alphaModFix/>
-          </a:blip>
-          <a:srcRect b="0" l="0" r="0" t="0"/>
-          <a:stretch/>
-        </p:blipFill>
-        <p:spPr>
-          <a:xfrm>
-            <a:off x="432373" y="1641537"/>
-            <a:ext cx="3707828" cy="2135697"/>
-          </a:xfrm>
-          <a:prstGeom prst="rect">
-            <a:avLst/>
-          </a:prstGeom>
-          <a:noFill/>
-          <a:ln>
-            <a:noFill/>
-          </a:ln>
-        </p:spPr>
-      </p:pic>
-      <p:pic>
-        <p:nvPicPr>
-          <p:cNvPr id="112" name="Google Shape;112;p12"/>
-          <p:cNvPicPr preferRelativeResize="0"/>
-          <p:nvPr/>
-        </p:nvPicPr>
-        <p:blipFill rotWithShape="1">
-          <a:blip r:embed="rId4">
-            <a:alphaModFix/>
-          </a:blip>
-          <a:srcRect b="0" l="0" r="0" t="0"/>
-          <a:stretch/>
-        </p:blipFill>
-        <p:spPr>
-          <a:xfrm>
-            <a:off x="4911850" y="1641537"/>
-            <a:ext cx="3656301" cy="2193775"/>
-          </a:xfrm>
-          <a:prstGeom prst="rect">
-            <a:avLst/>
-          </a:prstGeom>
-          <a:noFill/>
-          <a:ln>
-            <a:noFill/>
-          </a:ln>
-        </p:spPr>
-      </p:pic>
-    </p:spTree>
-  </p:cSld>
-  <p:clrMapOvr>
-    <a:masterClrMapping/>
-  </p:clrMapOvr>
-</p:sld>
-</file>
-
-<file path=ppt/slides/slide13.xml><?xml version="1.0" encoding="utf-8"?>
-<p:sld xmlns:a="http://schemas.openxmlformats.org/drawingml/2006/main" xmlns:r="http://schemas.openxmlformats.org/officeDocument/2006/relationships" xmlns:mc="http://schemas.openxmlformats.org/markup-compatibility/2006" xmlns:mv="urn:schemas-microsoft-com:mac:vml" xmlns:p="http://schemas.openxmlformats.org/presentationml/2006/main" xmlns:c="http://schemas.openxmlformats.org/drawingml/2006/chart" xmlns:dgm="http://schemas.openxmlformats.org/drawingml/2006/diagram" xmlns:o="urn:schemas-microsoft-com:office:office" xmlns:v="urn:schemas-microsoft-com:vml" xmlns:pvml="urn:schemas-microsoft-com:office:powerpoint" xmlns:com="http://schemas.openxmlformats.org/drawingml/2006/compatibility" xmlns:p14="http://schemas.microsoft.com/office/powerpoint/2010/main" xmlns:p15="http://schemas.microsoft.com/office/powerpoint/2012/main" xmlns:ahyp="http://schemas.microsoft.com/office/drawing/2018/hyperlinkcolor">
-  <p:cSld>
-    <p:spTree>
-      <p:nvGrpSpPr>
-        <p:cNvPr id="116" name="Shape 116"/>
-        <p:cNvGrpSpPr/>
-        <p:nvPr/>
-      </p:nvGrpSpPr>
-      <p:grpSpPr>
-        <a:xfrm>
-          <a:off x="0" y="0"/>
-          <a:ext cx="0" cy="0"/>
-          <a:chOff x="0" y="0"/>
-          <a:chExt cx="0" cy="0"/>
-        </a:xfrm>
-      </p:grpSpPr>
-      <p:sp>
-        <p:nvSpPr>
-          <p:cNvPr id="117" name="Google Shape;117;p13"/>
-          <p:cNvSpPr txBox="1"/>
-          <p:nvPr>
-            <p:ph type="title"/>
-          </p:nvPr>
-        </p:nvSpPr>
-        <p:spPr>
-          <a:xfrm>
-            <a:off x="687310" y="106830"/>
-            <a:ext cx="3581400" cy="572700"/>
-          </a:xfrm>
-          <a:prstGeom prst="rect">
-            <a:avLst/>
-          </a:prstGeom>
-          <a:noFill/>
-          <a:ln>
-            <a:noFill/>
-          </a:ln>
-        </p:spPr>
-        <p:txBody>
-          <a:bodyPr anchorCtr="0" anchor="t" bIns="91425" lIns="91425" spcFirstLastPara="1" rIns="91425" wrap="square" tIns="91425">
-            <a:noAutofit/>
-          </a:bodyPr>
-          <a:lstStyle/>
-          <a:p>
-            <a:pPr indent="0" lvl="0" marL="0" rtl="0" algn="l">
-              <a:lnSpc>
-                <a:spcPct val="100000"/>
-              </a:lnSpc>
-              <a:spcBef>
-                <a:spcPts val="0"/>
-              </a:spcBef>
-              <a:spcAft>
-                <a:spcPts val="0"/>
-              </a:spcAft>
-              <a:buSzPts val="2800"/>
-              <a:buNone/>
-            </a:pPr>
-            <a:r>
-              <a:rPr b="1" lang="en">
-                <a:solidFill>
-                  <a:schemeClr val="dk1"/>
-                </a:solidFill>
-                <a:latin typeface="Times New Roman"/>
-                <a:ea typeface="Times New Roman"/>
-                <a:cs typeface="Times New Roman"/>
-                <a:sym typeface="Times New Roman"/>
-              </a:rPr>
-              <a:t>Websites</a:t>
-            </a:r>
-            <a:endParaRPr b="1">
-              <a:solidFill>
-                <a:schemeClr val="dk1"/>
-              </a:solidFill>
-              <a:latin typeface="Times New Roman"/>
-              <a:ea typeface="Times New Roman"/>
-              <a:cs typeface="Times New Roman"/>
-              <a:sym typeface="Times New Roman"/>
-            </a:endParaRPr>
-          </a:p>
-        </p:txBody>
-      </p:sp>
-      <p:sp>
-        <p:nvSpPr>
-          <p:cNvPr id="118" name="Google Shape;118;p13"/>
-          <p:cNvSpPr txBox="1"/>
-          <p:nvPr>
-            <p:ph idx="1" type="body"/>
-          </p:nvPr>
-        </p:nvSpPr>
-        <p:spPr>
-          <a:xfrm>
-            <a:off x="358797" y="835675"/>
-            <a:ext cx="8426400" cy="3805500"/>
-          </a:xfrm>
-          <a:prstGeom prst="rect">
-            <a:avLst/>
-          </a:prstGeom>
-          <a:noFill/>
-          <a:ln>
-            <a:noFill/>
-          </a:ln>
-        </p:spPr>
-        <p:txBody>
-          <a:bodyPr anchorCtr="0" anchor="t" bIns="91425" lIns="91425" spcFirstLastPara="1" rIns="91425" wrap="square" tIns="91425">
-            <a:noAutofit/>
-          </a:bodyPr>
-          <a:lstStyle/>
-          <a:p>
-            <a:pPr indent="-349250" lvl="0" marL="457200" rtl="0" algn="l">
-              <a:lnSpc>
-                <a:spcPct val="115000"/>
-              </a:lnSpc>
-              <a:spcBef>
-                <a:spcPts val="0"/>
-              </a:spcBef>
-              <a:spcAft>
-                <a:spcPts val="0"/>
-              </a:spcAft>
-              <a:buClr>
-                <a:schemeClr val="dk1"/>
-              </a:buClr>
-              <a:buSzPts val="1900"/>
-              <a:buFont typeface="Times New Roman"/>
-              <a:buChar char="●"/>
-            </a:pPr>
-            <a:r>
-              <a:rPr lang="en" sz="1900">
-                <a:solidFill>
-                  <a:schemeClr val="dk1"/>
-                </a:solidFill>
-                <a:latin typeface="Times New Roman"/>
-                <a:ea typeface="Times New Roman"/>
-                <a:cs typeface="Times New Roman"/>
-                <a:sym typeface="Times New Roman"/>
-              </a:rPr>
-              <a:t>A </a:t>
-            </a:r>
-            <a:r>
-              <a:rPr b="1" lang="en" sz="1900">
-                <a:solidFill>
-                  <a:srgbClr val="FF0000"/>
-                </a:solidFill>
-                <a:latin typeface="Times New Roman"/>
-                <a:ea typeface="Times New Roman"/>
-                <a:cs typeface="Times New Roman"/>
-                <a:sym typeface="Times New Roman"/>
-              </a:rPr>
-              <a:t>website</a:t>
-            </a:r>
-            <a:r>
-              <a:rPr lang="en" sz="1900">
-                <a:solidFill>
-                  <a:schemeClr val="dk1"/>
-                </a:solidFill>
-                <a:latin typeface="Times New Roman"/>
-                <a:ea typeface="Times New Roman"/>
-                <a:cs typeface="Times New Roman"/>
-                <a:sym typeface="Times New Roman"/>
-              </a:rPr>
-              <a:t> is a collection of web pages and related content that is identified by a common domain name and published on at least one web server with an IP address.</a:t>
-            </a:r>
-            <a:endParaRPr sz="1900">
-              <a:solidFill>
-                <a:schemeClr val="dk1"/>
-              </a:solidFill>
-              <a:latin typeface="Times New Roman"/>
-              <a:ea typeface="Times New Roman"/>
-              <a:cs typeface="Times New Roman"/>
-              <a:sym typeface="Times New Roman"/>
-            </a:endParaRPr>
-          </a:p>
-          <a:p>
-            <a:pPr indent="0" lvl="0" marL="0" rtl="0" algn="l">
-              <a:lnSpc>
-                <a:spcPct val="115000"/>
-              </a:lnSpc>
-              <a:spcBef>
-                <a:spcPts val="0"/>
-              </a:spcBef>
-              <a:spcAft>
-                <a:spcPts val="0"/>
-              </a:spcAft>
-              <a:buSzPts val="1800"/>
-              <a:buNone/>
-            </a:pPr>
-            <a:r>
-              <a:t/>
-            </a:r>
-            <a:endParaRPr sz="2100">
-              <a:solidFill>
-                <a:schemeClr val="dk1"/>
-              </a:solidFill>
-              <a:latin typeface="Times New Roman"/>
-              <a:ea typeface="Times New Roman"/>
-              <a:cs typeface="Times New Roman"/>
-              <a:sym typeface="Times New Roman"/>
-            </a:endParaRPr>
-          </a:p>
-        </p:txBody>
-      </p:sp>
-      <p:pic>
-        <p:nvPicPr>
-          <p:cNvPr id="119" name="Google Shape;119;p13"/>
-          <p:cNvPicPr preferRelativeResize="0"/>
-          <p:nvPr/>
-        </p:nvPicPr>
-        <p:blipFill rotWithShape="1">
-          <a:blip r:embed="rId3">
-            <a:alphaModFix/>
-          </a:blip>
-          <a:srcRect b="0" l="0" r="0" t="0"/>
-          <a:stretch/>
-        </p:blipFill>
-        <p:spPr>
-          <a:xfrm>
-            <a:off x="3612740" y="2376787"/>
-            <a:ext cx="4985974" cy="1973675"/>
-          </a:xfrm>
-          <a:prstGeom prst="rect">
-            <a:avLst/>
-          </a:prstGeom>
-          <a:noFill/>
-          <a:ln>
-            <a:noFill/>
-          </a:ln>
-        </p:spPr>
-      </p:pic>
-      <p:sp>
-        <p:nvSpPr>
-          <p:cNvPr id="120" name="Google Shape;120;p13"/>
-          <p:cNvSpPr txBox="1"/>
-          <p:nvPr/>
-        </p:nvSpPr>
-        <p:spPr>
-          <a:xfrm>
-            <a:off x="488660" y="2086075"/>
-            <a:ext cx="3398400" cy="2555100"/>
-          </a:xfrm>
-          <a:prstGeom prst="rect">
-            <a:avLst/>
-          </a:prstGeom>
-          <a:noFill/>
-          <a:ln>
-            <a:noFill/>
-          </a:ln>
-        </p:spPr>
-        <p:txBody>
-          <a:bodyPr anchorCtr="0" anchor="t" bIns="91425" lIns="91425" spcFirstLastPara="1" rIns="91425" wrap="square" tIns="91425">
-            <a:spAutoFit/>
-          </a:bodyPr>
-          <a:lstStyle/>
-          <a:p>
-            <a:pPr indent="0" lvl="0" marL="0" marR="0" rtl="0" algn="l">
-              <a:lnSpc>
-                <a:spcPct val="100000"/>
-              </a:lnSpc>
-              <a:spcBef>
-                <a:spcPts val="0"/>
-              </a:spcBef>
-              <a:spcAft>
-                <a:spcPts val="0"/>
-              </a:spcAft>
-              <a:buClr>
-                <a:srgbClr val="000000"/>
-              </a:buClr>
-              <a:buSzPts val="1400"/>
-              <a:buFont typeface="Arial"/>
-              <a:buNone/>
-            </a:pPr>
-            <a:r>
-              <a:rPr b="0" i="0" lang="en" sz="1400" u="none" cap="none" strike="noStrike">
-                <a:solidFill>
-                  <a:srgbClr val="000000"/>
-                </a:solidFill>
-                <a:latin typeface="Arial"/>
-                <a:ea typeface="Arial"/>
-                <a:cs typeface="Arial"/>
-                <a:sym typeface="Arial"/>
-              </a:rPr>
-              <a:t>Domain: nu.edu.kz</a:t>
-            </a:r>
-            <a:endParaRPr b="0" i="0" sz="1400" u="none" cap="none" strike="noStrike">
-              <a:solidFill>
-                <a:srgbClr val="000000"/>
-              </a:solidFill>
-              <a:latin typeface="Arial"/>
-              <a:ea typeface="Arial"/>
-              <a:cs typeface="Arial"/>
-              <a:sym typeface="Arial"/>
-            </a:endParaRPr>
-          </a:p>
-          <a:p>
-            <a:pPr indent="0" lvl="0" marL="0" marR="0" rtl="0" algn="l">
-              <a:lnSpc>
-                <a:spcPct val="100000"/>
-              </a:lnSpc>
-              <a:spcBef>
-                <a:spcPts val="0"/>
-              </a:spcBef>
-              <a:spcAft>
-                <a:spcPts val="0"/>
-              </a:spcAft>
-              <a:buClr>
-                <a:schemeClr val="dk1"/>
-              </a:buClr>
-              <a:buSzPts val="1100"/>
-              <a:buFont typeface="Arial"/>
-              <a:buNone/>
-            </a:pPr>
-            <a:r>
-              <a:t/>
-            </a:r>
-            <a:endParaRPr b="0" i="0" sz="1400" u="none" cap="none" strike="noStrike">
-              <a:solidFill>
-                <a:srgbClr val="000000"/>
-              </a:solidFill>
-              <a:latin typeface="Arial"/>
-              <a:ea typeface="Arial"/>
-              <a:cs typeface="Arial"/>
-              <a:sym typeface="Arial"/>
-            </a:endParaRPr>
-          </a:p>
-          <a:p>
-            <a:pPr indent="0" lvl="0" marL="0" marR="0" rtl="0" algn="l">
-              <a:lnSpc>
-                <a:spcPct val="100000"/>
-              </a:lnSpc>
-              <a:spcBef>
-                <a:spcPts val="0"/>
-              </a:spcBef>
-              <a:spcAft>
-                <a:spcPts val="0"/>
-              </a:spcAft>
-              <a:buClr>
-                <a:schemeClr val="dk1"/>
-              </a:buClr>
-              <a:buSzPts val="1100"/>
-              <a:buFont typeface="Arial"/>
-              <a:buNone/>
-            </a:pPr>
-            <a:r>
-              <a:rPr b="0" i="0" lang="en" sz="1400" u="none" cap="none" strike="noStrike">
-                <a:solidFill>
-                  <a:srgbClr val="000000"/>
-                </a:solidFill>
-                <a:latin typeface="Arial"/>
-                <a:ea typeface="Arial"/>
-                <a:cs typeface="Arial"/>
-                <a:sym typeface="Arial"/>
-              </a:rPr>
-              <a:t>IP address: 178.91.253.180</a:t>
-            </a:r>
-            <a:endParaRPr b="0" i="0" sz="1400" u="none" cap="none" strike="noStrike">
-              <a:solidFill>
-                <a:srgbClr val="000000"/>
-              </a:solidFill>
-              <a:latin typeface="Arial"/>
-              <a:ea typeface="Arial"/>
-              <a:cs typeface="Arial"/>
-              <a:sym typeface="Arial"/>
-            </a:endParaRPr>
-          </a:p>
-          <a:p>
-            <a:pPr indent="0" lvl="0" marL="0" marR="0" rtl="0" algn="l">
-              <a:lnSpc>
-                <a:spcPct val="100000"/>
-              </a:lnSpc>
-              <a:spcBef>
-                <a:spcPts val="0"/>
-              </a:spcBef>
-              <a:spcAft>
-                <a:spcPts val="0"/>
-              </a:spcAft>
-              <a:buClr>
-                <a:schemeClr val="dk1"/>
-              </a:buClr>
-              <a:buSzPts val="1100"/>
-              <a:buFont typeface="Arial"/>
-              <a:buNone/>
-            </a:pPr>
-            <a:r>
-              <a:rPr b="0" i="0" lang="en" sz="1400" u="none" cap="none" strike="noStrike">
-                <a:solidFill>
-                  <a:srgbClr val="000000"/>
-                </a:solidFill>
-                <a:latin typeface="Arial"/>
-                <a:ea typeface="Arial"/>
-                <a:cs typeface="Arial"/>
-                <a:sym typeface="Arial"/>
-              </a:rPr>
-              <a:t>Web pages and their URLs:</a:t>
-            </a:r>
-            <a:endParaRPr b="0" i="0" sz="1400" u="none" cap="none" strike="noStrike">
-              <a:solidFill>
-                <a:srgbClr val="000000"/>
-              </a:solidFill>
-              <a:latin typeface="Arial"/>
-              <a:ea typeface="Arial"/>
-              <a:cs typeface="Arial"/>
-              <a:sym typeface="Arial"/>
-            </a:endParaRPr>
-          </a:p>
-          <a:p>
-            <a:pPr indent="0" lvl="0" marL="457200" marR="0" rtl="0" algn="l">
-              <a:lnSpc>
-                <a:spcPct val="100000"/>
-              </a:lnSpc>
-              <a:spcBef>
-                <a:spcPts val="0"/>
-              </a:spcBef>
-              <a:spcAft>
-                <a:spcPts val="0"/>
-              </a:spcAft>
-              <a:buClr>
-                <a:schemeClr val="dk1"/>
-              </a:buClr>
-              <a:buSzPts val="1100"/>
-              <a:buFont typeface="Arial"/>
-              <a:buNone/>
-            </a:pPr>
-            <a:r>
-              <a:rPr b="0" i="0" lang="en" sz="1400" u="none" cap="none" strike="noStrike">
-                <a:solidFill>
-                  <a:srgbClr val="000000"/>
-                </a:solidFill>
-                <a:latin typeface="Arial"/>
-                <a:ea typeface="Arial"/>
-                <a:cs typeface="Arial"/>
-                <a:sym typeface="Arial"/>
-              </a:rPr>
-              <a:t>• About Us - https://nu.edu.kz/about)</a:t>
-            </a:r>
-            <a:endParaRPr b="0" i="0" sz="1400" u="none" cap="none" strike="noStrike">
-              <a:solidFill>
-                <a:srgbClr val="000000"/>
-              </a:solidFill>
-              <a:latin typeface="Arial"/>
-              <a:ea typeface="Arial"/>
-              <a:cs typeface="Arial"/>
-              <a:sym typeface="Arial"/>
-            </a:endParaRPr>
-          </a:p>
-          <a:p>
-            <a:pPr indent="0" lvl="0" marL="457200" marR="0" rtl="0" algn="l">
-              <a:lnSpc>
-                <a:spcPct val="100000"/>
-              </a:lnSpc>
-              <a:spcBef>
-                <a:spcPts val="0"/>
-              </a:spcBef>
-              <a:spcAft>
-                <a:spcPts val="0"/>
-              </a:spcAft>
-              <a:buClr>
-                <a:schemeClr val="dk1"/>
-              </a:buClr>
-              <a:buSzPts val="1100"/>
-              <a:buFont typeface="Arial"/>
-              <a:buNone/>
-            </a:pPr>
-            <a:r>
-              <a:rPr b="0" i="0" lang="en" sz="1400" u="none" cap="none" strike="noStrike">
-                <a:solidFill>
-                  <a:srgbClr val="000000"/>
-                </a:solidFill>
-                <a:latin typeface="Arial"/>
-                <a:ea typeface="Arial"/>
-                <a:cs typeface="Arial"/>
-                <a:sym typeface="Arial"/>
-              </a:rPr>
-              <a:t>• Admission - https://nu.edu.kz/admissions</a:t>
-            </a:r>
-            <a:endParaRPr b="0" i="0" sz="1400" u="none" cap="none" strike="noStrike">
-              <a:solidFill>
-                <a:srgbClr val="000000"/>
-              </a:solidFill>
-              <a:latin typeface="Arial"/>
-              <a:ea typeface="Arial"/>
-              <a:cs typeface="Arial"/>
-              <a:sym typeface="Arial"/>
-            </a:endParaRPr>
-          </a:p>
-          <a:p>
-            <a:pPr indent="0" lvl="0" marL="457200" marR="0" rtl="0" algn="l">
-              <a:lnSpc>
-                <a:spcPct val="100000"/>
-              </a:lnSpc>
-              <a:spcBef>
-                <a:spcPts val="0"/>
-              </a:spcBef>
-              <a:spcAft>
-                <a:spcPts val="0"/>
-              </a:spcAft>
-              <a:buClr>
-                <a:schemeClr val="dk1"/>
-              </a:buClr>
-              <a:buSzPts val="1100"/>
-              <a:buFont typeface="Arial"/>
-              <a:buNone/>
-            </a:pPr>
-            <a:r>
-              <a:rPr b="0" i="0" lang="en" sz="1400" u="none" cap="none" strike="noStrike">
-                <a:solidFill>
-                  <a:srgbClr val="000000"/>
-                </a:solidFill>
-                <a:latin typeface="Arial"/>
-                <a:ea typeface="Arial"/>
-                <a:cs typeface="Arial"/>
-                <a:sym typeface="Arial"/>
-              </a:rPr>
-              <a:t>• Academics - https://nu.edu.kz/academics</a:t>
-            </a:r>
-            <a:endParaRPr b="0" i="0" sz="1400" u="none" cap="none" strike="noStrike">
-              <a:solidFill>
-                <a:srgbClr val="000000"/>
-              </a:solidFill>
-              <a:latin typeface="Arial"/>
-              <a:ea typeface="Arial"/>
-              <a:cs typeface="Arial"/>
-              <a:sym typeface="Arial"/>
-            </a:endParaRPr>
-          </a:p>
-          <a:p>
-            <a:pPr indent="0" lvl="0" marL="457200" marR="0" rtl="0" algn="l">
-              <a:lnSpc>
-                <a:spcPct val="100000"/>
-              </a:lnSpc>
-              <a:spcBef>
-                <a:spcPts val="0"/>
-              </a:spcBef>
-              <a:spcAft>
-                <a:spcPts val="0"/>
-              </a:spcAft>
-              <a:buClr>
-                <a:srgbClr val="000000"/>
-              </a:buClr>
-              <a:buSzPts val="1400"/>
-              <a:buFont typeface="Arial"/>
-              <a:buNone/>
-            </a:pPr>
-            <a:r>
-              <a:rPr b="0" i="0" lang="en" sz="1400" u="none" cap="none" strike="noStrike">
-                <a:solidFill>
-                  <a:srgbClr val="000000"/>
-                </a:solidFill>
-                <a:latin typeface="Arial"/>
-                <a:ea typeface="Arial"/>
-                <a:cs typeface="Arial"/>
-                <a:sym typeface="Arial"/>
-              </a:rPr>
-              <a:t>• etc.</a:t>
-            </a:r>
-            <a:endParaRPr b="0" i="0" sz="1400" u="none" cap="none" strike="noStrike">
-              <a:solidFill>
-                <a:srgbClr val="000000"/>
-              </a:solidFill>
-              <a:latin typeface="Arial"/>
-              <a:ea typeface="Arial"/>
-              <a:cs typeface="Arial"/>
-              <a:sym typeface="Arial"/>
-            </a:endParaRPr>
-          </a:p>
-        </p:txBody>
-      </p:sp>
-    </p:spTree>
-  </p:cSld>
-  <p:clrMapOvr>
-    <a:masterClrMapping/>
-  </p:clrMapOvr>
-</p:sld>
-</file>
-
-<file path=ppt/slides/slide14.xml><?xml version="1.0" encoding="utf-8"?>
-<p:sld xmlns:a="http://schemas.openxmlformats.org/drawingml/2006/main" xmlns:r="http://schemas.openxmlformats.org/officeDocument/2006/relationships" xmlns:mc="http://schemas.openxmlformats.org/markup-compatibility/2006" xmlns:mv="urn:schemas-microsoft-com:mac:vml" xmlns:p="http://schemas.openxmlformats.org/presentationml/2006/main" xmlns:c="http://schemas.openxmlformats.org/drawingml/2006/chart" xmlns:dgm="http://schemas.openxmlformats.org/drawingml/2006/diagram" xmlns:o="urn:schemas-microsoft-com:office:office" xmlns:v="urn:schemas-microsoft-com:vml" xmlns:pvml="urn:schemas-microsoft-com:office:powerpoint" xmlns:com="http://schemas.openxmlformats.org/drawingml/2006/compatibility" xmlns:p14="http://schemas.microsoft.com/office/powerpoint/2010/main" xmlns:p15="http://schemas.microsoft.com/office/powerpoint/2012/main" xmlns:ahyp="http://schemas.microsoft.com/office/drawing/2018/hyperlinkcolor">
-  <p:cSld>
-    <p:spTree>
-      <p:nvGrpSpPr>
-        <p:cNvPr id="124" name="Shape 124"/>
-        <p:cNvGrpSpPr/>
-        <p:nvPr/>
-      </p:nvGrpSpPr>
-      <p:grpSpPr>
-        <a:xfrm>
-          <a:off x="0" y="0"/>
-          <a:ext cx="0" cy="0"/>
-          <a:chOff x="0" y="0"/>
-          <a:chExt cx="0" cy="0"/>
-        </a:xfrm>
-      </p:grpSpPr>
-      <p:pic>
-        <p:nvPicPr>
-          <p:cNvPr id="125" name="Google Shape;125;p14"/>
-          <p:cNvPicPr preferRelativeResize="0"/>
-          <p:nvPr/>
-        </p:nvPicPr>
-        <p:blipFill rotWithShape="1">
-          <a:blip r:embed="rId3">
-            <a:alphaModFix/>
-          </a:blip>
-          <a:srcRect b="0" l="0" r="0" t="0"/>
-          <a:stretch/>
-        </p:blipFill>
-        <p:spPr>
-          <a:xfrm>
-            <a:off x="4759380" y="2106759"/>
-            <a:ext cx="4384620" cy="3036741"/>
-          </a:xfrm>
-          <a:prstGeom prst="rect">
-            <a:avLst/>
-          </a:prstGeom>
-          <a:noFill/>
-          <a:ln>
-            <a:noFill/>
-          </a:ln>
-        </p:spPr>
-      </p:pic>
-      <p:sp>
-        <p:nvSpPr>
-          <p:cNvPr id="126" name="Google Shape;126;p14"/>
-          <p:cNvSpPr txBox="1"/>
-          <p:nvPr>
-            <p:ph type="title"/>
-          </p:nvPr>
-        </p:nvSpPr>
-        <p:spPr>
-          <a:xfrm>
-            <a:off x="711016" y="97516"/>
-            <a:ext cx="3581400" cy="572700"/>
-          </a:xfrm>
-          <a:prstGeom prst="rect">
-            <a:avLst/>
-          </a:prstGeom>
-          <a:noFill/>
-          <a:ln>
-            <a:noFill/>
-          </a:ln>
-        </p:spPr>
-        <p:txBody>
-          <a:bodyPr anchorCtr="0" anchor="t" bIns="91425" lIns="91425" spcFirstLastPara="1" rIns="91425" wrap="square" tIns="91425">
-            <a:noAutofit/>
-          </a:bodyPr>
-          <a:lstStyle/>
-          <a:p>
-            <a:pPr indent="0" lvl="0" marL="0" rtl="0" algn="ctr">
-              <a:lnSpc>
-                <a:spcPct val="100000"/>
-              </a:lnSpc>
-              <a:spcBef>
-                <a:spcPts val="0"/>
-              </a:spcBef>
-              <a:spcAft>
-                <a:spcPts val="0"/>
-              </a:spcAft>
-              <a:buSzPts val="2800"/>
-              <a:buNone/>
-            </a:pPr>
-            <a:r>
-              <a:rPr b="1" lang="en">
-                <a:solidFill>
-                  <a:schemeClr val="dk1"/>
-                </a:solidFill>
-                <a:latin typeface="Times New Roman"/>
-                <a:ea typeface="Times New Roman"/>
-                <a:cs typeface="Times New Roman"/>
-                <a:sym typeface="Times New Roman"/>
-              </a:rPr>
-              <a:t>Website Architecture</a:t>
-            </a:r>
-            <a:endParaRPr b="1">
-              <a:solidFill>
-                <a:schemeClr val="dk1"/>
-              </a:solidFill>
-              <a:latin typeface="Times New Roman"/>
-              <a:ea typeface="Times New Roman"/>
-              <a:cs typeface="Times New Roman"/>
-              <a:sym typeface="Times New Roman"/>
-            </a:endParaRPr>
-          </a:p>
-        </p:txBody>
-      </p:sp>
-      <p:sp>
-        <p:nvSpPr>
-          <p:cNvPr id="127" name="Google Shape;127;p14"/>
-          <p:cNvSpPr txBox="1"/>
-          <p:nvPr>
-            <p:ph idx="1" type="body"/>
-          </p:nvPr>
-        </p:nvSpPr>
-        <p:spPr>
-          <a:xfrm>
-            <a:off x="79216" y="789955"/>
-            <a:ext cx="8426400" cy="3805500"/>
-          </a:xfrm>
-          <a:prstGeom prst="rect">
-            <a:avLst/>
-          </a:prstGeom>
-          <a:noFill/>
-          <a:ln>
-            <a:noFill/>
-          </a:ln>
-        </p:spPr>
-        <p:txBody>
-          <a:bodyPr anchorCtr="0" anchor="t" bIns="91425" lIns="91425" spcFirstLastPara="1" rIns="91425" wrap="square" tIns="91425">
-            <a:noAutofit/>
-          </a:bodyPr>
-          <a:lstStyle/>
-          <a:p>
-            <a:pPr indent="-330200" lvl="0" marL="457200" rtl="0" algn="l">
-              <a:lnSpc>
-                <a:spcPct val="115000"/>
-              </a:lnSpc>
-              <a:spcBef>
-                <a:spcPts val="0"/>
-              </a:spcBef>
-              <a:spcAft>
-                <a:spcPts val="0"/>
-              </a:spcAft>
-              <a:buClr>
-                <a:schemeClr val="dk1"/>
-              </a:buClr>
-              <a:buSzPts val="1600"/>
-              <a:buFont typeface="Times New Roman"/>
-              <a:buChar char="●"/>
-            </a:pPr>
-            <a:r>
-              <a:rPr lang="en" sz="1600">
-                <a:solidFill>
-                  <a:schemeClr val="dk1"/>
-                </a:solidFill>
-                <a:latin typeface="Times New Roman"/>
-                <a:ea typeface="Times New Roman"/>
-                <a:cs typeface="Times New Roman"/>
-                <a:sym typeface="Times New Roman"/>
-              </a:rPr>
-              <a:t>A typical architecture of a website consists of:</a:t>
-            </a:r>
-            <a:endParaRPr sz="1600">
-              <a:solidFill>
-                <a:schemeClr val="dk1"/>
-              </a:solidFill>
-              <a:latin typeface="Times New Roman"/>
-              <a:ea typeface="Times New Roman"/>
-              <a:cs typeface="Times New Roman"/>
-              <a:sym typeface="Times New Roman"/>
-            </a:endParaRPr>
-          </a:p>
-          <a:p>
-            <a:pPr indent="-330200" lvl="1" marL="914400" rtl="0" algn="l">
-              <a:lnSpc>
-                <a:spcPct val="115000"/>
-              </a:lnSpc>
-              <a:spcBef>
-                <a:spcPts val="0"/>
-              </a:spcBef>
-              <a:spcAft>
-                <a:spcPts val="0"/>
-              </a:spcAft>
-              <a:buClr>
-                <a:schemeClr val="dk1"/>
-              </a:buClr>
-              <a:buSzPts val="1600"/>
-              <a:buFont typeface="Times New Roman"/>
-              <a:buChar char="○"/>
-            </a:pPr>
-            <a:r>
-              <a:rPr lang="en" sz="1600" u="sng">
-                <a:solidFill>
-                  <a:schemeClr val="dk1"/>
-                </a:solidFill>
-                <a:latin typeface="Times New Roman"/>
-                <a:ea typeface="Times New Roman"/>
-                <a:cs typeface="Times New Roman"/>
-                <a:sym typeface="Times New Roman"/>
-              </a:rPr>
-              <a:t>Front-end part</a:t>
-            </a:r>
-            <a:r>
-              <a:rPr lang="en" sz="1600">
-                <a:solidFill>
-                  <a:schemeClr val="dk1"/>
-                </a:solidFill>
-                <a:latin typeface="Times New Roman"/>
-                <a:ea typeface="Times New Roman"/>
-                <a:cs typeface="Times New Roman"/>
-                <a:sym typeface="Times New Roman"/>
-              </a:rPr>
-              <a:t> (user interface): HTML, CSS, JavaScript</a:t>
-            </a:r>
-            <a:endParaRPr sz="1600">
-              <a:solidFill>
-                <a:schemeClr val="dk1"/>
-              </a:solidFill>
-              <a:latin typeface="Times New Roman"/>
-              <a:ea typeface="Times New Roman"/>
-              <a:cs typeface="Times New Roman"/>
-              <a:sym typeface="Times New Roman"/>
-            </a:endParaRPr>
-          </a:p>
-          <a:p>
-            <a:pPr indent="-330200" lvl="1" marL="914400" rtl="0" algn="l">
-              <a:lnSpc>
-                <a:spcPct val="115000"/>
-              </a:lnSpc>
-              <a:spcBef>
-                <a:spcPts val="0"/>
-              </a:spcBef>
-              <a:spcAft>
-                <a:spcPts val="0"/>
-              </a:spcAft>
-              <a:buClr>
-                <a:schemeClr val="dk1"/>
-              </a:buClr>
-              <a:buSzPts val="1600"/>
-              <a:buFont typeface="Times New Roman"/>
-              <a:buChar char="○"/>
-            </a:pPr>
-            <a:r>
-              <a:rPr lang="en" sz="1600" u="sng">
-                <a:solidFill>
-                  <a:schemeClr val="dk1"/>
-                </a:solidFill>
-                <a:latin typeface="Times New Roman"/>
-                <a:ea typeface="Times New Roman"/>
-                <a:cs typeface="Times New Roman"/>
-                <a:sym typeface="Times New Roman"/>
-              </a:rPr>
-              <a:t>Back-end part </a:t>
-            </a:r>
-            <a:r>
-              <a:rPr lang="en" sz="1600">
-                <a:solidFill>
-                  <a:schemeClr val="dk1"/>
-                </a:solidFill>
-                <a:latin typeface="Times New Roman"/>
-                <a:ea typeface="Times New Roman"/>
-                <a:cs typeface="Times New Roman"/>
-                <a:sym typeface="Times New Roman"/>
-              </a:rPr>
-              <a:t>(business logic): Python, Java, PHP, etc.</a:t>
-            </a:r>
-            <a:endParaRPr sz="1600">
-              <a:solidFill>
-                <a:schemeClr val="dk1"/>
-              </a:solidFill>
-              <a:latin typeface="Times New Roman"/>
-              <a:ea typeface="Times New Roman"/>
-              <a:cs typeface="Times New Roman"/>
-              <a:sym typeface="Times New Roman"/>
-            </a:endParaRPr>
-          </a:p>
-          <a:p>
-            <a:pPr indent="-330200" lvl="1" marL="914400" rtl="0" algn="l">
-              <a:lnSpc>
-                <a:spcPct val="115000"/>
-              </a:lnSpc>
-              <a:spcBef>
-                <a:spcPts val="0"/>
-              </a:spcBef>
-              <a:spcAft>
-                <a:spcPts val="0"/>
-              </a:spcAft>
-              <a:buClr>
-                <a:schemeClr val="dk1"/>
-              </a:buClr>
-              <a:buSzPts val="1600"/>
-              <a:buFont typeface="Times New Roman"/>
-              <a:buChar char="○"/>
-            </a:pPr>
-            <a:r>
-              <a:rPr lang="en" sz="1600" u="sng">
-                <a:solidFill>
-                  <a:schemeClr val="dk1"/>
-                </a:solidFill>
-                <a:latin typeface="Times New Roman"/>
-                <a:ea typeface="Times New Roman"/>
-                <a:cs typeface="Times New Roman"/>
-                <a:sym typeface="Times New Roman"/>
-              </a:rPr>
-              <a:t>Database</a:t>
-            </a:r>
-            <a:r>
-              <a:rPr lang="en" sz="1600">
-                <a:solidFill>
-                  <a:schemeClr val="dk1"/>
-                </a:solidFill>
-                <a:latin typeface="Times New Roman"/>
-                <a:ea typeface="Times New Roman"/>
-                <a:cs typeface="Times New Roman"/>
-                <a:sym typeface="Times New Roman"/>
-              </a:rPr>
-              <a:t>: MySQL, PostgreSQL, MS SQL, Oracle</a:t>
-            </a:r>
-            <a:endParaRPr sz="1600">
-              <a:solidFill>
-                <a:schemeClr val="dk1"/>
-              </a:solidFill>
-              <a:latin typeface="Times New Roman"/>
-              <a:ea typeface="Times New Roman"/>
-              <a:cs typeface="Times New Roman"/>
-              <a:sym typeface="Times New Roman"/>
-            </a:endParaRPr>
-          </a:p>
-          <a:p>
-            <a:pPr indent="-330200" lvl="1" marL="914400" rtl="0" algn="l">
-              <a:lnSpc>
-                <a:spcPct val="115000"/>
-              </a:lnSpc>
-              <a:spcBef>
-                <a:spcPts val="0"/>
-              </a:spcBef>
-              <a:spcAft>
-                <a:spcPts val="0"/>
-              </a:spcAft>
-              <a:buClr>
-                <a:schemeClr val="dk1"/>
-              </a:buClr>
-              <a:buSzPts val="1600"/>
-              <a:buFont typeface="Times New Roman"/>
-              <a:buChar char="○"/>
-            </a:pPr>
-            <a:r>
-              <a:rPr lang="en" sz="1600" u="sng">
-                <a:solidFill>
-                  <a:schemeClr val="dk1"/>
-                </a:solidFill>
-                <a:latin typeface="Times New Roman"/>
-                <a:ea typeface="Times New Roman"/>
-                <a:cs typeface="Times New Roman"/>
-                <a:sym typeface="Times New Roman"/>
-              </a:rPr>
-              <a:t>File System</a:t>
-            </a:r>
-            <a:r>
-              <a:rPr lang="en" sz="1600">
-                <a:solidFill>
-                  <a:schemeClr val="dk1"/>
-                </a:solidFill>
-                <a:latin typeface="Times New Roman"/>
-                <a:ea typeface="Times New Roman"/>
-                <a:cs typeface="Times New Roman"/>
-                <a:sym typeface="Times New Roman"/>
-              </a:rPr>
-              <a:t>: images, audio, video, web pages</a:t>
-            </a:r>
-            <a:endParaRPr sz="1600">
-              <a:solidFill>
-                <a:schemeClr val="dk1"/>
-              </a:solidFill>
-              <a:latin typeface="Times New Roman"/>
-              <a:ea typeface="Times New Roman"/>
-              <a:cs typeface="Times New Roman"/>
-              <a:sym typeface="Times New Roman"/>
-            </a:endParaRPr>
-          </a:p>
-          <a:p>
-            <a:pPr indent="0" lvl="0" marL="0" rtl="0" algn="l">
-              <a:lnSpc>
-                <a:spcPct val="115000"/>
-              </a:lnSpc>
-              <a:spcBef>
-                <a:spcPts val="0"/>
-              </a:spcBef>
-              <a:spcAft>
-                <a:spcPts val="0"/>
-              </a:spcAft>
-              <a:buSzPts val="1800"/>
-              <a:buNone/>
-            </a:pPr>
-            <a:r>
-              <a:t/>
-            </a:r>
-            <a:endParaRPr sz="1500">
-              <a:solidFill>
-                <a:schemeClr val="dk1"/>
-              </a:solidFill>
-              <a:latin typeface="Times New Roman"/>
-              <a:ea typeface="Times New Roman"/>
-              <a:cs typeface="Times New Roman"/>
-              <a:sym typeface="Times New Roman"/>
-            </a:endParaRPr>
-          </a:p>
-          <a:p>
-            <a:pPr indent="0" lvl="0" marL="0" rtl="0" algn="l">
-              <a:lnSpc>
-                <a:spcPct val="115000"/>
-              </a:lnSpc>
-              <a:spcBef>
-                <a:spcPts val="0"/>
-              </a:spcBef>
-              <a:spcAft>
-                <a:spcPts val="0"/>
-              </a:spcAft>
-              <a:buSzPts val="1800"/>
-              <a:buNone/>
-            </a:pPr>
-            <a:r>
-              <a:t/>
-            </a:r>
-            <a:endParaRPr sz="1500">
-              <a:solidFill>
-                <a:schemeClr val="dk1"/>
-              </a:solidFill>
-              <a:latin typeface="Times New Roman"/>
-              <a:ea typeface="Times New Roman"/>
-              <a:cs typeface="Times New Roman"/>
-              <a:sym typeface="Times New Roman"/>
-            </a:endParaRPr>
-          </a:p>
-          <a:p>
-            <a:pPr indent="-323850" lvl="0" marL="457200" rtl="0" algn="l">
-              <a:lnSpc>
-                <a:spcPct val="115000"/>
-              </a:lnSpc>
-              <a:spcBef>
-                <a:spcPts val="0"/>
-              </a:spcBef>
-              <a:spcAft>
-                <a:spcPts val="0"/>
-              </a:spcAft>
-              <a:buClr>
-                <a:schemeClr val="dk1"/>
-              </a:buClr>
-              <a:buSzPts val="1500"/>
-              <a:buFont typeface="Times New Roman"/>
-              <a:buChar char="●"/>
-            </a:pPr>
-            <a:r>
-              <a:rPr b="1" lang="en" sz="1500">
-                <a:solidFill>
-                  <a:schemeClr val="dk1"/>
-                </a:solidFill>
-                <a:latin typeface="Times New Roman"/>
-                <a:ea typeface="Times New Roman"/>
-                <a:cs typeface="Times New Roman"/>
-                <a:sym typeface="Times New Roman"/>
-              </a:rPr>
-              <a:t>Front-end: </a:t>
-            </a:r>
-            <a:r>
-              <a:rPr lang="en" sz="1500">
-                <a:solidFill>
-                  <a:schemeClr val="dk1"/>
-                </a:solidFill>
-                <a:latin typeface="Times New Roman"/>
-                <a:ea typeface="Times New Roman"/>
-                <a:cs typeface="Times New Roman"/>
-                <a:sym typeface="Times New Roman"/>
-              </a:rPr>
-              <a:t>what users see and interact with.</a:t>
-            </a:r>
-            <a:endParaRPr sz="1500">
-              <a:solidFill>
-                <a:schemeClr val="dk1"/>
-              </a:solidFill>
-              <a:latin typeface="Times New Roman"/>
-              <a:ea typeface="Times New Roman"/>
-              <a:cs typeface="Times New Roman"/>
-              <a:sym typeface="Times New Roman"/>
-            </a:endParaRPr>
-          </a:p>
-          <a:p>
-            <a:pPr indent="-323850" lvl="0" marL="457200" rtl="0" algn="l">
-              <a:lnSpc>
-                <a:spcPct val="115000"/>
-              </a:lnSpc>
-              <a:spcBef>
-                <a:spcPts val="0"/>
-              </a:spcBef>
-              <a:spcAft>
-                <a:spcPts val="0"/>
-              </a:spcAft>
-              <a:buClr>
-                <a:schemeClr val="dk1"/>
-              </a:buClr>
-              <a:buSzPts val="1500"/>
-              <a:buFont typeface="Times New Roman"/>
-              <a:buChar char="●"/>
-            </a:pPr>
-            <a:r>
-              <a:rPr b="1" lang="en" sz="1500">
-                <a:solidFill>
-                  <a:schemeClr val="dk1"/>
-                </a:solidFill>
-                <a:latin typeface="Times New Roman"/>
-                <a:ea typeface="Times New Roman"/>
-                <a:cs typeface="Times New Roman"/>
-                <a:sym typeface="Times New Roman"/>
-              </a:rPr>
-              <a:t>Back-end: </a:t>
-            </a:r>
-            <a:r>
-              <a:rPr lang="en" sz="1500">
-                <a:solidFill>
-                  <a:schemeClr val="dk1"/>
-                </a:solidFill>
-                <a:latin typeface="Times New Roman"/>
-                <a:ea typeface="Times New Roman"/>
-                <a:cs typeface="Times New Roman"/>
-                <a:sym typeface="Times New Roman"/>
-              </a:rPr>
-              <a:t>the underlying system that supports </a:t>
-            </a:r>
-            <a:endParaRPr sz="1500">
-              <a:solidFill>
-                <a:schemeClr val="dk1"/>
-              </a:solidFill>
-              <a:latin typeface="Times New Roman"/>
-              <a:ea typeface="Times New Roman"/>
-              <a:cs typeface="Times New Roman"/>
-              <a:sym typeface="Times New Roman"/>
-            </a:endParaRPr>
-          </a:p>
-          <a:p>
-            <a:pPr indent="0" lvl="0" marL="133350" rtl="0" algn="l">
-              <a:lnSpc>
-                <a:spcPct val="115000"/>
-              </a:lnSpc>
-              <a:spcBef>
-                <a:spcPts val="0"/>
-              </a:spcBef>
-              <a:spcAft>
-                <a:spcPts val="0"/>
-              </a:spcAft>
-              <a:buClr>
-                <a:schemeClr val="dk1"/>
-              </a:buClr>
-              <a:buSzPts val="1500"/>
-              <a:buNone/>
-            </a:pPr>
-            <a:r>
-              <a:rPr lang="en" sz="1500">
-                <a:solidFill>
-                  <a:schemeClr val="dk1"/>
-                </a:solidFill>
-                <a:latin typeface="Times New Roman"/>
-                <a:ea typeface="Times New Roman"/>
-                <a:cs typeface="Times New Roman"/>
-                <a:sym typeface="Times New Roman"/>
-              </a:rPr>
-              <a:t>                                and processes user interactions.</a:t>
-            </a:r>
-            <a:endParaRPr/>
-          </a:p>
-          <a:p>
-            <a:pPr indent="-228600" lvl="0" marL="457200" rtl="0" algn="l">
-              <a:lnSpc>
-                <a:spcPct val="115000"/>
-              </a:lnSpc>
-              <a:spcBef>
-                <a:spcPts val="0"/>
-              </a:spcBef>
-              <a:spcAft>
-                <a:spcPts val="0"/>
-              </a:spcAft>
-              <a:buClr>
-                <a:schemeClr val="dk1"/>
-              </a:buClr>
-              <a:buSzPts val="1500"/>
-              <a:buFont typeface="Times New Roman"/>
-              <a:buNone/>
-            </a:pPr>
-            <a:r>
-              <a:t/>
-            </a:r>
-            <a:endParaRPr sz="1500">
-              <a:solidFill>
-                <a:schemeClr val="dk1"/>
-              </a:solidFill>
-              <a:latin typeface="Times New Roman"/>
-              <a:ea typeface="Times New Roman"/>
-              <a:cs typeface="Times New Roman"/>
-              <a:sym typeface="Times New Roman"/>
-            </a:endParaRPr>
-          </a:p>
-          <a:p>
-            <a:pPr indent="-323850" lvl="0" marL="457200" rtl="0" algn="l">
-              <a:lnSpc>
-                <a:spcPct val="115000"/>
-              </a:lnSpc>
-              <a:spcBef>
-                <a:spcPts val="0"/>
-              </a:spcBef>
-              <a:spcAft>
-                <a:spcPts val="0"/>
-              </a:spcAft>
-              <a:buClr>
-                <a:schemeClr val="dk1"/>
-              </a:buClr>
-              <a:buSzPts val="1500"/>
-              <a:buFont typeface="Times New Roman"/>
-              <a:buChar char="●"/>
-            </a:pPr>
-            <a:r>
-              <a:rPr lang="en" sz="1500">
-                <a:solidFill>
-                  <a:schemeClr val="dk1"/>
-                </a:solidFill>
-                <a:latin typeface="Times New Roman"/>
-                <a:ea typeface="Times New Roman"/>
-                <a:cs typeface="Times New Roman"/>
-                <a:sym typeface="Times New Roman"/>
-              </a:rPr>
-              <a:t>A website can be </a:t>
-            </a:r>
-            <a:r>
-              <a:rPr b="1" lang="en" sz="1500">
-                <a:solidFill>
-                  <a:srgbClr val="FF0000"/>
-                </a:solidFill>
-                <a:latin typeface="Times New Roman"/>
-                <a:ea typeface="Times New Roman"/>
-                <a:cs typeface="Times New Roman"/>
-                <a:sym typeface="Times New Roman"/>
-              </a:rPr>
-              <a:t>static</a:t>
-            </a:r>
-            <a:r>
-              <a:rPr lang="en" sz="1500">
-                <a:solidFill>
-                  <a:schemeClr val="dk1"/>
-                </a:solidFill>
-                <a:latin typeface="Times New Roman"/>
-                <a:ea typeface="Times New Roman"/>
-                <a:cs typeface="Times New Roman"/>
-                <a:sym typeface="Times New Roman"/>
-              </a:rPr>
-              <a:t> or </a:t>
-            </a:r>
-            <a:r>
-              <a:rPr b="1" lang="en" sz="1500">
-                <a:solidFill>
-                  <a:srgbClr val="FF0000"/>
-                </a:solidFill>
-                <a:latin typeface="Times New Roman"/>
-                <a:ea typeface="Times New Roman"/>
-                <a:cs typeface="Times New Roman"/>
-                <a:sym typeface="Times New Roman"/>
-              </a:rPr>
-              <a:t>dynamic</a:t>
-            </a:r>
-            <a:r>
-              <a:rPr lang="en" sz="1500">
-                <a:solidFill>
-                  <a:schemeClr val="dk1"/>
-                </a:solidFill>
-                <a:latin typeface="Times New Roman"/>
-                <a:ea typeface="Times New Roman"/>
-                <a:cs typeface="Times New Roman"/>
-                <a:sym typeface="Times New Roman"/>
-              </a:rPr>
-              <a:t> depending </a:t>
-            </a:r>
-            <a:br>
-              <a:rPr lang="en" sz="1500">
-                <a:solidFill>
-                  <a:schemeClr val="dk1"/>
-                </a:solidFill>
-                <a:latin typeface="Times New Roman"/>
-                <a:ea typeface="Times New Roman"/>
-                <a:cs typeface="Times New Roman"/>
-                <a:sym typeface="Times New Roman"/>
-              </a:rPr>
-            </a:br>
-            <a:r>
-              <a:rPr lang="en" sz="1500">
-                <a:solidFill>
-                  <a:schemeClr val="dk1"/>
-                </a:solidFill>
-                <a:latin typeface="Times New Roman"/>
-                <a:ea typeface="Times New Roman"/>
-                <a:cs typeface="Times New Roman"/>
-                <a:sym typeface="Times New Roman"/>
-              </a:rPr>
-              <a:t>on the content generated.</a:t>
-            </a:r>
-            <a:endParaRPr sz="1500">
-              <a:solidFill>
-                <a:schemeClr val="dk1"/>
-              </a:solidFill>
-              <a:latin typeface="Times New Roman"/>
-              <a:ea typeface="Times New Roman"/>
-              <a:cs typeface="Times New Roman"/>
-              <a:sym typeface="Times New Roman"/>
-            </a:endParaRPr>
-          </a:p>
-          <a:p>
-            <a:pPr indent="0" lvl="0" marL="0" rtl="0" algn="l">
-              <a:lnSpc>
-                <a:spcPct val="115000"/>
-              </a:lnSpc>
-              <a:spcBef>
-                <a:spcPts val="0"/>
-              </a:spcBef>
-              <a:spcAft>
-                <a:spcPts val="0"/>
-              </a:spcAft>
-              <a:buSzPts val="1800"/>
-              <a:buNone/>
-            </a:pPr>
-            <a:r>
-              <a:t/>
-            </a:r>
-            <a:endParaRPr b="1">
-              <a:solidFill>
-                <a:schemeClr val="dk1"/>
-              </a:solidFill>
-              <a:latin typeface="Times New Roman"/>
-              <a:ea typeface="Times New Roman"/>
-              <a:cs typeface="Times New Roman"/>
-              <a:sym typeface="Times New Roman"/>
-            </a:endParaRPr>
-          </a:p>
-        </p:txBody>
-      </p:sp>
-    </p:spTree>
-  </p:cSld>
-  <p:clrMapOvr>
-    <a:masterClrMapping/>
-  </p:clrMapOvr>
-</p:sld>
-</file>
-
-<file path=ppt/slides/slide15.xml><?xml version="1.0" encoding="utf-8"?>
-<p:sld xmlns:a="http://schemas.openxmlformats.org/drawingml/2006/main" xmlns:r="http://schemas.openxmlformats.org/officeDocument/2006/relationships" xmlns:mc="http://schemas.openxmlformats.org/markup-compatibility/2006" xmlns:mv="urn:schemas-microsoft-com:mac:vml" xmlns:p="http://schemas.openxmlformats.org/presentationml/2006/main" xmlns:c="http://schemas.openxmlformats.org/drawingml/2006/chart" xmlns:dgm="http://schemas.openxmlformats.org/drawingml/2006/diagram" xmlns:o="urn:schemas-microsoft-com:office:office" xmlns:v="urn:schemas-microsoft-com:vml" xmlns:pvml="urn:schemas-microsoft-com:office:powerpoint" xmlns:com="http://schemas.openxmlformats.org/drawingml/2006/compatibility" xmlns:p14="http://schemas.microsoft.com/office/powerpoint/2010/main" xmlns:p15="http://schemas.microsoft.com/office/powerpoint/2012/main" xmlns:ahyp="http://schemas.microsoft.com/office/drawing/2018/hyperlinkcolor">
-  <p:cSld>
-    <p:spTree>
-      <p:nvGrpSpPr>
-        <p:cNvPr id="131" name="Shape 131"/>
-        <p:cNvGrpSpPr/>
-        <p:nvPr/>
-      </p:nvGrpSpPr>
-      <p:grpSpPr>
-        <a:xfrm>
-          <a:off x="0" y="0"/>
-          <a:ext cx="0" cy="0"/>
-          <a:chOff x="0" y="0"/>
-          <a:chExt cx="0" cy="0"/>
-        </a:xfrm>
-      </p:grpSpPr>
-      <p:sp>
-        <p:nvSpPr>
-          <p:cNvPr id="132" name="Google Shape;132;p15"/>
-          <p:cNvSpPr txBox="1"/>
-          <p:nvPr>
-            <p:ph type="title"/>
-          </p:nvPr>
-        </p:nvSpPr>
-        <p:spPr>
-          <a:xfrm>
-            <a:off x="702550" y="105983"/>
-            <a:ext cx="5104200" cy="572700"/>
-          </a:xfrm>
-          <a:prstGeom prst="rect">
-            <a:avLst/>
-          </a:prstGeom>
-          <a:noFill/>
-          <a:ln>
-            <a:noFill/>
-          </a:ln>
-        </p:spPr>
-        <p:txBody>
-          <a:bodyPr anchorCtr="0" anchor="t" bIns="91425" lIns="91425" spcFirstLastPara="1" rIns="91425" wrap="square" tIns="91425">
-            <a:noAutofit/>
-          </a:bodyPr>
-          <a:lstStyle/>
-          <a:p>
-            <a:pPr indent="0" lvl="0" marL="0" rtl="0" algn="l">
-              <a:lnSpc>
-                <a:spcPct val="100000"/>
-              </a:lnSpc>
-              <a:spcBef>
-                <a:spcPts val="0"/>
-              </a:spcBef>
-              <a:spcAft>
-                <a:spcPts val="0"/>
-              </a:spcAft>
-              <a:buSzPts val="2800"/>
-              <a:buNone/>
-            </a:pPr>
-            <a:r>
-              <a:rPr b="1" lang="en">
-                <a:solidFill>
-                  <a:schemeClr val="dk1"/>
-                </a:solidFill>
-                <a:latin typeface="Times New Roman"/>
-                <a:ea typeface="Times New Roman"/>
-                <a:cs typeface="Times New Roman"/>
-                <a:sym typeface="Times New Roman"/>
-              </a:rPr>
-              <a:t>HTML, CSS, Javascript</a:t>
-            </a:r>
-            <a:endParaRPr b="1">
-              <a:solidFill>
-                <a:schemeClr val="dk1"/>
-              </a:solidFill>
-              <a:latin typeface="Times New Roman"/>
-              <a:ea typeface="Times New Roman"/>
-              <a:cs typeface="Times New Roman"/>
-              <a:sym typeface="Times New Roman"/>
-            </a:endParaRPr>
-          </a:p>
-        </p:txBody>
-      </p:sp>
-      <p:sp>
-        <p:nvSpPr>
-          <p:cNvPr id="133" name="Google Shape;133;p15"/>
-          <p:cNvSpPr txBox="1"/>
-          <p:nvPr>
-            <p:ph idx="1" type="body"/>
-          </p:nvPr>
-        </p:nvSpPr>
-        <p:spPr>
-          <a:xfrm>
-            <a:off x="556917" y="1155715"/>
-            <a:ext cx="8426400" cy="3805500"/>
-          </a:xfrm>
-          <a:prstGeom prst="rect">
-            <a:avLst/>
-          </a:prstGeom>
-          <a:noFill/>
-          <a:ln>
-            <a:noFill/>
-          </a:ln>
-        </p:spPr>
-        <p:txBody>
-          <a:bodyPr anchorCtr="0" anchor="t" bIns="91425" lIns="91425" spcFirstLastPara="1" rIns="91425" wrap="square" tIns="91425">
-            <a:noAutofit/>
-          </a:bodyPr>
-          <a:lstStyle/>
-          <a:p>
-            <a:pPr indent="0" lvl="0" marL="0" rtl="0" algn="l">
-              <a:lnSpc>
-                <a:spcPct val="115000"/>
-              </a:lnSpc>
-              <a:spcBef>
-                <a:spcPts val="0"/>
-              </a:spcBef>
-              <a:spcAft>
-                <a:spcPts val="0"/>
-              </a:spcAft>
-              <a:buSzPts val="1800"/>
-              <a:buNone/>
-            </a:pPr>
-            <a:r>
-              <a:rPr b="1" lang="en" sz="1600" u="sng">
-                <a:solidFill>
-                  <a:srgbClr val="FF0000"/>
-                </a:solidFill>
-                <a:latin typeface="Times New Roman"/>
-                <a:ea typeface="Times New Roman"/>
-                <a:cs typeface="Times New Roman"/>
-                <a:sym typeface="Times New Roman"/>
-              </a:rPr>
-              <a:t>Hyper-Text Markup Language (HTML) </a:t>
-            </a:r>
-            <a:r>
-              <a:rPr lang="en" sz="1600">
-                <a:solidFill>
-                  <a:schemeClr val="dk1"/>
-                </a:solidFill>
-                <a:latin typeface="Times New Roman"/>
-                <a:ea typeface="Times New Roman"/>
-                <a:cs typeface="Times New Roman"/>
-                <a:sym typeface="Times New Roman"/>
-              </a:rPr>
-              <a:t>is the standard markup </a:t>
-            </a:r>
-            <a:br>
-              <a:rPr lang="en" sz="1600">
-                <a:solidFill>
-                  <a:schemeClr val="dk1"/>
-                </a:solidFill>
-                <a:latin typeface="Times New Roman"/>
-                <a:ea typeface="Times New Roman"/>
-                <a:cs typeface="Times New Roman"/>
-                <a:sym typeface="Times New Roman"/>
-              </a:rPr>
-            </a:br>
-            <a:r>
-              <a:rPr lang="en" sz="1600">
-                <a:solidFill>
-                  <a:schemeClr val="dk1"/>
-                </a:solidFill>
-                <a:latin typeface="Times New Roman"/>
-                <a:ea typeface="Times New Roman"/>
-                <a:cs typeface="Times New Roman"/>
-                <a:sym typeface="Times New Roman"/>
-              </a:rPr>
-              <a:t>language for documents designed to be displayed in a web browser.</a:t>
-            </a:r>
-            <a:endParaRPr sz="1600">
-              <a:solidFill>
-                <a:schemeClr val="dk1"/>
-              </a:solidFill>
-              <a:latin typeface="Times New Roman"/>
-              <a:ea typeface="Times New Roman"/>
-              <a:cs typeface="Times New Roman"/>
-              <a:sym typeface="Times New Roman"/>
-            </a:endParaRPr>
-          </a:p>
-          <a:p>
-            <a:pPr indent="457200" lvl="0" marL="0" rtl="0" algn="l">
-              <a:lnSpc>
-                <a:spcPct val="115000"/>
-              </a:lnSpc>
-              <a:spcBef>
-                <a:spcPts val="0"/>
-              </a:spcBef>
-              <a:spcAft>
-                <a:spcPts val="0"/>
-              </a:spcAft>
-              <a:buSzPts val="1800"/>
-              <a:buNone/>
-            </a:pPr>
-            <a:r>
-              <a:rPr lang="en" sz="1400">
-                <a:solidFill>
-                  <a:schemeClr val="dk1"/>
-                </a:solidFill>
-                <a:latin typeface="Times New Roman"/>
-                <a:ea typeface="Times New Roman"/>
-                <a:cs typeface="Times New Roman"/>
-                <a:sym typeface="Times New Roman"/>
-              </a:rPr>
-              <a:t>It describes the structure of the web page</a:t>
-            </a:r>
-            <a:endParaRPr sz="1400">
-              <a:solidFill>
-                <a:schemeClr val="dk1"/>
-              </a:solidFill>
-              <a:latin typeface="Times New Roman"/>
-              <a:ea typeface="Times New Roman"/>
-              <a:cs typeface="Times New Roman"/>
-              <a:sym typeface="Times New Roman"/>
-            </a:endParaRPr>
-          </a:p>
-          <a:p>
-            <a:pPr indent="0" lvl="0" marL="0" rtl="0" algn="l">
-              <a:lnSpc>
-                <a:spcPct val="115000"/>
-              </a:lnSpc>
-              <a:spcBef>
-                <a:spcPts val="0"/>
-              </a:spcBef>
-              <a:spcAft>
-                <a:spcPts val="0"/>
-              </a:spcAft>
-              <a:buSzPts val="1800"/>
-              <a:buNone/>
-            </a:pPr>
-            <a:r>
-              <a:t/>
-            </a:r>
-            <a:endParaRPr sz="1600">
-              <a:solidFill>
-                <a:schemeClr val="dk1"/>
-              </a:solidFill>
-              <a:latin typeface="Times New Roman"/>
-              <a:ea typeface="Times New Roman"/>
-              <a:cs typeface="Times New Roman"/>
-              <a:sym typeface="Times New Roman"/>
-            </a:endParaRPr>
-          </a:p>
-          <a:p>
-            <a:pPr indent="0" lvl="0" marL="0" rtl="0" algn="l">
-              <a:lnSpc>
-                <a:spcPct val="115000"/>
-              </a:lnSpc>
-              <a:spcBef>
-                <a:spcPts val="0"/>
-              </a:spcBef>
-              <a:spcAft>
-                <a:spcPts val="0"/>
-              </a:spcAft>
-              <a:buSzPts val="1800"/>
-              <a:buNone/>
-            </a:pPr>
-            <a:r>
-              <a:rPr b="1" lang="en" sz="1600" u="sng">
-                <a:solidFill>
-                  <a:srgbClr val="FF0000"/>
-                </a:solidFill>
-                <a:latin typeface="Times New Roman"/>
-                <a:ea typeface="Times New Roman"/>
-                <a:cs typeface="Times New Roman"/>
-                <a:sym typeface="Times New Roman"/>
-              </a:rPr>
-              <a:t>Cascading Style Sheets (CSS)</a:t>
-            </a:r>
-            <a:r>
-              <a:rPr lang="en" sz="1600">
-                <a:solidFill>
-                  <a:schemeClr val="dk1"/>
-                </a:solidFill>
-                <a:latin typeface="Times New Roman"/>
-                <a:ea typeface="Times New Roman"/>
-                <a:cs typeface="Times New Roman"/>
-                <a:sym typeface="Times New Roman"/>
-              </a:rPr>
-              <a:t> is a stylesheet language used to</a:t>
-            </a:r>
-            <a:endParaRPr sz="1600">
-              <a:solidFill>
-                <a:schemeClr val="dk1"/>
-              </a:solidFill>
-              <a:latin typeface="Times New Roman"/>
-              <a:ea typeface="Times New Roman"/>
-              <a:cs typeface="Times New Roman"/>
-              <a:sym typeface="Times New Roman"/>
-            </a:endParaRPr>
-          </a:p>
-          <a:p>
-            <a:pPr indent="0" lvl="0" marL="0" rtl="0" algn="l">
-              <a:lnSpc>
-                <a:spcPct val="115000"/>
-              </a:lnSpc>
-              <a:spcBef>
-                <a:spcPts val="0"/>
-              </a:spcBef>
-              <a:spcAft>
-                <a:spcPts val="0"/>
-              </a:spcAft>
-              <a:buSzPts val="1800"/>
-              <a:buNone/>
-            </a:pPr>
-            <a:r>
-              <a:rPr lang="en" sz="1600">
-                <a:solidFill>
-                  <a:schemeClr val="dk1"/>
-                </a:solidFill>
-                <a:latin typeface="Times New Roman"/>
-                <a:ea typeface="Times New Roman"/>
-                <a:cs typeface="Times New Roman"/>
-                <a:sym typeface="Times New Roman"/>
-              </a:rPr>
-              <a:t>describe the presentation of a document written in HTML.</a:t>
-            </a:r>
-            <a:endParaRPr sz="1600">
-              <a:solidFill>
-                <a:schemeClr val="dk1"/>
-              </a:solidFill>
-              <a:latin typeface="Times New Roman"/>
-              <a:ea typeface="Times New Roman"/>
-              <a:cs typeface="Times New Roman"/>
-              <a:sym typeface="Times New Roman"/>
-            </a:endParaRPr>
-          </a:p>
-          <a:p>
-            <a:pPr indent="457200" lvl="0" marL="0" rtl="0" algn="l">
-              <a:lnSpc>
-                <a:spcPct val="115000"/>
-              </a:lnSpc>
-              <a:spcBef>
-                <a:spcPts val="0"/>
-              </a:spcBef>
-              <a:spcAft>
-                <a:spcPts val="0"/>
-              </a:spcAft>
-              <a:buSzPts val="1800"/>
-              <a:buNone/>
-            </a:pPr>
-            <a:r>
-              <a:rPr lang="en" sz="1400">
-                <a:solidFill>
-                  <a:schemeClr val="dk1"/>
-                </a:solidFill>
-                <a:latin typeface="Times New Roman"/>
-                <a:ea typeface="Times New Roman"/>
-                <a:cs typeface="Times New Roman"/>
-                <a:sym typeface="Times New Roman"/>
-              </a:rPr>
-              <a:t>It describes the style of the web page</a:t>
-            </a:r>
-            <a:endParaRPr sz="1400">
-              <a:solidFill>
-                <a:schemeClr val="dk1"/>
-              </a:solidFill>
-              <a:latin typeface="Times New Roman"/>
-              <a:ea typeface="Times New Roman"/>
-              <a:cs typeface="Times New Roman"/>
-              <a:sym typeface="Times New Roman"/>
-            </a:endParaRPr>
-          </a:p>
-          <a:p>
-            <a:pPr indent="0" lvl="0" marL="0" rtl="0" algn="l">
-              <a:lnSpc>
-                <a:spcPct val="115000"/>
-              </a:lnSpc>
-              <a:spcBef>
-                <a:spcPts val="0"/>
-              </a:spcBef>
-              <a:spcAft>
-                <a:spcPts val="0"/>
-              </a:spcAft>
-              <a:buSzPts val="1800"/>
-              <a:buNone/>
-            </a:pPr>
-            <a:r>
-              <a:t/>
-            </a:r>
-            <a:endParaRPr sz="1600">
-              <a:solidFill>
-                <a:schemeClr val="dk1"/>
-              </a:solidFill>
-              <a:latin typeface="Times New Roman"/>
-              <a:ea typeface="Times New Roman"/>
-              <a:cs typeface="Times New Roman"/>
-              <a:sym typeface="Times New Roman"/>
-            </a:endParaRPr>
-          </a:p>
-          <a:p>
-            <a:pPr indent="0" lvl="0" marL="0" rtl="0" algn="l">
-              <a:lnSpc>
-                <a:spcPct val="115000"/>
-              </a:lnSpc>
-              <a:spcBef>
-                <a:spcPts val="0"/>
-              </a:spcBef>
-              <a:spcAft>
-                <a:spcPts val="0"/>
-              </a:spcAft>
-              <a:buSzPts val="1800"/>
-              <a:buNone/>
-            </a:pPr>
-            <a:r>
-              <a:rPr b="1" lang="en" sz="1600" u="sng">
-                <a:solidFill>
-                  <a:srgbClr val="FF0000"/>
-                </a:solidFill>
-                <a:latin typeface="Times New Roman"/>
-                <a:ea typeface="Times New Roman"/>
-                <a:cs typeface="Times New Roman"/>
-                <a:sym typeface="Times New Roman"/>
-              </a:rPr>
-              <a:t>JavaScript (JS)</a:t>
-            </a:r>
-            <a:r>
-              <a:rPr lang="en" sz="1600">
-                <a:solidFill>
-                  <a:schemeClr val="dk1"/>
-                </a:solidFill>
-                <a:latin typeface="Times New Roman"/>
-                <a:ea typeface="Times New Roman"/>
-                <a:cs typeface="Times New Roman"/>
-                <a:sym typeface="Times New Roman"/>
-              </a:rPr>
-              <a:t> is a lightweight and interpreted programming (or</a:t>
-            </a:r>
-            <a:endParaRPr sz="1600">
-              <a:solidFill>
-                <a:schemeClr val="dk1"/>
-              </a:solidFill>
-              <a:latin typeface="Times New Roman"/>
-              <a:ea typeface="Times New Roman"/>
-              <a:cs typeface="Times New Roman"/>
-              <a:sym typeface="Times New Roman"/>
-            </a:endParaRPr>
-          </a:p>
-          <a:p>
-            <a:pPr indent="0" lvl="0" marL="0" rtl="0" algn="l">
-              <a:lnSpc>
-                <a:spcPct val="115000"/>
-              </a:lnSpc>
-              <a:spcBef>
-                <a:spcPts val="0"/>
-              </a:spcBef>
-              <a:spcAft>
-                <a:spcPts val="0"/>
-              </a:spcAft>
-              <a:buSzPts val="1800"/>
-              <a:buNone/>
-            </a:pPr>
-            <a:r>
-              <a:rPr lang="en" sz="1600">
-                <a:solidFill>
-                  <a:schemeClr val="dk1"/>
-                </a:solidFill>
-                <a:latin typeface="Times New Roman"/>
-                <a:ea typeface="Times New Roman"/>
-                <a:cs typeface="Times New Roman"/>
-                <a:sym typeface="Times New Roman"/>
-              </a:rPr>
-              <a:t>scripting) language for Web pages.</a:t>
-            </a:r>
-            <a:endParaRPr sz="1600">
-              <a:solidFill>
-                <a:schemeClr val="dk1"/>
-              </a:solidFill>
-              <a:latin typeface="Times New Roman"/>
-              <a:ea typeface="Times New Roman"/>
-              <a:cs typeface="Times New Roman"/>
-              <a:sym typeface="Times New Roman"/>
-            </a:endParaRPr>
-          </a:p>
-          <a:p>
-            <a:pPr indent="457200" lvl="0" marL="0" rtl="0" algn="l">
-              <a:lnSpc>
-                <a:spcPct val="115000"/>
-              </a:lnSpc>
-              <a:spcBef>
-                <a:spcPts val="0"/>
-              </a:spcBef>
-              <a:spcAft>
-                <a:spcPts val="0"/>
-              </a:spcAft>
-              <a:buSzPts val="1800"/>
-              <a:buNone/>
-            </a:pPr>
-            <a:r>
-              <a:rPr lang="en" sz="1400">
-                <a:solidFill>
-                  <a:schemeClr val="dk1"/>
-                </a:solidFill>
-                <a:latin typeface="Times New Roman"/>
-                <a:ea typeface="Times New Roman"/>
-                <a:cs typeface="Times New Roman"/>
-                <a:sym typeface="Times New Roman"/>
-              </a:rPr>
-              <a:t>It adds interactivity to the web page</a:t>
-            </a:r>
-            <a:endParaRPr sz="1400">
-              <a:solidFill>
-                <a:schemeClr val="dk1"/>
-              </a:solidFill>
-              <a:latin typeface="Times New Roman"/>
-              <a:ea typeface="Times New Roman"/>
-              <a:cs typeface="Times New Roman"/>
-              <a:sym typeface="Times New Roman"/>
-            </a:endParaRPr>
-          </a:p>
-          <a:p>
-            <a:pPr indent="0" lvl="0" marL="0" rtl="0" algn="l">
-              <a:lnSpc>
-                <a:spcPct val="115000"/>
-              </a:lnSpc>
-              <a:spcBef>
-                <a:spcPts val="0"/>
-              </a:spcBef>
-              <a:spcAft>
-                <a:spcPts val="0"/>
-              </a:spcAft>
-              <a:buSzPts val="1800"/>
-              <a:buNone/>
-            </a:pPr>
-            <a:r>
-              <a:t/>
-            </a:r>
-            <a:endParaRPr b="1">
-              <a:solidFill>
-                <a:schemeClr val="dk1"/>
-              </a:solidFill>
-              <a:latin typeface="Times New Roman"/>
-              <a:ea typeface="Times New Roman"/>
-              <a:cs typeface="Times New Roman"/>
-              <a:sym typeface="Times New Roman"/>
-            </a:endParaRPr>
-          </a:p>
-        </p:txBody>
-      </p:sp>
-      <p:pic>
-        <p:nvPicPr>
-          <p:cNvPr id="134" name="Google Shape;134;p15"/>
-          <p:cNvPicPr preferRelativeResize="0"/>
-          <p:nvPr/>
-        </p:nvPicPr>
-        <p:blipFill rotWithShape="1">
-          <a:blip r:embed="rId3">
-            <a:alphaModFix/>
-          </a:blip>
-          <a:srcRect b="0" l="0" r="0" t="0"/>
-          <a:stretch/>
-        </p:blipFill>
-        <p:spPr>
-          <a:xfrm>
-            <a:off x="6800873" y="969924"/>
-            <a:ext cx="897925" cy="897925"/>
-          </a:xfrm>
-          <a:prstGeom prst="rect">
-            <a:avLst/>
-          </a:prstGeom>
-          <a:noFill/>
-          <a:ln>
-            <a:noFill/>
-          </a:ln>
-        </p:spPr>
-      </p:pic>
-      <p:pic>
-        <p:nvPicPr>
-          <p:cNvPr id="135" name="Google Shape;135;p15"/>
-          <p:cNvPicPr preferRelativeResize="0"/>
-          <p:nvPr/>
-        </p:nvPicPr>
-        <p:blipFill rotWithShape="1">
-          <a:blip r:embed="rId4">
-            <a:alphaModFix/>
-          </a:blip>
-          <a:srcRect b="0" l="0" r="0" t="0"/>
-          <a:stretch/>
-        </p:blipFill>
-        <p:spPr>
-          <a:xfrm>
-            <a:off x="6390025" y="1867838"/>
-            <a:ext cx="1782175" cy="1338425"/>
-          </a:xfrm>
-          <a:prstGeom prst="rect">
-            <a:avLst/>
-          </a:prstGeom>
-          <a:noFill/>
-          <a:ln>
-            <a:noFill/>
-          </a:ln>
-        </p:spPr>
-      </p:pic>
-      <p:pic>
-        <p:nvPicPr>
-          <p:cNvPr id="136" name="Google Shape;136;p15"/>
-          <p:cNvPicPr preferRelativeResize="0"/>
-          <p:nvPr/>
-        </p:nvPicPr>
-        <p:blipFill rotWithShape="1">
-          <a:blip r:embed="rId5">
-            <a:alphaModFix/>
-          </a:blip>
-          <a:srcRect b="0" l="0" r="0" t="0"/>
-          <a:stretch/>
-        </p:blipFill>
-        <p:spPr>
-          <a:xfrm>
-            <a:off x="6874575" y="3151475"/>
-            <a:ext cx="813075" cy="1179900"/>
-          </a:xfrm>
-          <a:prstGeom prst="rect">
-            <a:avLst/>
-          </a:prstGeom>
-          <a:noFill/>
-          <a:ln>
-            <a:noFill/>
-          </a:ln>
-        </p:spPr>
-      </p:pic>
-    </p:spTree>
-  </p:cSld>
-  <p:clrMapOvr>
-    <a:masterClrMapping/>
-  </p:clrMapOvr>
-</p:sld>
-</file>
-
-<file path=ppt/slides/slide16.xml><?xml version="1.0" encoding="utf-8"?>
-<p:sld xmlns:a="http://schemas.openxmlformats.org/drawingml/2006/main" xmlns:r="http://schemas.openxmlformats.org/officeDocument/2006/relationships" xmlns:mc="http://schemas.openxmlformats.org/markup-compatibility/2006" xmlns:mv="urn:schemas-microsoft-com:mac:vml" xmlns:p="http://schemas.openxmlformats.org/presentationml/2006/main" xmlns:c="http://schemas.openxmlformats.org/drawingml/2006/chart" xmlns:dgm="http://schemas.openxmlformats.org/drawingml/2006/diagram" xmlns:o="urn:schemas-microsoft-com:office:office" xmlns:v="urn:schemas-microsoft-com:vml" xmlns:pvml="urn:schemas-microsoft-com:office:powerpoint" xmlns:com="http://schemas.openxmlformats.org/drawingml/2006/compatibility" xmlns:p14="http://schemas.microsoft.com/office/powerpoint/2010/main" xmlns:p15="http://schemas.microsoft.com/office/powerpoint/2012/main" xmlns:ahyp="http://schemas.microsoft.com/office/drawing/2018/hyperlinkcolor">
-  <p:cSld>
-    <p:spTree>
-      <p:nvGrpSpPr>
-        <p:cNvPr id="140" name="Shape 140"/>
-        <p:cNvGrpSpPr/>
-        <p:nvPr/>
-      </p:nvGrpSpPr>
-      <p:grpSpPr>
-        <a:xfrm>
-          <a:off x="0" y="0"/>
-          <a:ext cx="0" cy="0"/>
-          <a:chOff x="0" y="0"/>
-          <a:chExt cx="0" cy="0"/>
-        </a:xfrm>
-      </p:grpSpPr>
-      <p:sp>
-        <p:nvSpPr>
-          <p:cNvPr id="141" name="Google Shape;141;p16"/>
-          <p:cNvSpPr txBox="1"/>
-          <p:nvPr>
-            <p:ph type="title"/>
-          </p:nvPr>
-        </p:nvSpPr>
-        <p:spPr>
-          <a:xfrm>
-            <a:off x="711017" y="97516"/>
-            <a:ext cx="5104200" cy="572700"/>
-          </a:xfrm>
-          <a:prstGeom prst="rect">
-            <a:avLst/>
-          </a:prstGeom>
-          <a:noFill/>
-          <a:ln>
-            <a:noFill/>
-          </a:ln>
-        </p:spPr>
-        <p:txBody>
-          <a:bodyPr anchorCtr="0" anchor="t" bIns="91425" lIns="91425" spcFirstLastPara="1" rIns="91425" wrap="square" tIns="91425">
-            <a:noAutofit/>
-          </a:bodyPr>
-          <a:lstStyle/>
-          <a:p>
-            <a:pPr indent="0" lvl="0" marL="0" rtl="0" algn="l">
-              <a:lnSpc>
-                <a:spcPct val="100000"/>
-              </a:lnSpc>
-              <a:spcBef>
-                <a:spcPts val="0"/>
-              </a:spcBef>
-              <a:spcAft>
-                <a:spcPts val="0"/>
-              </a:spcAft>
-              <a:buSzPts val="2800"/>
-              <a:buNone/>
-            </a:pPr>
-            <a:r>
-              <a:rPr b="1" lang="en" u="sng">
-                <a:solidFill>
-                  <a:schemeClr val="dk1"/>
-                </a:solidFill>
-                <a:latin typeface="Times New Roman"/>
-                <a:ea typeface="Times New Roman"/>
-                <a:cs typeface="Times New Roman"/>
-                <a:sym typeface="Times New Roman"/>
-              </a:rPr>
-              <a:t>Key takeaways</a:t>
-            </a:r>
-            <a:endParaRPr b="1">
-              <a:solidFill>
-                <a:schemeClr val="dk1"/>
-              </a:solidFill>
-              <a:latin typeface="Times New Roman"/>
-              <a:ea typeface="Times New Roman"/>
-              <a:cs typeface="Times New Roman"/>
-              <a:sym typeface="Times New Roman"/>
-            </a:endParaRPr>
-          </a:p>
-        </p:txBody>
-      </p:sp>
-      <p:sp>
-        <p:nvSpPr>
-          <p:cNvPr id="142" name="Google Shape;142;p16"/>
-          <p:cNvSpPr txBox="1"/>
-          <p:nvPr>
-            <p:ph idx="1" type="body"/>
-          </p:nvPr>
-        </p:nvSpPr>
-        <p:spPr>
-          <a:xfrm>
-            <a:off x="1602017" y="928808"/>
-            <a:ext cx="8426400" cy="3805500"/>
-          </a:xfrm>
-          <a:prstGeom prst="rect">
-            <a:avLst/>
-          </a:prstGeom>
-          <a:noFill/>
-          <a:ln>
-            <a:noFill/>
-          </a:ln>
-        </p:spPr>
-        <p:txBody>
-          <a:bodyPr anchorCtr="0" anchor="t" bIns="91425" lIns="91425" spcFirstLastPara="1" rIns="91425" wrap="square" tIns="91425">
-            <a:noAutofit/>
-          </a:bodyPr>
-          <a:lstStyle/>
-          <a:p>
-            <a:pPr indent="-342900" lvl="0" marL="342900" rtl="0" algn="l">
-              <a:lnSpc>
-                <a:spcPct val="115000"/>
-              </a:lnSpc>
-              <a:spcBef>
-                <a:spcPts val="0"/>
-              </a:spcBef>
-              <a:spcAft>
-                <a:spcPts val="0"/>
-              </a:spcAft>
-              <a:buClr>
-                <a:schemeClr val="dk1"/>
-              </a:buClr>
-              <a:buSzPts val="1100"/>
-              <a:buFont typeface="Noto Sans Symbols"/>
-              <a:buChar char="❑"/>
-            </a:pPr>
-            <a:r>
-              <a:rPr lang="en" sz="2000">
-                <a:solidFill>
-                  <a:schemeClr val="dk1"/>
-                </a:solidFill>
-                <a:latin typeface="Times New Roman"/>
-                <a:ea typeface="Times New Roman"/>
-                <a:cs typeface="Times New Roman"/>
-                <a:sym typeface="Times New Roman"/>
-              </a:rPr>
-              <a:t>IP address</a:t>
-            </a:r>
-            <a:endParaRPr sz="2000">
-              <a:solidFill>
-                <a:schemeClr val="dk1"/>
-              </a:solidFill>
-              <a:latin typeface="Times New Roman"/>
-              <a:ea typeface="Times New Roman"/>
-              <a:cs typeface="Times New Roman"/>
-              <a:sym typeface="Times New Roman"/>
-            </a:endParaRPr>
-          </a:p>
-          <a:p>
-            <a:pPr indent="-342900" lvl="0" marL="342900" rtl="0" algn="l">
-              <a:lnSpc>
-                <a:spcPct val="115000"/>
-              </a:lnSpc>
-              <a:spcBef>
-                <a:spcPts val="0"/>
-              </a:spcBef>
-              <a:spcAft>
-                <a:spcPts val="0"/>
-              </a:spcAft>
-              <a:buClr>
-                <a:schemeClr val="dk1"/>
-              </a:buClr>
-              <a:buSzPts val="1100"/>
-              <a:buFont typeface="Noto Sans Symbols"/>
-              <a:buChar char="❑"/>
-            </a:pPr>
-            <a:r>
-              <a:rPr lang="en" sz="2000">
-                <a:solidFill>
-                  <a:schemeClr val="dk1"/>
-                </a:solidFill>
-                <a:latin typeface="Times New Roman"/>
-                <a:ea typeface="Times New Roman"/>
-                <a:cs typeface="Times New Roman"/>
-                <a:sym typeface="Times New Roman"/>
-              </a:rPr>
-              <a:t>Domain name</a:t>
-            </a:r>
-            <a:endParaRPr sz="2000">
-              <a:solidFill>
-                <a:schemeClr val="dk1"/>
-              </a:solidFill>
-              <a:latin typeface="Times New Roman"/>
-              <a:ea typeface="Times New Roman"/>
-              <a:cs typeface="Times New Roman"/>
-              <a:sym typeface="Times New Roman"/>
-            </a:endParaRPr>
-          </a:p>
-          <a:p>
-            <a:pPr indent="-342900" lvl="0" marL="342900" rtl="0" algn="l">
-              <a:lnSpc>
-                <a:spcPct val="115000"/>
-              </a:lnSpc>
-              <a:spcBef>
-                <a:spcPts val="0"/>
-              </a:spcBef>
-              <a:spcAft>
-                <a:spcPts val="0"/>
-              </a:spcAft>
-              <a:buClr>
-                <a:schemeClr val="dk1"/>
-              </a:buClr>
-              <a:buSzPts val="1100"/>
-              <a:buFont typeface="Noto Sans Symbols"/>
-              <a:buChar char="❑"/>
-            </a:pPr>
-            <a:r>
-              <a:rPr lang="en" sz="2000">
-                <a:solidFill>
-                  <a:schemeClr val="dk1"/>
-                </a:solidFill>
-                <a:latin typeface="Times New Roman"/>
-                <a:ea typeface="Times New Roman"/>
-                <a:cs typeface="Times New Roman"/>
-                <a:sym typeface="Times New Roman"/>
-              </a:rPr>
-              <a:t>DNS</a:t>
-            </a:r>
-            <a:endParaRPr sz="2000">
-              <a:solidFill>
-                <a:schemeClr val="dk1"/>
-              </a:solidFill>
-              <a:latin typeface="Times New Roman"/>
-              <a:ea typeface="Times New Roman"/>
-              <a:cs typeface="Times New Roman"/>
-              <a:sym typeface="Times New Roman"/>
-            </a:endParaRPr>
-          </a:p>
-          <a:p>
-            <a:pPr indent="-342900" lvl="0" marL="342900" rtl="0" algn="l">
-              <a:lnSpc>
-                <a:spcPct val="115000"/>
-              </a:lnSpc>
-              <a:spcBef>
-                <a:spcPts val="0"/>
-              </a:spcBef>
-              <a:spcAft>
-                <a:spcPts val="0"/>
-              </a:spcAft>
-              <a:buClr>
-                <a:schemeClr val="dk1"/>
-              </a:buClr>
-              <a:buSzPts val="1100"/>
-              <a:buFont typeface="Noto Sans Symbols"/>
-              <a:buChar char="❑"/>
-            </a:pPr>
-            <a:r>
-              <a:rPr lang="en" sz="2000">
-                <a:solidFill>
-                  <a:schemeClr val="dk1"/>
-                </a:solidFill>
-                <a:latin typeface="Times New Roman"/>
-                <a:ea typeface="Times New Roman"/>
-                <a:cs typeface="Times New Roman"/>
-                <a:sym typeface="Times New Roman"/>
-              </a:rPr>
-              <a:t>Client-Server Model</a:t>
-            </a:r>
-            <a:endParaRPr sz="2000">
-              <a:solidFill>
-                <a:schemeClr val="dk1"/>
-              </a:solidFill>
-              <a:latin typeface="Times New Roman"/>
-              <a:ea typeface="Times New Roman"/>
-              <a:cs typeface="Times New Roman"/>
-              <a:sym typeface="Times New Roman"/>
-            </a:endParaRPr>
-          </a:p>
-          <a:p>
-            <a:pPr indent="-342900" lvl="0" marL="342900" rtl="0" algn="l">
-              <a:lnSpc>
-                <a:spcPct val="115000"/>
-              </a:lnSpc>
-              <a:spcBef>
-                <a:spcPts val="0"/>
-              </a:spcBef>
-              <a:spcAft>
-                <a:spcPts val="0"/>
-              </a:spcAft>
-              <a:buClr>
-                <a:schemeClr val="dk1"/>
-              </a:buClr>
-              <a:buSzPts val="1100"/>
-              <a:buFont typeface="Noto Sans Symbols"/>
-              <a:buChar char="❑"/>
-            </a:pPr>
-            <a:r>
-              <a:rPr lang="en" sz="2000">
-                <a:solidFill>
-                  <a:schemeClr val="dk1"/>
-                </a:solidFill>
-                <a:latin typeface="Times New Roman"/>
-                <a:ea typeface="Times New Roman"/>
-                <a:cs typeface="Times New Roman"/>
-                <a:sym typeface="Times New Roman"/>
-              </a:rPr>
-              <a:t>Web Server</a:t>
-            </a:r>
-            <a:endParaRPr sz="2000">
-              <a:solidFill>
-                <a:schemeClr val="dk1"/>
-              </a:solidFill>
-              <a:latin typeface="Times New Roman"/>
-              <a:ea typeface="Times New Roman"/>
-              <a:cs typeface="Times New Roman"/>
-              <a:sym typeface="Times New Roman"/>
-            </a:endParaRPr>
-          </a:p>
-          <a:p>
-            <a:pPr indent="-342900" lvl="0" marL="342900" rtl="0" algn="l">
-              <a:lnSpc>
-                <a:spcPct val="115000"/>
-              </a:lnSpc>
-              <a:spcBef>
-                <a:spcPts val="0"/>
-              </a:spcBef>
-              <a:spcAft>
-                <a:spcPts val="0"/>
-              </a:spcAft>
-              <a:buClr>
-                <a:schemeClr val="dk1"/>
-              </a:buClr>
-              <a:buSzPts val="1100"/>
-              <a:buFont typeface="Noto Sans Symbols"/>
-              <a:buChar char="❑"/>
-            </a:pPr>
-            <a:r>
-              <a:rPr lang="en" sz="2000">
-                <a:solidFill>
-                  <a:schemeClr val="dk1"/>
-                </a:solidFill>
-                <a:latin typeface="Times New Roman"/>
-                <a:ea typeface="Times New Roman"/>
-                <a:cs typeface="Times New Roman"/>
-                <a:sym typeface="Times New Roman"/>
-              </a:rPr>
-              <a:t>Websites</a:t>
-            </a:r>
-            <a:endParaRPr sz="2000">
-              <a:solidFill>
-                <a:schemeClr val="dk1"/>
-              </a:solidFill>
-              <a:latin typeface="Times New Roman"/>
-              <a:ea typeface="Times New Roman"/>
-              <a:cs typeface="Times New Roman"/>
-              <a:sym typeface="Times New Roman"/>
-            </a:endParaRPr>
-          </a:p>
-          <a:p>
-            <a:pPr indent="-342900" lvl="0" marL="342900" rtl="0" algn="l">
-              <a:lnSpc>
-                <a:spcPct val="115000"/>
-              </a:lnSpc>
-              <a:spcBef>
-                <a:spcPts val="0"/>
-              </a:spcBef>
-              <a:spcAft>
-                <a:spcPts val="0"/>
-              </a:spcAft>
-              <a:buClr>
-                <a:schemeClr val="dk1"/>
-              </a:buClr>
-              <a:buSzPts val="1100"/>
-              <a:buFont typeface="Noto Sans Symbols"/>
-              <a:buChar char="❑"/>
-            </a:pPr>
-            <a:r>
-              <a:rPr lang="en" sz="2000">
-                <a:solidFill>
-                  <a:schemeClr val="dk1"/>
-                </a:solidFill>
-                <a:latin typeface="Times New Roman"/>
-                <a:ea typeface="Times New Roman"/>
-                <a:cs typeface="Times New Roman"/>
-                <a:sym typeface="Times New Roman"/>
-              </a:rPr>
-              <a:t>Web Architecture</a:t>
-            </a:r>
-            <a:endParaRPr sz="2000">
-              <a:solidFill>
-                <a:schemeClr val="dk1"/>
-              </a:solidFill>
-              <a:latin typeface="Times New Roman"/>
-              <a:ea typeface="Times New Roman"/>
-              <a:cs typeface="Times New Roman"/>
-              <a:sym typeface="Times New Roman"/>
-            </a:endParaRPr>
-          </a:p>
-          <a:p>
-            <a:pPr indent="-342900" lvl="0" marL="342900" rtl="0" algn="l">
-              <a:lnSpc>
-                <a:spcPct val="115000"/>
-              </a:lnSpc>
-              <a:spcBef>
-                <a:spcPts val="0"/>
-              </a:spcBef>
-              <a:spcAft>
-                <a:spcPts val="0"/>
-              </a:spcAft>
-              <a:buClr>
-                <a:schemeClr val="dk1"/>
-              </a:buClr>
-              <a:buSzPts val="1100"/>
-              <a:buFont typeface="Noto Sans Symbols"/>
-              <a:buChar char="❑"/>
-            </a:pPr>
-            <a:r>
-              <a:rPr lang="en" sz="2000">
-                <a:solidFill>
-                  <a:schemeClr val="dk1"/>
-                </a:solidFill>
-                <a:latin typeface="Times New Roman"/>
-                <a:ea typeface="Times New Roman"/>
-                <a:cs typeface="Times New Roman"/>
-                <a:sym typeface="Times New Roman"/>
-              </a:rPr>
-              <a:t>Frontend/Backend</a:t>
-            </a:r>
-            <a:endParaRPr/>
-          </a:p>
-          <a:p>
-            <a:pPr indent="-342900" lvl="0" marL="342900" rtl="0" algn="l">
-              <a:lnSpc>
-                <a:spcPct val="115000"/>
-              </a:lnSpc>
-              <a:spcBef>
-                <a:spcPts val="0"/>
-              </a:spcBef>
-              <a:spcAft>
-                <a:spcPts val="0"/>
-              </a:spcAft>
-              <a:buClr>
-                <a:schemeClr val="dk1"/>
-              </a:buClr>
-              <a:buSzPts val="1100"/>
-              <a:buFont typeface="Noto Sans Symbols"/>
-              <a:buChar char="❑"/>
-            </a:pPr>
-            <a:r>
-              <a:rPr lang="en" sz="2000">
-                <a:solidFill>
-                  <a:schemeClr val="dk1"/>
-                </a:solidFill>
-                <a:latin typeface="Times New Roman"/>
-                <a:ea typeface="Times New Roman"/>
-                <a:cs typeface="Times New Roman"/>
-                <a:sym typeface="Times New Roman"/>
-              </a:rPr>
-              <a:t>HTML, CSS, JavaScript</a:t>
-            </a:r>
-            <a:endParaRPr sz="2000">
-              <a:solidFill>
-                <a:schemeClr val="dk1"/>
-              </a:solidFill>
-              <a:latin typeface="Times New Roman"/>
-              <a:ea typeface="Times New Roman"/>
-              <a:cs typeface="Times New Roman"/>
-              <a:sym typeface="Times New Roman"/>
-            </a:endParaRPr>
-          </a:p>
-          <a:p>
-            <a:pPr indent="0" lvl="0" marL="0" rtl="0" algn="l">
-              <a:lnSpc>
-                <a:spcPct val="115000"/>
-              </a:lnSpc>
-              <a:spcBef>
-                <a:spcPts val="0"/>
-              </a:spcBef>
-              <a:spcAft>
-                <a:spcPts val="0"/>
-              </a:spcAft>
-              <a:buSzPts val="1800"/>
-              <a:buNone/>
-            </a:pPr>
-            <a:r>
-              <a:t/>
-            </a:r>
-            <a:endParaRPr b="1">
-              <a:solidFill>
-                <a:schemeClr val="dk1"/>
-              </a:solidFill>
-              <a:latin typeface="Times New Roman"/>
-              <a:ea typeface="Times New Roman"/>
-              <a:cs typeface="Times New Roman"/>
-              <a:sym typeface="Times New Roman"/>
-            </a:endParaRPr>
-          </a:p>
-        </p:txBody>
-      </p:sp>
-    </p:spTree>
-  </p:cSld>
-  <p:clrMapOvr>
-    <a:masterClrMapping/>
-  </p:clrMapOvr>
-</p:sld>
-</file>
-
-<file path=ppt/slides/slide17.xml><?xml version="1.0" encoding="utf-8"?>
-<p:sld xmlns:a="http://schemas.openxmlformats.org/drawingml/2006/main" xmlns:r="http://schemas.openxmlformats.org/officeDocument/2006/relationships" xmlns:mc="http://schemas.openxmlformats.org/markup-compatibility/2006" xmlns:mv="urn:schemas-microsoft-com:mac:vml" xmlns:p="http://schemas.openxmlformats.org/presentationml/2006/main" xmlns:c="http://schemas.openxmlformats.org/drawingml/2006/chart" xmlns:dgm="http://schemas.openxmlformats.org/drawingml/2006/diagram" xmlns:o="urn:schemas-microsoft-com:office:office" xmlns:v="urn:schemas-microsoft-com:vml" xmlns:pvml="urn:schemas-microsoft-com:office:powerpoint" xmlns:com="http://schemas.openxmlformats.org/drawingml/2006/compatibility" xmlns:p14="http://schemas.microsoft.com/office/powerpoint/2010/main" xmlns:p15="http://schemas.microsoft.com/office/powerpoint/2012/main" xmlns:ahyp="http://schemas.microsoft.com/office/drawing/2018/hyperlinkcolor">
-  <p:cSld>
-    <p:spTree>
-      <p:nvGrpSpPr>
-        <p:cNvPr id="146" name="Shape 146"/>
-        <p:cNvGrpSpPr/>
-        <p:nvPr/>
-      </p:nvGrpSpPr>
-      <p:grpSpPr>
-        <a:xfrm>
-          <a:off x="0" y="0"/>
-          <a:ext cx="0" cy="0"/>
-          <a:chOff x="0" y="0"/>
-          <a:chExt cx="0" cy="0"/>
-        </a:xfrm>
-      </p:grpSpPr>
-      <p:sp>
-        <p:nvSpPr>
-          <p:cNvPr id="147" name="Google Shape;147;p17"/>
-          <p:cNvSpPr txBox="1"/>
-          <p:nvPr>
-            <p:ph idx="1" type="body"/>
-          </p:nvPr>
-        </p:nvSpPr>
-        <p:spPr>
-          <a:xfrm>
-            <a:off x="358797" y="835675"/>
-            <a:ext cx="8426400" cy="3805500"/>
-          </a:xfrm>
-          <a:prstGeom prst="rect">
-            <a:avLst/>
-          </a:prstGeom>
-          <a:noFill/>
-          <a:ln>
-            <a:noFill/>
-          </a:ln>
-        </p:spPr>
-        <p:txBody>
-          <a:bodyPr anchorCtr="0" anchor="t" bIns="91425" lIns="91425" spcFirstLastPara="1" rIns="91425" wrap="square" tIns="91425">
-            <a:noAutofit/>
-          </a:bodyPr>
-          <a:lstStyle/>
-          <a:p>
-            <a:pPr indent="457200" lvl="0" marL="2743200" rtl="0" algn="l">
-              <a:lnSpc>
-                <a:spcPct val="115000"/>
-              </a:lnSpc>
-              <a:spcBef>
-                <a:spcPts val="0"/>
-              </a:spcBef>
-              <a:spcAft>
-                <a:spcPts val="0"/>
-              </a:spcAft>
-              <a:buSzPts val="1800"/>
-              <a:buNone/>
-            </a:pPr>
-            <a:r>
-              <a:t/>
-            </a:r>
-            <a:endParaRPr b="1" u="sng">
-              <a:solidFill>
-                <a:schemeClr val="dk1"/>
-              </a:solidFill>
-              <a:latin typeface="Times New Roman"/>
-              <a:ea typeface="Times New Roman"/>
-              <a:cs typeface="Times New Roman"/>
-              <a:sym typeface="Times New Roman"/>
-            </a:endParaRPr>
-          </a:p>
-          <a:p>
-            <a:pPr indent="457200" lvl="0" marL="2743200" rtl="0" algn="l">
-              <a:lnSpc>
-                <a:spcPct val="115000"/>
-              </a:lnSpc>
-              <a:spcBef>
-                <a:spcPts val="0"/>
-              </a:spcBef>
-              <a:spcAft>
-                <a:spcPts val="0"/>
-              </a:spcAft>
-              <a:buSzPts val="1800"/>
-              <a:buNone/>
-            </a:pPr>
-            <a:r>
-              <a:t/>
-            </a:r>
-            <a:endParaRPr b="1" u="sng">
-              <a:solidFill>
-                <a:schemeClr val="dk1"/>
-              </a:solidFill>
-              <a:latin typeface="Times New Roman"/>
-              <a:ea typeface="Times New Roman"/>
-              <a:cs typeface="Times New Roman"/>
-              <a:sym typeface="Times New Roman"/>
-            </a:endParaRPr>
-          </a:p>
-          <a:p>
-            <a:pPr indent="457200" lvl="0" marL="2743200" rtl="0" algn="l">
-              <a:lnSpc>
-                <a:spcPct val="115000"/>
-              </a:lnSpc>
-              <a:spcBef>
-                <a:spcPts val="0"/>
-              </a:spcBef>
-              <a:spcAft>
-                <a:spcPts val="0"/>
-              </a:spcAft>
-              <a:buSzPts val="1800"/>
-              <a:buNone/>
-            </a:pPr>
-            <a:r>
-              <a:t/>
-            </a:r>
-            <a:endParaRPr b="1" u="sng">
-              <a:solidFill>
-                <a:schemeClr val="dk1"/>
-              </a:solidFill>
-              <a:latin typeface="Times New Roman"/>
-              <a:ea typeface="Times New Roman"/>
-              <a:cs typeface="Times New Roman"/>
-              <a:sym typeface="Times New Roman"/>
-            </a:endParaRPr>
-          </a:p>
-          <a:p>
-            <a:pPr indent="457200" lvl="0" marL="2743200" rtl="0" algn="l">
-              <a:lnSpc>
-                <a:spcPct val="115000"/>
-              </a:lnSpc>
-              <a:spcBef>
-                <a:spcPts val="0"/>
-              </a:spcBef>
-              <a:spcAft>
-                <a:spcPts val="0"/>
-              </a:spcAft>
-              <a:buSzPts val="1800"/>
-              <a:buNone/>
-            </a:pPr>
-            <a:r>
-              <a:t/>
-            </a:r>
-            <a:endParaRPr b="1" u="sng">
-              <a:solidFill>
-                <a:schemeClr val="dk1"/>
-              </a:solidFill>
-              <a:latin typeface="Times New Roman"/>
-              <a:ea typeface="Times New Roman"/>
-              <a:cs typeface="Times New Roman"/>
-              <a:sym typeface="Times New Roman"/>
-            </a:endParaRPr>
-          </a:p>
-          <a:p>
-            <a:pPr indent="0" lvl="0" marL="2286000" rtl="0" algn="l">
-              <a:lnSpc>
-                <a:spcPct val="115000"/>
-              </a:lnSpc>
-              <a:spcBef>
-                <a:spcPts val="0"/>
-              </a:spcBef>
-              <a:spcAft>
-                <a:spcPts val="0"/>
-              </a:spcAft>
-              <a:buSzPts val="1800"/>
-              <a:buNone/>
-            </a:pPr>
-            <a:r>
-              <a:rPr b="1" lang="en" sz="3200">
-                <a:solidFill>
-                  <a:schemeClr val="dk1"/>
-                </a:solidFill>
-                <a:latin typeface="Times New Roman"/>
-                <a:ea typeface="Times New Roman"/>
-                <a:cs typeface="Times New Roman"/>
-                <a:sym typeface="Times New Roman"/>
-              </a:rPr>
-              <a:t>Thanks for Attention!</a:t>
-            </a:r>
-            <a:endParaRPr sz="3200">
-              <a:solidFill>
-                <a:schemeClr val="dk1"/>
-              </a:solidFill>
-              <a:latin typeface="Times New Roman"/>
-              <a:ea typeface="Times New Roman"/>
-              <a:cs typeface="Times New Roman"/>
-              <a:sym typeface="Times New Roman"/>
-            </a:endParaRPr>
-          </a:p>
-          <a:p>
-            <a:pPr indent="0" lvl="0" marL="0" rtl="0" algn="l">
-              <a:lnSpc>
-                <a:spcPct val="115000"/>
-              </a:lnSpc>
-              <a:spcBef>
-                <a:spcPts val="0"/>
-              </a:spcBef>
-              <a:spcAft>
-                <a:spcPts val="0"/>
-              </a:spcAft>
-              <a:buSzPts val="1800"/>
-              <a:buNone/>
-            </a:pPr>
-            <a:r>
-              <a:t/>
-            </a:r>
-            <a:endParaRPr b="1">
-              <a:solidFill>
-                <a:schemeClr val="dk1"/>
-              </a:solidFill>
-              <a:latin typeface="Times New Roman"/>
-              <a:ea typeface="Times New Roman"/>
-              <a:cs typeface="Times New Roman"/>
-              <a:sym typeface="Times New Roman"/>
             </a:endParaRPr>
           </a:p>
         </p:txBody>
@@ -11060,7 +6247,7 @@
                 <a:cs typeface="Times New Roman"/>
                 <a:sym typeface="Times New Roman"/>
               </a:rPr>
-              <a:t>Class Policies</a:t>
+              <a:t>Course Materials</a:t>
             </a:r>
             <a:endParaRPr sz="2100">
               <a:solidFill>
@@ -11100,7 +6287,7 @@
                 <a:cs typeface="Times New Roman"/>
                 <a:sym typeface="Times New Roman"/>
               </a:rPr>
-              <a:t>How does the web work</a:t>
+              <a:t>Deadlines</a:t>
             </a:r>
             <a:endParaRPr sz="2100">
               <a:solidFill>
@@ -11113,7 +6300,7 @@
             </a:endParaRPr>
           </a:p>
           <a:p>
-            <a:pPr indent="-361950" lvl="1" marL="914400" rtl="0" algn="l">
+            <a:pPr indent="-361950" lvl="0" marL="457200" rtl="0" algn="l">
               <a:lnSpc>
                 <a:spcPct val="115000"/>
               </a:lnSpc>
@@ -11128,7 +6315,7 @@
               </a:buClr>
               <a:buSzPts val="2100"/>
               <a:buFont typeface="Times New Roman"/>
-              <a:buChar char="○"/>
+              <a:buChar char="●"/>
             </a:pPr>
             <a:r>
               <a:rPr lang="en" sz="2100">
@@ -11140,7 +6327,7 @@
                 <a:cs typeface="Times New Roman"/>
                 <a:sym typeface="Times New Roman"/>
               </a:rPr>
-              <a:t>IP addresses and Domain names</a:t>
+              <a:t>Plagiarism</a:t>
             </a:r>
             <a:endParaRPr sz="2100">
               <a:solidFill>
@@ -11153,7 +6340,7 @@
             </a:endParaRPr>
           </a:p>
           <a:p>
-            <a:pPr indent="-361950" lvl="1" marL="914400" rtl="0" algn="l">
+            <a:pPr indent="-361950" lvl="0" marL="457200" rtl="0" algn="l">
               <a:lnSpc>
                 <a:spcPct val="115000"/>
               </a:lnSpc>
@@ -11168,7 +6355,7 @@
               </a:buClr>
               <a:buSzPts val="2100"/>
               <a:buFont typeface="Times New Roman"/>
-              <a:buChar char="○"/>
+              <a:buChar char="●"/>
             </a:pPr>
             <a:r>
               <a:rPr lang="en" sz="2100">
@@ -11180,127 +6367,7 @@
                 <a:cs typeface="Times New Roman"/>
                 <a:sym typeface="Times New Roman"/>
               </a:rPr>
-              <a:t>DNS and getting domain</a:t>
-            </a:r>
-            <a:endParaRPr sz="2100">
-              <a:solidFill>
-                <a:schemeClr val="dk1"/>
-              </a:solidFill>
-              <a:latin typeface="Times New Roman"/>
-              <a:ea typeface="Times New Roman"/>
-              <a:cs typeface="Times New Roman"/>
-              <a:sym typeface="Times New Roman"/>
-            </a:endParaRPr>
-          </a:p>
-          <a:p>
-            <a:pPr indent="-361950" lvl="1" marL="914400" rtl="0" algn="l">
-              <a:lnSpc>
-                <a:spcPct val="115000"/>
-              </a:lnSpc>
-              <a:spcBef>
-                <a:spcPts val="0"/>
-              </a:spcBef>
-              <a:spcAft>
-                <a:spcPts val="0"/>
-              </a:spcAft>
-              <a:buClr>
-                <a:schemeClr val="dk1"/>
-              </a:buClr>
-              <a:buSzPts val="2100"/>
-              <a:buFont typeface="Times New Roman"/>
-              <a:buChar char="○"/>
-            </a:pPr>
-            <a:r>
-              <a:rPr lang="en" sz="2100">
-                <a:solidFill>
-                  <a:schemeClr val="dk1"/>
-                </a:solidFill>
-                <a:latin typeface="Times New Roman"/>
-                <a:ea typeface="Times New Roman"/>
-                <a:cs typeface="Times New Roman"/>
-                <a:sym typeface="Times New Roman"/>
-              </a:rPr>
-              <a:t>Client-Server Model</a:t>
-            </a:r>
-            <a:endParaRPr sz="2100">
-              <a:solidFill>
-                <a:schemeClr val="dk1"/>
-              </a:solidFill>
-              <a:latin typeface="Times New Roman"/>
-              <a:ea typeface="Times New Roman"/>
-              <a:cs typeface="Times New Roman"/>
-              <a:sym typeface="Times New Roman"/>
-            </a:endParaRPr>
-          </a:p>
-          <a:p>
-            <a:pPr indent="-361950" lvl="1" marL="914400" rtl="0" algn="l">
-              <a:lnSpc>
-                <a:spcPct val="115000"/>
-              </a:lnSpc>
-              <a:spcBef>
-                <a:spcPts val="0"/>
-              </a:spcBef>
-              <a:spcAft>
-                <a:spcPts val="0"/>
-              </a:spcAft>
-              <a:buClr>
-                <a:schemeClr val="dk1"/>
-              </a:buClr>
-              <a:buSzPts val="2100"/>
-              <a:buFont typeface="Times New Roman"/>
-              <a:buChar char="○"/>
-            </a:pPr>
-            <a:r>
-              <a:rPr lang="en" sz="2100">
-                <a:solidFill>
-                  <a:schemeClr val="dk1"/>
-                </a:solidFill>
-                <a:latin typeface="Times New Roman"/>
-                <a:ea typeface="Times New Roman"/>
-                <a:cs typeface="Times New Roman"/>
-                <a:sym typeface="Times New Roman"/>
-              </a:rPr>
-              <a:t>Websites and their architecture</a:t>
-            </a:r>
-            <a:endParaRPr sz="2100">
-              <a:solidFill>
-                <a:schemeClr val="dk1"/>
-              </a:solidFill>
-              <a:latin typeface="Times New Roman"/>
-              <a:ea typeface="Times New Roman"/>
-              <a:cs typeface="Times New Roman"/>
-              <a:sym typeface="Times New Roman"/>
-            </a:endParaRPr>
-          </a:p>
-          <a:p>
-            <a:pPr indent="-361950" lvl="1" marL="914400" rtl="0" algn="l">
-              <a:lnSpc>
-                <a:spcPct val="115000"/>
-              </a:lnSpc>
-              <a:spcBef>
-                <a:spcPts val="0"/>
-              </a:spcBef>
-              <a:spcAft>
-                <a:spcPts val="0"/>
-              </a:spcAft>
-              <a:buClr>
-                <a:schemeClr val="dk1"/>
-              </a:buClr>
-              <a:buSzPts val="2100"/>
-              <a:buFont typeface="Times New Roman"/>
-              <a:buChar char="○"/>
-            </a:pPr>
-            <a:r>
-              <a:rPr lang="en" sz="2100">
-                <a:solidFill>
-                  <a:schemeClr val="dk1"/>
-                </a:solidFill>
-                <a:latin typeface="Times New Roman"/>
-                <a:ea typeface="Times New Roman"/>
-                <a:cs typeface="Times New Roman"/>
-                <a:sym typeface="Times New Roman"/>
-              </a:rPr>
-              <a:t>HTML, CSS, JavaScript</a:t>
+              <a:t>Class Policies</a:t>
             </a:r>
             <a:endParaRPr sz="2100">
               <a:solidFill>
@@ -11803,7 +6870,7 @@
                 <a:cs typeface="Times New Roman"/>
                 <a:sym typeface="Times New Roman"/>
               </a:rPr>
-              <a:t>	    Course Project: 35%</a:t>
+              <a:t>	    Course Project: 30 %</a:t>
             </a:r>
             <a:endParaRPr/>
           </a:p>
@@ -11834,7 +6901,7 @@
                 <a:cs typeface="Times New Roman"/>
                 <a:sym typeface="Times New Roman"/>
               </a:rPr>
-              <a:t>  	    Quizzes (3): 30%</a:t>
+              <a:t>  	    Quizzes (3): 30 %</a:t>
             </a:r>
             <a:endParaRPr/>
           </a:p>
@@ -11865,7 +6932,7 @@
                 <a:cs typeface="Times New Roman"/>
                 <a:sym typeface="Times New Roman"/>
               </a:rPr>
-              <a:t>          Lab Assignments: 30%</a:t>
+              <a:t>          Lab Assignments: 30 %</a:t>
             </a:r>
             <a:endParaRPr/>
           </a:p>
@@ -11896,7 +6963,7 @@
                 <a:cs typeface="Times New Roman"/>
                 <a:sym typeface="Times New Roman"/>
               </a:rPr>
-              <a:t>          Attendance: 5%               </a:t>
+              <a:t>          Attendance: 10 %               </a:t>
             </a:r>
             <a:endParaRPr/>
           </a:p>
@@ -12791,9 +7858,9 @@
                 <a:cs typeface="Times New Roman"/>
                 <a:sym typeface="Times New Roman"/>
               </a:rPr>
-              <a:t>Lecture notes on Moodle </a:t>
-            </a:r>
-            <a:endParaRPr i="1" sz="2100">
+              <a:t>Lecture notes on Moodle</a:t>
+            </a:r>
+            <a:endParaRPr sz="2100">
               <a:solidFill>
                 <a:schemeClr val="dk1"/>
               </a:solidFill>
@@ -12831,7 +7898,7 @@
                 <a:cs typeface="Times New Roman"/>
                 <a:sym typeface="Times New Roman"/>
               </a:rPr>
-              <a:t>A book: Creating a website</a:t>
+              <a:t>Tutorials: w3schools.com or developer.mozilla.org</a:t>
             </a:r>
             <a:endParaRPr sz="2100">
               <a:solidFill>
@@ -12871,7 +7938,31 @@
                 <a:cs typeface="Times New Roman"/>
                 <a:sym typeface="Times New Roman"/>
               </a:rPr>
-              <a:t>Tutorials: w3schools.com or developer.mozilla.org</a:t>
+              <a:t>A book: Creating a website by </a:t>
+            </a:r>
+            <a:r>
+              <a:rPr lang="en" sz="2100">
+                <a:solidFill>
+                  <a:schemeClr val="dk1"/>
+                </a:solidFill>
+                <a:latin typeface="Times New Roman"/>
+                <a:ea typeface="Times New Roman"/>
+                <a:cs typeface="Times New Roman"/>
+                <a:sym typeface="Times New Roman"/>
+              </a:rPr>
+              <a:t>Matthew </a:t>
+            </a:r>
+            <a:r>
+              <a:rPr lang="en" sz="2100">
+                <a:solidFill>
+                  <a:schemeClr val="dk1"/>
+                </a:solidFill>
+                <a:latin typeface="Times New Roman"/>
+                <a:ea typeface="Times New Roman"/>
+                <a:cs typeface="Times New Roman"/>
+                <a:sym typeface="Times New Roman"/>
+              </a:rPr>
+              <a:t>MacDonald</a:t>
             </a:r>
             <a:endParaRPr sz="2100">
               <a:solidFill>
@@ -12923,35 +8014,43 @@
               <a:sym typeface="Times New Roman"/>
             </a:endParaRPr>
           </a:p>
+          <a:p>
+            <a:pPr indent="0" lvl="0" marL="0" rtl="0" algn="l">
+              <a:lnSpc>
+                <a:spcPct val="115000"/>
+              </a:lnSpc>
+              <a:spcBef>
+                <a:spcPts val="0"/>
+              </a:spcBef>
+              <a:spcAft>
+                <a:spcPts val="0"/>
+              </a:spcAft>
+              <a:buNone/>
+            </a:pPr>
+            <a:r>
+              <a:rPr lang="en" sz="2100">
+                <a:solidFill>
+                  <a:schemeClr val="dk1"/>
+                </a:solidFill>
+                <a:latin typeface="Times New Roman"/>
+                <a:ea typeface="Times New Roman"/>
+                <a:cs typeface="Times New Roman"/>
+                <a:sym typeface="Times New Roman"/>
+              </a:rPr>
+              <a:t>By Laurence Svekis</a:t>
+            </a:r>
+            <a:endParaRPr sz="2100">
+              <a:solidFill>
+                <a:schemeClr val="dk1"/>
+              </a:solidFill>
+              <a:latin typeface="Times New Roman"/>
+              <a:ea typeface="Times New Roman"/>
+              <a:cs typeface="Times New Roman"/>
+              <a:sym typeface="Times New Roman"/>
+            </a:endParaRPr>
+          </a:p>
         </p:txBody>
       </p:sp>
-      <p:pic>
-        <p:nvPicPr>
-          <p:cNvPr id="66" name="Google Shape;66;p5"/>
-          <p:cNvPicPr preferRelativeResize="0"/>
-          <p:nvPr/>
-        </p:nvPicPr>
-        <p:blipFill rotWithShape="1">
-          <a:blip r:embed="rId3">
-            <a:alphaModFix/>
-          </a:blip>
-          <a:srcRect b="0" l="0" r="0" t="0"/>
-          <a:stretch/>
-        </p:blipFill>
-        <p:spPr>
-          <a:xfrm>
-            <a:off x="6839875" y="1286651"/>
-            <a:ext cx="1891675" cy="2496624"/>
-          </a:xfrm>
-          <a:prstGeom prst="rect">
-            <a:avLst/>
-          </a:prstGeom>
-          <a:noFill/>
-          <a:ln>
-            <a:noFill/>
-          </a:ln>
-        </p:spPr>
-      </p:pic>
     </p:spTree>
   </p:cSld>
   <p:clrMapOvr>
@@ -12965,7 +8064,7 @@
   <p:cSld>
     <p:spTree>
       <p:nvGrpSpPr>
-        <p:cNvPr id="70" name="Shape 70"/>
+        <p:cNvPr id="69" name="Shape 69"/>
         <p:cNvGrpSpPr/>
         <p:nvPr/>
       </p:nvGrpSpPr>
@@ -12979,7 +8078,7 @@
       </p:grpSpPr>
       <p:sp>
         <p:nvSpPr>
-          <p:cNvPr id="71" name="Google Shape;71;p6"/>
+          <p:cNvPr id="70" name="Google Shape;70;p6"/>
           <p:cNvSpPr txBox="1"/>
           <p:nvPr>
             <p:ph type="title"/>
@@ -13043,7 +8142,7 @@
       </p:sp>
       <p:sp>
         <p:nvSpPr>
-          <p:cNvPr id="72" name="Google Shape;72;p6"/>
+          <p:cNvPr id="71" name="Google Shape;71;p6"/>
           <p:cNvSpPr txBox="1"/>
           <p:nvPr>
             <p:ph idx="1" type="body"/>
@@ -13430,7 +8529,7 @@
   <p:cSld>
     <p:spTree>
       <p:nvGrpSpPr>
-        <p:cNvPr id="76" name="Shape 76"/>
+        <p:cNvPr id="75" name="Shape 75"/>
         <p:cNvGrpSpPr/>
         <p:nvPr/>
       </p:nvGrpSpPr>
@@ -13444,7 +8543,7 @@
       </p:grpSpPr>
       <p:sp>
         <p:nvSpPr>
-          <p:cNvPr id="77" name="Google Shape;77;p7"/>
+          <p:cNvPr id="76" name="Google Shape;76;p7"/>
           <p:cNvSpPr txBox="1"/>
           <p:nvPr>
             <p:ph type="title"/>
@@ -13508,7 +8607,7 @@
       </p:sp>
       <p:sp>
         <p:nvSpPr>
-          <p:cNvPr id="78" name="Google Shape;78;p7"/>
+          <p:cNvPr id="77" name="Google Shape;77;p7"/>
           <p:cNvSpPr txBox="1"/>
           <p:nvPr>
             <p:ph idx="1" type="body"/>
@@ -13619,7 +8718,16 @@
               <a:buNone/>
             </a:pPr>
             <a:r>
-              <a:t/>
+              <a:rPr lang="en" sz="2100">
+                <a:solidFill>
+                  <a:schemeClr val="dk1"/>
+                </a:solidFill>
+                <a:latin typeface="Times New Roman"/>
+                <a:ea typeface="Times New Roman"/>
+                <a:cs typeface="Times New Roman"/>
+                <a:sym typeface="Times New Roman"/>
+              </a:rPr>
+              <a:t>• “The act of plagiarizing; taking someone's words or ideas as if they were your own”</a:t>
             </a:r>
             <a:endParaRPr sz="2100">
               <a:solidFill>
@@ -13655,7 +8763,31 @@
                 <a:cs typeface="Times New Roman"/>
                 <a:sym typeface="Times New Roman"/>
               </a:rPr>
-              <a:t>• “The act of plagiarizing; taking someone's words or ideas as if they were your own”</a:t>
+              <a:t>• </a:t>
+            </a:r>
+            <a:r>
+              <a:rPr lang="en" sz="2100">
+                <a:solidFill>
+                  <a:schemeClr val="dk1"/>
+                </a:solidFill>
+                <a:latin typeface="Times New Roman"/>
+                <a:ea typeface="Times New Roman"/>
+                <a:cs typeface="Times New Roman"/>
+                <a:sym typeface="Times New Roman"/>
+              </a:rPr>
+              <a:t>“</a:t>
+            </a:r>
+            <a:r>
+              <a:rPr lang="en" sz="2100">
+                <a:solidFill>
+                  <a:schemeClr val="dk1"/>
+                </a:solidFill>
+                <a:latin typeface="Times New Roman"/>
+                <a:ea typeface="Times New Roman"/>
+                <a:cs typeface="Times New Roman"/>
+                <a:sym typeface="Times New Roman"/>
+              </a:rPr>
+              <a:t>Your work (homework, projects, quizzes) may not be accepted and may be considered cheating if you cannot defend it and other tasks on the same topic during live grading”</a:t>
             </a:r>
             <a:endParaRPr sz="2100">
               <a:solidFill>
@@ -13682,33 +8814,6 @@
               <a:buNone/>
             </a:pPr>
             <a:r>
-              <a:t/>
-            </a:r>
-            <a:endParaRPr sz="2100">
-              <a:solidFill>
-                <a:schemeClr val="dk1"/>
-              </a:solidFill>
-              <a:latin typeface="Times New Roman"/>
-              <a:ea typeface="Times New Roman"/>
-              <a:cs typeface="Times New Roman"/>
-              <a:sym typeface="Times New Roman"/>
-            </a:endParaRPr>
-          </a:p>
-          <a:p>
-            <a:pPr indent="0" lvl="0" marL="0" rtl="0" algn="l">
-              <a:lnSpc>
-                <a:spcPct val="115000"/>
-              </a:lnSpc>
-              <a:spcBef>
-                <a:spcPts val="0"/>
-              </a:spcBef>
-              <a:spcAft>
-                <a:spcPts val="0"/>
-              </a:spcAft>
-              <a:buSzPts val="1800"/>
-              <a:buNone/>
-            </a:pPr>
-            <a:r>
               <a:rPr b="1" lang="en" sz="2100">
                 <a:solidFill>
                   <a:srgbClr val="FF0000"/>
@@ -13719,33 +8824,6 @@
                 <a:sym typeface="Times New Roman"/>
               </a:rPr>
               <a:t>• Plagiarism results in an automatic F in the course and may result in your suspension from the program!</a:t>
-            </a:r>
-            <a:endParaRPr b="1" sz="2100">
-              <a:solidFill>
-                <a:srgbClr val="FF0000"/>
-              </a:solidFill>
-              <a:latin typeface="Times New Roman"/>
-              <a:ea typeface="Times New Roman"/>
-              <a:cs typeface="Times New Roman"/>
-              <a:sym typeface="Times New Roman"/>
-            </a:endParaRPr>
-          </a:p>
-          <a:p>
-            <a:pPr indent="0" lvl="0" marL="0" rtl="0" algn="l">
-              <a:lnSpc>
-                <a:spcPct val="115000"/>
-              </a:lnSpc>
-              <a:spcBef>
-                <a:spcPts val="0"/>
-              </a:spcBef>
-              <a:spcAft>
-                <a:spcPts val="0"/>
-              </a:spcAft>
-              <a:buSzPts val="1800"/>
-              <a:buNone/>
-            </a:pPr>
-            <a:r>
-              <a:t/>
             </a:r>
             <a:endParaRPr b="1" sz="2100">
               <a:solidFill>
@@ -13835,7 +8913,7 @@
   <p:cSld>
     <p:spTree>
       <p:nvGrpSpPr>
-        <p:cNvPr id="82" name="Shape 82"/>
+        <p:cNvPr id="81" name="Shape 81"/>
         <p:cNvGrpSpPr/>
         <p:nvPr/>
       </p:nvGrpSpPr>
@@ -13849,7 +8927,7 @@
       </p:grpSpPr>
       <p:sp>
         <p:nvSpPr>
-          <p:cNvPr id="83" name="Google Shape;83;p8"/>
+          <p:cNvPr id="82" name="Google Shape;82;p8"/>
           <p:cNvSpPr txBox="1"/>
           <p:nvPr>
             <p:ph type="title"/>
@@ -13913,7 +8991,7 @@
       </p:sp>
       <p:sp>
         <p:nvSpPr>
-          <p:cNvPr id="84" name="Google Shape;84;p8"/>
+          <p:cNvPr id="83" name="Google Shape;83;p8"/>
           <p:cNvSpPr txBox="1"/>
           <p:nvPr>
             <p:ph idx="1" type="body"/>
@@ -14267,7 +9345,7 @@
   <p:cSld>
     <p:spTree>
       <p:nvGrpSpPr>
-        <p:cNvPr id="88" name="Shape 88"/>
+        <p:cNvPr id="87" name="Shape 87"/>
         <p:cNvGrpSpPr/>
         <p:nvPr/>
       </p:nvGrpSpPr>
@@ -14281,71 +9359,7 @@
       </p:grpSpPr>
       <p:sp>
         <p:nvSpPr>
-          <p:cNvPr id="89" name="Google Shape;89;p9"/>
-          <p:cNvSpPr txBox="1"/>
-          <p:nvPr>
-            <p:ph type="title"/>
-          </p:nvPr>
-        </p:nvSpPr>
-        <p:spPr>
-          <a:xfrm>
-            <a:off x="686450" y="114874"/>
-            <a:ext cx="3581400" cy="572700"/>
-          </a:xfrm>
-          <a:prstGeom prst="rect">
-            <a:avLst/>
-          </a:prstGeom>
-          <a:noFill/>
-          <a:ln>
-            <a:noFill/>
-          </a:ln>
-        </p:spPr>
-        <p:txBody>
-          <a:bodyPr anchorCtr="0" anchor="t" bIns="91425" lIns="91425" spcFirstLastPara="1" rIns="91425" wrap="square" tIns="91425">
-            <a:noAutofit/>
-          </a:bodyPr>
-          <a:lstStyle/>
-          <a:p>
-            <a:pPr indent="0" lvl="0" marL="0" rtl="0" algn="l">
-              <a:lnSpc>
-                <a:spcPct val="100000"/>
-              </a:lnSpc>
-              <a:spcBef>
-                <a:spcPts val="0"/>
-              </a:spcBef>
-              <a:spcAft>
-                <a:spcPts val="0"/>
-              </a:spcAft>
-              <a:buSzPts val="2800"/>
-              <a:buNone/>
-            </a:pPr>
-            <a:r>
-              <a:rPr b="1" lang="en">
-                <a:solidFill>
-                  <a:schemeClr val="dk1"/>
-                </a:solidFill>
-                <a:latin typeface="Times New Roman"/>
-                <a:ea typeface="Times New Roman"/>
-                <a:cs typeface="Times New Roman"/>
-                <a:sym typeface="Times New Roman"/>
-              </a:rPr>
-              <a:t>IP addresses</a:t>
-            </a:r>
-            <a:endParaRPr b="1">
-              <a:solidFill>
-                <a:schemeClr val="dk1"/>
-              </a:solidFill>
-              <a:latin typeface="Times New Roman"/>
-              <a:ea typeface="Times New Roman"/>
-              <a:cs typeface="Times New Roman"/>
-              <a:sym typeface="Times New Roman"/>
-            </a:endParaRPr>
-          </a:p>
-        </p:txBody>
-      </p:sp>
-      <p:sp>
-        <p:nvSpPr>
-          <p:cNvPr id="90" name="Google Shape;90;p9"/>
+          <p:cNvPr id="88" name="Google Shape;88;p17"/>
           <p:cNvSpPr txBox="1"/>
           <p:nvPr>
             <p:ph idx="1" type="body"/>
@@ -14370,7 +9384,7 @@
           </a:bodyPr>
           <a:lstStyle/>
           <a:p>
-            <a:pPr indent="0" lvl="0" marL="0" rtl="0" algn="l">
+            <a:pPr indent="457200" lvl="0" marL="2743200" rtl="0" algn="l">
               <a:lnSpc>
                 <a:spcPct val="115000"/>
               </a:lnSpc>
@@ -14384,42 +9398,9 @@
               <a:buNone/>
             </a:pPr>
             <a:r>
-              <a:rPr lang="en">
-                <a:solidFill>
-                  <a:schemeClr val="dk1"/>
-                </a:solidFill>
-                <a:latin typeface="Times New Roman"/>
-                <a:ea typeface="Times New Roman"/>
-                <a:cs typeface="Times New Roman"/>
-                <a:sym typeface="Times New Roman"/>
-              </a:rPr>
-              <a:t>An </a:t>
-            </a:r>
-            <a:r>
-              <a:rPr b="1" lang="en">
-                <a:solidFill>
-                  <a:srgbClr val="FF0000"/>
-                </a:solidFill>
-                <a:latin typeface="Times New Roman"/>
-                <a:ea typeface="Times New Roman"/>
-                <a:cs typeface="Times New Roman"/>
-                <a:sym typeface="Times New Roman"/>
-              </a:rPr>
-              <a:t>Internet Protocol (IP)</a:t>
-            </a:r>
-            <a:r>
-              <a:rPr lang="en">
-                <a:solidFill>
-                  <a:schemeClr val="dk1"/>
-                </a:solidFill>
-                <a:latin typeface="Times New Roman"/>
-                <a:ea typeface="Times New Roman"/>
-                <a:cs typeface="Times New Roman"/>
-                <a:sym typeface="Times New Roman"/>
-              </a:rPr>
-              <a:t> address is a unique identifier of a particular device on the Internet network</a:t>
-            </a:r>
-            <a:endParaRPr>
+              <a:t/>
+            </a:r>
+            <a:endParaRPr b="1" u="sng">
               <a:solidFill>
                 <a:schemeClr val="dk1"/>
               </a:solidFill>
@@ -14430,7 +9411,7 @@
             </a:endParaRPr>
           </a:p>
           <a:p>
-            <a:pPr indent="0" lvl="0" marL="457200" rtl="0" algn="l">
+            <a:pPr indent="457200" lvl="0" marL="2743200" rtl="0" algn="l">
               <a:lnSpc>
                 <a:spcPct val="115000"/>
               </a:lnSpc>
@@ -14444,18 +9425,9 @@
               <a:buNone/>
             </a:pPr>
             <a:r>
-              <a:rPr lang="en" sz="1600">
-                <a:solidFill>
-                  <a:schemeClr val="dk1"/>
-                </a:solidFill>
-                <a:latin typeface="Times New Roman"/>
-                <a:ea typeface="Times New Roman"/>
-                <a:cs typeface="Times New Roman"/>
-                <a:sym typeface="Times New Roman"/>
-              </a:rPr>
-              <a:t>• PC, mobile, router, smart watch, TV</a:t>
-            </a:r>
-            <a:endParaRPr sz="1600">
+              <a:t/>
+            </a:r>
+            <a:endParaRPr b="1" u="sng">
               <a:solidFill>
                 <a:schemeClr val="dk1"/>
               </a:solidFill>
@@ -14466,7 +9438,7 @@
             </a:endParaRPr>
           </a:p>
           <a:p>
-            <a:pPr indent="0" lvl="0" marL="457200" rtl="0" algn="l">
+            <a:pPr indent="457200" lvl="0" marL="2743200" rtl="0" algn="l">
               <a:lnSpc>
                 <a:spcPct val="115000"/>
               </a:lnSpc>
@@ -14480,18 +9452,9 @@
               <a:buNone/>
             </a:pPr>
             <a:r>
-              <a:rPr lang="en" sz="1600">
-                <a:solidFill>
-                  <a:schemeClr val="dk1"/>
-                </a:solidFill>
-                <a:latin typeface="Times New Roman"/>
-                <a:ea typeface="Times New Roman"/>
-                <a:cs typeface="Times New Roman"/>
-                <a:sym typeface="Times New Roman"/>
-              </a:rPr>
-              <a:t>• Example: 178.91.253.180 [ Format is A.B.C.D ]</a:t>
-            </a:r>
-            <a:endParaRPr sz="1600">
+              <a:t/>
+            </a:r>
+            <a:endParaRPr b="1" u="sng">
               <a:solidFill>
                 <a:schemeClr val="dk1"/>
               </a:solidFill>
@@ -14502,7 +9465,7 @@
             </a:endParaRPr>
           </a:p>
           <a:p>
-            <a:pPr indent="0" lvl="0" marL="457200" rtl="0" algn="l">
+            <a:pPr indent="457200" lvl="0" marL="2743200" rtl="0" algn="l">
               <a:lnSpc>
                 <a:spcPct val="115000"/>
               </a:lnSpc>
@@ -14518,7 +9481,43 @@
             <a:r>
               <a:t/>
             </a:r>
-            <a:endParaRPr>
+            <a:endParaRPr b="1" u="sng">
+              <a:solidFill>
+                <a:schemeClr val="dk1"/>
+              </a:solidFill>
+              <a:latin typeface="Times New Roman"/>
+              <a:ea typeface="Times New Roman"/>
+              <a:cs typeface="Times New Roman"/>
+              <a:sym typeface="Times New Roman"/>
+            </a:endParaRPr>
+          </a:p>
+          <a:p>
+            <a:pPr indent="0" lvl="0" marL="2286000" rtl="0" algn="l">
+              <a:lnSpc>
+                <a:spcPct val="115000"/>
+              </a:lnSpc>
+              <a:spcBef>
+                <a:spcPts val="0"/>
+              </a:spcBef>
+              <a:spcAft>
+                <a:spcPts val="0"/>
+              </a:spcAft>
+              <a:buSzPts val="1800"/>
+              <a:buNone/>
+            </a:pPr>
+            <a:r>
+              <a:rPr b="1" lang="en" sz="3200">
+                <a:solidFill>
+                  <a:schemeClr val="dk1"/>
+                </a:solidFill>
+                <a:latin typeface="Times New Roman"/>
+                <a:ea typeface="Times New Roman"/>
+                <a:cs typeface="Times New Roman"/>
+                <a:sym typeface="Times New Roman"/>
+              </a:rPr>
+              <a:t>Thanks for Attention!</a:t>
+            </a:r>
+            <a:endParaRPr sz="3200">
               <a:solidFill>
                 <a:schemeClr val="dk1"/>
               </a:solidFill>
@@ -14543,252 +9542,9 @@
               <a:buNone/>
             </a:pPr>
             <a:r>
-              <a:rPr lang="en">
-                <a:solidFill>
-                  <a:schemeClr val="dk1"/>
-                </a:solidFill>
-                <a:latin typeface="Times New Roman"/>
-                <a:ea typeface="Times New Roman"/>
-                <a:cs typeface="Times New Roman"/>
-                <a:sym typeface="Times New Roman"/>
-              </a:rPr>
-              <a:t>• IP addresses are mathematically produced and allocated by the </a:t>
-            </a:r>
-            <a:r>
-              <a:rPr b="1" lang="en">
-                <a:solidFill>
-                  <a:srgbClr val="FF0000"/>
-                </a:solidFill>
-                <a:latin typeface="Times New Roman"/>
-                <a:ea typeface="Times New Roman"/>
-                <a:cs typeface="Times New Roman"/>
-                <a:sym typeface="Times New Roman"/>
-              </a:rPr>
-              <a:t>Internet Assigned Numbers Authority (IANA)</a:t>
+              <a:t/>
             </a:r>
             <a:endParaRPr b="1">
-              <a:solidFill>
-                <a:srgbClr val="FF0000"/>
-              </a:solidFill>
-              <a:latin typeface="Times New Roman"/>
-              <a:ea typeface="Times New Roman"/>
-              <a:cs typeface="Times New Roman"/>
-              <a:sym typeface="Times New Roman"/>
-            </a:endParaRPr>
-          </a:p>
-          <a:p>
-            <a:pPr indent="0" lvl="0" marL="0" rtl="0" algn="l">
-              <a:lnSpc>
-                <a:spcPct val="115000"/>
-              </a:lnSpc>
-              <a:spcBef>
-                <a:spcPts val="0"/>
-              </a:spcBef>
-              <a:spcAft>
-                <a:spcPts val="0"/>
-              </a:spcAft>
-              <a:buSzPts val="1800"/>
-              <a:buNone/>
-            </a:pPr>
-            <a:r>
-              <a:t/>
-            </a:r>
-            <a:endParaRPr>
-              <a:solidFill>
-                <a:schemeClr val="dk1"/>
-              </a:solidFill>
-              <a:latin typeface="Times New Roman"/>
-              <a:ea typeface="Times New Roman"/>
-              <a:cs typeface="Times New Roman"/>
-              <a:sym typeface="Times New Roman"/>
-            </a:endParaRPr>
-          </a:p>
-          <a:p>
-            <a:pPr indent="0" lvl="0" marL="0" rtl="0" algn="l">
-              <a:lnSpc>
-                <a:spcPct val="115000"/>
-              </a:lnSpc>
-              <a:spcBef>
-                <a:spcPts val="0"/>
-              </a:spcBef>
-              <a:spcAft>
-                <a:spcPts val="0"/>
-              </a:spcAft>
-              <a:buSzPts val="1800"/>
-              <a:buNone/>
-            </a:pPr>
-            <a:r>
-              <a:rPr lang="en">
-                <a:solidFill>
-                  <a:schemeClr val="dk1"/>
-                </a:solidFill>
-                <a:latin typeface="Times New Roman"/>
-                <a:ea typeface="Times New Roman"/>
-                <a:cs typeface="Times New Roman"/>
-                <a:sym typeface="Times New Roman"/>
-              </a:rPr>
-              <a:t>• </a:t>
-            </a:r>
-            <a:r>
-              <a:rPr b="1" lang="en">
-                <a:solidFill>
-                  <a:srgbClr val="FF0000"/>
-                </a:solidFill>
-                <a:latin typeface="Times New Roman"/>
-                <a:ea typeface="Times New Roman"/>
-                <a:cs typeface="Times New Roman"/>
-                <a:sym typeface="Times New Roman"/>
-              </a:rPr>
-              <a:t>Types</a:t>
-            </a:r>
-            <a:r>
-              <a:rPr lang="en">
-                <a:solidFill>
-                  <a:schemeClr val="dk1"/>
-                </a:solidFill>
-                <a:latin typeface="Times New Roman"/>
-                <a:ea typeface="Times New Roman"/>
-                <a:cs typeface="Times New Roman"/>
-                <a:sym typeface="Times New Roman"/>
-              </a:rPr>
-              <a:t> of IP addresses:</a:t>
-            </a:r>
-            <a:endParaRPr>
-              <a:solidFill>
-                <a:schemeClr val="dk1"/>
-              </a:solidFill>
-              <a:latin typeface="Times New Roman"/>
-              <a:ea typeface="Times New Roman"/>
-              <a:cs typeface="Times New Roman"/>
-              <a:sym typeface="Times New Roman"/>
-            </a:endParaRPr>
-          </a:p>
-          <a:p>
-            <a:pPr indent="0" lvl="0" marL="457200" rtl="0" algn="l">
-              <a:lnSpc>
-                <a:spcPct val="115000"/>
-              </a:lnSpc>
-              <a:spcBef>
-                <a:spcPts val="0"/>
-              </a:spcBef>
-              <a:spcAft>
-                <a:spcPts val="0"/>
-              </a:spcAft>
-              <a:buSzPts val="1800"/>
-              <a:buNone/>
-            </a:pPr>
-            <a:r>
-              <a:rPr lang="en" sz="1600">
-                <a:solidFill>
-                  <a:schemeClr val="dk1"/>
-                </a:solidFill>
-                <a:latin typeface="Times New Roman"/>
-                <a:ea typeface="Times New Roman"/>
-                <a:cs typeface="Times New Roman"/>
-                <a:sym typeface="Times New Roman"/>
-              </a:rPr>
-              <a:t>• public/private (global/local)</a:t>
-            </a:r>
-            <a:endParaRPr sz="1600">
-              <a:solidFill>
-                <a:schemeClr val="dk1"/>
-              </a:solidFill>
-              <a:latin typeface="Times New Roman"/>
-              <a:ea typeface="Times New Roman"/>
-              <a:cs typeface="Times New Roman"/>
-              <a:sym typeface="Times New Roman"/>
-            </a:endParaRPr>
-          </a:p>
-          <a:p>
-            <a:pPr indent="0" lvl="0" marL="457200" rtl="0" algn="l">
-              <a:lnSpc>
-                <a:spcPct val="115000"/>
-              </a:lnSpc>
-              <a:spcBef>
-                <a:spcPts val="0"/>
-              </a:spcBef>
-              <a:spcAft>
-                <a:spcPts val="0"/>
-              </a:spcAft>
-              <a:buSzPts val="1800"/>
-              <a:buNone/>
-            </a:pPr>
-            <a:r>
-              <a:rPr lang="en" sz="1600">
-                <a:solidFill>
-                  <a:schemeClr val="dk1"/>
-                </a:solidFill>
-                <a:latin typeface="Times New Roman"/>
-                <a:ea typeface="Times New Roman"/>
-                <a:cs typeface="Times New Roman"/>
-                <a:sym typeface="Times New Roman"/>
-              </a:rPr>
-              <a:t>• static/dynamic</a:t>
-            </a:r>
-            <a:endParaRPr sz="1600">
-              <a:solidFill>
-                <a:schemeClr val="dk1"/>
-              </a:solidFill>
-              <a:latin typeface="Times New Roman"/>
-              <a:ea typeface="Times New Roman"/>
-              <a:cs typeface="Times New Roman"/>
-              <a:sym typeface="Times New Roman"/>
-            </a:endParaRPr>
-          </a:p>
-          <a:p>
-            <a:pPr indent="0" lvl="0" marL="457200" rtl="0" algn="l">
-              <a:lnSpc>
-                <a:spcPct val="115000"/>
-              </a:lnSpc>
-              <a:spcBef>
-                <a:spcPts val="0"/>
-              </a:spcBef>
-              <a:spcAft>
-                <a:spcPts val="0"/>
-              </a:spcAft>
-              <a:buSzPts val="1800"/>
-              <a:buNone/>
-            </a:pPr>
-            <a:r>
-              <a:rPr lang="en" sz="1600">
-                <a:solidFill>
-                  <a:schemeClr val="dk1"/>
-                </a:solidFill>
-                <a:latin typeface="Times New Roman"/>
-                <a:ea typeface="Times New Roman"/>
-                <a:cs typeface="Times New Roman"/>
-                <a:sym typeface="Times New Roman"/>
-              </a:rPr>
-              <a:t>• dedicate/shared</a:t>
-            </a:r>
-            <a:endParaRPr sz="1600">
-              <a:solidFill>
-                <a:schemeClr val="dk1"/>
-              </a:solidFill>
-              <a:latin typeface="Times New Roman"/>
-              <a:ea typeface="Times New Roman"/>
-              <a:cs typeface="Times New Roman"/>
-              <a:sym typeface="Times New Roman"/>
-            </a:endParaRPr>
-          </a:p>
-          <a:p>
-            <a:pPr indent="0" lvl="0" marL="0" rtl="0" algn="l">
-              <a:lnSpc>
-                <a:spcPct val="115000"/>
-              </a:lnSpc>
-              <a:spcBef>
-                <a:spcPts val="0"/>
-              </a:spcBef>
-              <a:spcAft>
-                <a:spcPts val="0"/>
-              </a:spcAft>
-              <a:buSzPts val="1800"/>
-              <a:buNone/>
-            </a:pPr>
-            <a:r>
-              <a:t/>
-            </a:r>
-            <a:endParaRPr sz="2100">
               <a:solidFill>
                 <a:schemeClr val="dk1"/>
               </a:solidFill>
@@ -14800,33 +9556,6 @@
           </a:p>
         </p:txBody>
       </p:sp>
-      <p:pic>
-        <p:nvPicPr>
-          <p:cNvPr id="91" name="Google Shape;91;p9"/>
-          <p:cNvPicPr preferRelativeResize="0"/>
-          <p:nvPr/>
-        </p:nvPicPr>
-        <p:blipFill rotWithShape="1">
-          <a:blip r:embed="rId3">
-            <a:alphaModFix/>
-          </a:blip>
-          <a:srcRect b="0" l="0" r="0" t="0"/>
-          <a:stretch/>
-        </p:blipFill>
-        <p:spPr>
-          <a:xfrm>
-            <a:off x="4925075" y="3087350"/>
-            <a:ext cx="2284600" cy="1949576"/>
-          </a:xfrm>
-          <a:prstGeom prst="rect">
-            <a:avLst/>
-          </a:prstGeom>
-          <a:noFill/>
-          <a:ln>
-            <a:noFill/>
-          </a:ln>
-        </p:spPr>
-      </p:pic>
     </p:spTree>
   </p:cSld>
   <p:clrMapOvr>
@@ -14836,6 +9565,285 @@
 </file>
 
 <file path=ppt/theme/theme1.xml><?xml version="1.0" encoding="utf-8"?>
+<a:theme xmlns:a="http://schemas.openxmlformats.org/drawingml/2006/main" xmlns:r="http://schemas.openxmlformats.org/officeDocument/2006/relationships" name="NU white  theme 4x3">
+  <a:themeElements>
+    <a:clrScheme name="Серая">
+      <a:dk1>
+        <a:srgbClr val="000000"/>
+      </a:dk1>
+      <a:lt1>
+        <a:srgbClr val="FFFFFF"/>
+      </a:lt1>
+      <a:dk2>
+        <a:srgbClr val="000000"/>
+      </a:dk2>
+      <a:lt2>
+        <a:srgbClr val="F8F8F8"/>
+      </a:lt2>
+      <a:accent1>
+        <a:srgbClr val="DDDDDD"/>
+      </a:accent1>
+      <a:accent2>
+        <a:srgbClr val="B2B2B2"/>
+      </a:accent2>
+      <a:accent3>
+        <a:srgbClr val="969696"/>
+      </a:accent3>
+      <a:accent4>
+        <a:srgbClr val="808080"/>
+      </a:accent4>
+      <a:accent5>
+        <a:srgbClr val="5F5F5F"/>
+      </a:accent5>
+      <a:accent6>
+        <a:srgbClr val="4D4D4D"/>
+      </a:accent6>
+      <a:hlink>
+        <a:srgbClr val="5F5F5F"/>
+      </a:hlink>
+      <a:folHlink>
+        <a:srgbClr val="919191"/>
+      </a:folHlink>
+    </a:clrScheme>
+    <a:fontScheme name="Office">
+      <a:majorFont>
+        <a:latin typeface="Arial"/>
+        <a:ea typeface=""/>
+        <a:cs typeface=""/>
+        <a:font script="Jpan" typeface="ＭＳ Ｐゴシック"/>
+        <a:font script="Hang" typeface="맑은 고딕"/>
+        <a:font script="Hans" typeface="宋体"/>
+        <a:font script="Hant" typeface="新細明體"/>
+        <a:font script="Arab" typeface="Times New Roman"/>
+        <a:font script="Hebr" typeface="Times New Roman"/>
+        <a:font script="Thai" typeface="Angsana New"/>
+        <a:font script="Ethi" typeface="Nyala"/>
+        <a:font script="Beng" typeface="Vrinda"/>
+        <a:font script="Gujr" typeface="Shruti"/>
+        <a:font script="Khmr" typeface="MoolBoran"/>
+        <a:font script="Knda" typeface="Tunga"/>
+        <a:font script="Guru" typeface="Raavi"/>
+        <a:font script="Cans" typeface="Euphemia"/>
+        <a:font script="Cher" typeface="Plantagenet Cherokee"/>
+        <a:font script="Yiii" typeface="Microsoft Yi Baiti"/>
+        <a:font script="Tibt" typeface="Microsoft Himalaya"/>
+        <a:font script="Thaa" typeface="MV Boli"/>
+        <a:font script="Deva" typeface="Mangal"/>
+        <a:font script="Telu" typeface="Gautami"/>
+        <a:font script="Taml" typeface="Latha"/>
+        <a:font script="Syrc" typeface="Estrangelo Edessa"/>
+        <a:font script="Orya" typeface="Kalinga"/>
+        <a:font script="Mlym" typeface="Kartika"/>
+        <a:font script="Laoo" typeface="DokChampa"/>
+        <a:font script="Sinh" typeface="Iskoola Pota"/>
+        <a:font script="Mong" typeface="Mongolian Baiti"/>
+        <a:font script="Viet" typeface="Times New Roman"/>
+        <a:font script="Uigh" typeface="Microsoft Uighur"/>
+        <a:font script="Geor" typeface="Sylfaen"/>
+      </a:majorFont>
+      <a:minorFont>
+        <a:latin typeface="Arial"/>
+        <a:ea typeface=""/>
+        <a:cs typeface=""/>
+        <a:font script="Jpan" typeface="ＭＳ Ｐゴシック"/>
+        <a:font script="Hang" typeface="맑은 고딕"/>
+        <a:font script="Hans" typeface="宋体"/>
+        <a:font script="Hant" typeface="新細明體"/>
+        <a:font script="Arab" typeface="Arial"/>
+        <a:font script="Hebr" typeface="Arial"/>
+        <a:font script="Thai" typeface="Cordia New"/>
+        <a:font script="Ethi" typeface="Nyala"/>
+        <a:font script="Beng" typeface="Vrinda"/>
+        <a:font script="Gujr" typeface="Shruti"/>
+        <a:font script="Khmr" typeface="DaunPenh"/>
+        <a:font script="Knda" typeface="Tunga"/>
+        <a:font script="Guru" typeface="Raavi"/>
+        <a:font script="Cans" typeface="Euphemia"/>
+        <a:font script="Cher" typeface="Plantagenet Cherokee"/>
+        <a:font script="Yiii" typeface="Microsoft Yi Baiti"/>
+        <a:font script="Tibt" typeface="Microsoft Himalaya"/>
+        <a:font script="Thaa" typeface="MV Boli"/>
+        <a:font script="Deva" typeface="Mangal"/>
+        <a:font script="Telu" typeface="Gautami"/>
+        <a:font script="Taml" typeface="Latha"/>
+        <a:font script="Syrc" typeface="Estrangelo Edessa"/>
+        <a:font script="Orya" typeface="Kalinga"/>
+        <a:font script="Mlym" typeface="Kartika"/>
+        <a:font script="Laoo" typeface="DokChampa"/>
+        <a:font script="Sinh" typeface="Iskoola Pota"/>
+        <a:font script="Mong" typeface="Mongolian Baiti"/>
+        <a:font script="Viet" typeface="Arial"/>
+        <a:font script="Uigh" typeface="Microsoft Uighur"/>
+        <a:font script="Geor" typeface="Sylfaen"/>
+      </a:minorFont>
+    </a:fontScheme>
+    <a:fmtScheme name="Office">
+      <a:fillStyleLst>
+        <a:solidFill>
+          <a:schemeClr val="phClr"/>
+        </a:solidFill>
+        <a:gradFill rotWithShape="1">
+          <a:gsLst>
+            <a:gs pos="0">
+              <a:schemeClr val="phClr">
+                <a:tint val="50000"/>
+                <a:satMod val="300000"/>
+              </a:schemeClr>
+            </a:gs>
+            <a:gs pos="35000">
+              <a:schemeClr val="phClr">
+                <a:tint val="37000"/>
+                <a:satMod val="300000"/>
+              </a:schemeClr>
+            </a:gs>
+            <a:gs pos="100000">
+              <a:schemeClr val="phClr">
+                <a:tint val="15000"/>
+                <a:satMod val="350000"/>
+              </a:schemeClr>
+            </a:gs>
+          </a:gsLst>
+          <a:lin ang="16200000" scaled="1"/>
+        </a:gradFill>
+        <a:gradFill rotWithShape="1">
+          <a:gsLst>
+            <a:gs pos="0">
+              <a:schemeClr val="phClr">
+                <a:tint val="100000"/>
+                <a:shade val="100000"/>
+                <a:satMod val="130000"/>
+              </a:schemeClr>
+            </a:gs>
+            <a:gs pos="100000">
+              <a:schemeClr val="phClr">
+                <a:tint val="50000"/>
+                <a:shade val="100000"/>
+                <a:satMod val="350000"/>
+              </a:schemeClr>
+            </a:gs>
+          </a:gsLst>
+          <a:lin ang="16200000" scaled="0"/>
+        </a:gradFill>
+      </a:fillStyleLst>
+      <a:lnStyleLst>
+        <a:ln w="9525" cap="flat" cmpd="sng" algn="ctr">
+          <a:solidFill>
+            <a:schemeClr val="phClr">
+              <a:shade val="95000"/>
+              <a:satMod val="105000"/>
+            </a:schemeClr>
+          </a:solidFill>
+          <a:prstDash val="solid"/>
+        </a:ln>
+        <a:ln w="25400" cap="flat" cmpd="sng" algn="ctr">
+          <a:solidFill>
+            <a:schemeClr val="phClr"/>
+          </a:solidFill>
+          <a:prstDash val="solid"/>
+        </a:ln>
+        <a:ln w="38100" cap="flat" cmpd="sng" algn="ctr">
+          <a:solidFill>
+            <a:schemeClr val="phClr"/>
+          </a:solidFill>
+          <a:prstDash val="solid"/>
+        </a:ln>
+      </a:lnStyleLst>
+      <a:effectStyleLst>
+        <a:effectStyle>
+          <a:effectLst>
+            <a:outerShdw blurRad="40000" dist="20000" dir="5400000" rotWithShape="0">
+              <a:srgbClr val="000000">
+                <a:alpha val="38000"/>
+              </a:srgbClr>
+            </a:outerShdw>
+          </a:effectLst>
+        </a:effectStyle>
+        <a:effectStyle>
+          <a:effectLst>
+            <a:outerShdw blurRad="40000" dist="23000" dir="5400000" rotWithShape="0">
+              <a:srgbClr val="000000">
+                <a:alpha val="35000"/>
+              </a:srgbClr>
+            </a:outerShdw>
+          </a:effectLst>
+        </a:effectStyle>
+        <a:effectStyle>
+          <a:effectLst>
+            <a:outerShdw blurRad="40000" dist="23000" dir="5400000" rotWithShape="0">
+              <a:srgbClr val="000000">
+                <a:alpha val="35000"/>
+              </a:srgbClr>
+            </a:outerShdw>
+          </a:effectLst>
+          <a:scene3d>
+            <a:camera prst="orthographicFront">
+              <a:rot lat="0" lon="0" rev="0"/>
+            </a:camera>
+            <a:lightRig rig="threePt" dir="t">
+              <a:rot lat="0" lon="0" rev="1200000"/>
+            </a:lightRig>
+          </a:scene3d>
+          <a:sp3d>
+            <a:bevelT w="63500" h="25400"/>
+          </a:sp3d>
+        </a:effectStyle>
+      </a:effectStyleLst>
+      <a:bgFillStyleLst>
+        <a:solidFill>
+          <a:schemeClr val="phClr"/>
+        </a:solidFill>
+        <a:gradFill rotWithShape="1">
+          <a:gsLst>
+            <a:gs pos="0">
+              <a:schemeClr val="phClr">
+                <a:tint val="40000"/>
+                <a:satMod val="350000"/>
+              </a:schemeClr>
+            </a:gs>
+            <a:gs pos="40000">
+              <a:schemeClr val="phClr">
+                <a:tint val="45000"/>
+                <a:shade val="99000"/>
+                <a:satMod val="350000"/>
+              </a:schemeClr>
+            </a:gs>
+            <a:gs pos="100000">
+              <a:schemeClr val="phClr">
+                <a:shade val="20000"/>
+                <a:satMod val="255000"/>
+              </a:schemeClr>
+            </a:gs>
+          </a:gsLst>
+          <a:path path="circle">
+            <a:fillToRect l="50000" t="-80000" r="50000" b="180000"/>
+          </a:path>
+        </a:gradFill>
+        <a:gradFill rotWithShape="1">
+          <a:gsLst>
+            <a:gs pos="0">
+              <a:schemeClr val="phClr">
+                <a:tint val="80000"/>
+                <a:satMod val="300000"/>
+              </a:schemeClr>
+            </a:gs>
+            <a:gs pos="100000">
+              <a:schemeClr val="phClr">
+                <a:shade val="30000"/>
+                <a:satMod val="200000"/>
+              </a:schemeClr>
+            </a:gs>
+          </a:gsLst>
+          <a:path path="circle">
+            <a:fillToRect l="50000" t="50000" r="50000" b="50000"/>
+          </a:path>
+        </a:gradFill>
+      </a:bgFillStyleLst>
+    </a:fmtScheme>
+  </a:themeElements>
+</a:theme>
+</file>
+
+<file path=ppt/theme/theme2.xml><?xml version="1.0" encoding="utf-8"?>
 <a:theme xmlns:a="http://schemas.openxmlformats.org/drawingml/2006/main" xmlns:r="http://schemas.openxmlformats.org/officeDocument/2006/relationships">
   <a:themeElements>
     <a:clrScheme name="Default">
@@ -15112,283 +10120,4 @@
     </a:fmtScheme>
   </a:themeElements>
 </a:theme>
-</file>
-
-<file path=ppt/theme/theme2.xml><?xml version="1.0" encoding="utf-8"?>
-<a:theme xmlns:a="http://schemas.openxmlformats.org/drawingml/2006/main" xmlns:r="http://schemas.openxmlformats.org/officeDocument/2006/relationships" name="NU white  theme 4x3">
-  <a:themeElements>
-    <a:clrScheme name="Серая">
-      <a:dk1>
-        <a:srgbClr val="000000"/>
-      </a:dk1>
-      <a:lt1>
-        <a:srgbClr val="FFFFFF"/>
-      </a:lt1>
-      <a:dk2>
-        <a:srgbClr val="000000"/>
-      </a:dk2>
-      <a:lt2>
-        <a:srgbClr val="F8F8F8"/>
-      </a:lt2>
-      <a:accent1>
-        <a:srgbClr val="DDDDDD"/>
-      </a:accent1>
-      <a:accent2>
-        <a:srgbClr val="B2B2B2"/>
-      </a:accent2>
-      <a:accent3>
-        <a:srgbClr val="969696"/>
-      </a:accent3>
-      <a:accent4>
-        <a:srgbClr val="808080"/>
-      </a:accent4>
-      <a:accent5>
-        <a:srgbClr val="5F5F5F"/>
-      </a:accent5>
-      <a:accent6>
-        <a:srgbClr val="4D4D4D"/>
-      </a:accent6>
-      <a:hlink>
-        <a:srgbClr val="5F5F5F"/>
-      </a:hlink>
-      <a:folHlink>
-        <a:srgbClr val="919191"/>
-      </a:folHlink>
-    </a:clrScheme>
-    <a:fontScheme name="Office">
-      <a:majorFont>
-        <a:latin typeface="Arial"/>
-        <a:ea typeface=""/>
-        <a:cs typeface=""/>
-        <a:font script="Jpan" typeface="ＭＳ Ｐゴシック"/>
-        <a:font script="Hang" typeface="맑은 고딕"/>
-        <a:font script="Hans" typeface="宋体"/>
-        <a:font script="Hant" typeface="新細明體"/>
-        <a:font script="Arab" typeface="Times New Roman"/>
-        <a:font script="Hebr" typeface="Times New Roman"/>
-        <a:font script="Thai" typeface="Angsana New"/>
-        <a:font script="Ethi" typeface="Nyala"/>
-        <a:font script="Beng" typeface="Vrinda"/>
-        <a:font script="Gujr" typeface="Shruti"/>
-        <a:font script="Khmr" typeface="MoolBoran"/>
-        <a:font script="Knda" typeface="Tunga"/>
-        <a:font script="Guru" typeface="Raavi"/>
-        <a:font script="Cans" typeface="Euphemia"/>
-        <a:font script="Cher" typeface="Plantagenet Cherokee"/>
-        <a:font script="Yiii" typeface="Microsoft Yi Baiti"/>
-        <a:font script="Tibt" typeface="Microsoft Himalaya"/>
-        <a:font script="Thaa" typeface="MV Boli"/>
-        <a:font script="Deva" typeface="Mangal"/>
-        <a:font script="Telu" typeface="Gautami"/>
-        <a:font script="Taml" typeface="Latha"/>
-        <a:font script="Syrc" typeface="Estrangelo Edessa"/>
-        <a:font script="Orya" typeface="Kalinga"/>
-        <a:font script="Mlym" typeface="Kartika"/>
-        <a:font script="Laoo" typeface="DokChampa"/>
-        <a:font script="Sinh" typeface="Iskoola Pota"/>
-        <a:font script="Mong" typeface="Mongolian Baiti"/>
-        <a:font script="Viet" typeface="Times New Roman"/>
-        <a:font script="Uigh" typeface="Microsoft Uighur"/>
-        <a:font script="Geor" typeface="Sylfaen"/>
-      </a:majorFont>
-      <a:minorFont>
-        <a:latin typeface="Arial"/>
-        <a:ea typeface=""/>
-        <a:cs typeface=""/>
-        <a:font script="Jpan" typeface="ＭＳ Ｐゴシック"/>
-        <a:font script="Hang" typeface="맑은 고딕"/>
-        <a:font script="Hans" typeface="宋体"/>
-        <a:font script="Hant" typeface="新細明體"/>
-        <a:font script="Arab" typeface="Arial"/>
-        <a:font script="Hebr" typeface="Arial"/>
-        <a:font script="Thai" typeface="Cordia New"/>
-        <a:font script="Ethi" typeface="Nyala"/>
-        <a:font script="Beng" typeface="Vrinda"/>
-        <a:font script="Gujr" typeface="Shruti"/>
-        <a:font script="Khmr" typeface="DaunPenh"/>
-        <a:font script="Knda" typeface="Tunga"/>
-        <a:font script="Guru" typeface="Raavi"/>
-        <a:font script="Cans" typeface="Euphemia"/>
-        <a:font script="Cher" typeface="Plantagenet Cherokee"/>
-        <a:font script="Yiii" typeface="Microsoft Yi Baiti"/>
-        <a:font script="Tibt" typeface="Microsoft Himalaya"/>
-        <a:font script="Thaa" typeface="MV Boli"/>
-        <a:font script="Deva" typeface="Mangal"/>
-        <a:font script="Telu" typeface="Gautami"/>
-        <a:font script="Taml" typeface="Latha"/>
-        <a:font script="Syrc" typeface="Estrangelo Edessa"/>
-        <a:font script="Orya" typeface="Kalinga"/>
-        <a:font script="Mlym" typeface="Kartika"/>
-        <a:font script="Laoo" typeface="DokChampa"/>
-        <a:font script="Sinh" typeface="Iskoola Pota"/>
-        <a:font script="Mong" typeface="Mongolian Baiti"/>
-        <a:font script="Viet" typeface="Arial"/>
-        <a:font script="Uigh" typeface="Microsoft Uighur"/>
-        <a:font script="Geor" typeface="Sylfaen"/>
-      </a:minorFont>
-    </a:fontScheme>
-    <a:fmtScheme name="Office">
-      <a:fillStyleLst>
-        <a:solidFill>
-          <a:schemeClr val="phClr"/>
-        </a:solidFill>
-        <a:gradFill rotWithShape="1">
-          <a:gsLst>
-            <a:gs pos="0">
-              <a:schemeClr val="phClr">
-                <a:tint val="50000"/>
-                <a:satMod val="300000"/>
-              </a:schemeClr>
-            </a:gs>
-            <a:gs pos="35000">
-              <a:schemeClr val="phClr">
-                <a:tint val="37000"/>
-                <a:satMod val="300000"/>
-              </a:schemeClr>
-            </a:gs>
-            <a:gs pos="100000">
-              <a:schemeClr val="phClr">
-                <a:tint val="15000"/>
-                <a:satMod val="350000"/>
-              </a:schemeClr>
-            </a:gs>
-          </a:gsLst>
-          <a:lin ang="16200000" scaled="1"/>
-        </a:gradFill>
-        <a:gradFill rotWithShape="1">
-          <a:gsLst>
-            <a:gs pos="0">
-              <a:schemeClr val="phClr">
-                <a:tint val="100000"/>
-                <a:shade val="100000"/>
-                <a:satMod val="130000"/>
-              </a:schemeClr>
-            </a:gs>
-            <a:gs pos="100000">
-              <a:schemeClr val="phClr">
-                <a:tint val="50000"/>
-                <a:shade val="100000"/>
-                <a:satMod val="350000"/>
-              </a:schemeClr>
-            </a:gs>
-          </a:gsLst>
-          <a:lin ang="16200000" scaled="0"/>
-        </a:gradFill>
-      </a:fillStyleLst>
-      <a:lnStyleLst>
-        <a:ln w="9525" cap="flat" cmpd="sng" algn="ctr">
-          <a:solidFill>
-            <a:schemeClr val="phClr">
-              <a:shade val="95000"/>
-              <a:satMod val="105000"/>
-            </a:schemeClr>
-          </a:solidFill>
-          <a:prstDash val="solid"/>
-        </a:ln>
-        <a:ln w="25400" cap="flat" cmpd="sng" algn="ctr">
-          <a:solidFill>
-            <a:schemeClr val="phClr"/>
-          </a:solidFill>
-          <a:prstDash val="solid"/>
-        </a:ln>
-        <a:ln w="38100" cap="flat" cmpd="sng" algn="ctr">
-          <a:solidFill>
-            <a:schemeClr val="phClr"/>
-          </a:solidFill>
-          <a:prstDash val="solid"/>
-        </a:ln>
-      </a:lnStyleLst>
-      <a:effectStyleLst>
-        <a:effectStyle>
-          <a:effectLst>
-            <a:outerShdw blurRad="40000" dist="20000" dir="5400000" rotWithShape="0">
-              <a:srgbClr val="000000">
-                <a:alpha val="38000"/>
-              </a:srgbClr>
-            </a:outerShdw>
-          </a:effectLst>
-        </a:effectStyle>
-        <a:effectStyle>
-          <a:effectLst>
-            <a:outerShdw blurRad="40000" dist="23000" dir="5400000" rotWithShape="0">
-              <a:srgbClr val="000000">
-                <a:alpha val="35000"/>
-              </a:srgbClr>
-            </a:outerShdw>
-          </a:effectLst>
-        </a:effectStyle>
-        <a:effectStyle>
-          <a:effectLst>
-            <a:outerShdw blurRad="40000" dist="23000" dir="5400000" rotWithShape="0">
-              <a:srgbClr val="000000">
-                <a:alpha val="35000"/>
-              </a:srgbClr>
-            </a:outerShdw>
-          </a:effectLst>
-          <a:scene3d>
-            <a:camera prst="orthographicFront">
-              <a:rot lat="0" lon="0" rev="0"/>
-            </a:camera>
-            <a:lightRig rig="threePt" dir="t">
-              <a:rot lat="0" lon="0" rev="1200000"/>
-            </a:lightRig>
-          </a:scene3d>
-          <a:sp3d>
-            <a:bevelT w="63500" h="25400"/>
-          </a:sp3d>
-        </a:effectStyle>
-      </a:effectStyleLst>
-      <a:bgFillStyleLst>
-        <a:solidFill>
-          <a:schemeClr val="phClr"/>
-        </a:solidFill>
-        <a:gradFill rotWithShape="1">
-          <a:gsLst>
-            <a:gs pos="0">
-              <a:schemeClr val="phClr">
-                <a:tint val="40000"/>
-                <a:satMod val="350000"/>
-              </a:schemeClr>
-            </a:gs>
-            <a:gs pos="40000">
-              <a:schemeClr val="phClr">
-                <a:tint val="45000"/>
-                <a:shade val="99000"/>
-                <a:satMod val="350000"/>
-              </a:schemeClr>
-            </a:gs>
-            <a:gs pos="100000">
-              <a:schemeClr val="phClr">
-                <a:shade val="20000"/>
-                <a:satMod val="255000"/>
-              </a:schemeClr>
-            </a:gs>
-          </a:gsLst>
-          <a:path path="circle">
-            <a:fillToRect l="50000" t="-80000" r="50000" b="180000"/>
-          </a:path>
-        </a:gradFill>
-        <a:gradFill rotWithShape="1">
-          <a:gsLst>
-            <a:gs pos="0">
-              <a:schemeClr val="phClr">
-                <a:tint val="80000"/>
-                <a:satMod val="300000"/>
-              </a:schemeClr>
-            </a:gs>
-            <a:gs pos="100000">
-              <a:schemeClr val="phClr">
-                <a:shade val="30000"/>
-                <a:satMod val="200000"/>
-              </a:schemeClr>
-            </a:gs>
-          </a:gsLst>
-          <a:path path="circle">
-            <a:fillToRect l="50000" t="50000" r="50000" b="50000"/>
-          </a:path>
-        </a:gradFill>
-      </a:bgFillStyleLst>
-    </a:fmtScheme>
-  </a:themeElements>
-</a:theme>
 </file>